--- a/docs/images/ColoniesArch.pptx
+++ b/docs/images/ColoniesArch.pptx
@@ -3418,9 +3418,8 @@
             <a:avLst/>
           </a:prstGeom>
           <a:solidFill>
-            <a:schemeClr val="accent6">
-              <a:lumMod val="40000"/>
-              <a:lumOff val="60000"/>
+            <a:schemeClr val="bg1">
+              <a:lumMod val="65000"/>
             </a:schemeClr>
           </a:solidFill>
           <a:ln>
@@ -3769,9 +3768,8 @@
             <a:avLst/>
           </a:prstGeom>
           <a:solidFill>
-            <a:schemeClr val="accent2">
-              <a:lumMod val="40000"/>
-              <a:lumOff val="60000"/>
+            <a:schemeClr val="bg1">
+              <a:lumMod val="65000"/>
             </a:schemeClr>
           </a:solidFill>
           <a:ln>
@@ -3870,9 +3868,8 @@
             <a:avLst/>
           </a:prstGeom>
           <a:solidFill>
-            <a:schemeClr val="accent2">
-              <a:lumMod val="40000"/>
-              <a:lumOff val="60000"/>
+            <a:schemeClr val="bg1">
+              <a:lumMod val="65000"/>
             </a:schemeClr>
           </a:solidFill>
           <a:ln>
@@ -3971,9 +3968,8 @@
             <a:avLst/>
           </a:prstGeom>
           <a:solidFill>
-            <a:schemeClr val="accent2">
-              <a:lumMod val="40000"/>
-              <a:lumOff val="60000"/>
+            <a:schemeClr val="bg1">
+              <a:lumMod val="65000"/>
             </a:schemeClr>
           </a:solidFill>
           <a:ln>
@@ -4174,7 +4170,7 @@
             <a:pPr algn="ctr"/>
             <a:r>
               <a:rPr lang="en-US" sz="1400" dirty="0"/>
-              <a:t>Launch</a:t>
+              <a:t>Submit</a:t>
             </a:r>
           </a:p>
           <a:p>
@@ -4600,7 +4596,7 @@
             <a:pPr algn="ctr"/>
             <a:r>
               <a:rPr lang="en-US" sz="1400" dirty="0"/>
-              <a:t>Execute</a:t>
+              <a:t>Get</a:t>
             </a:r>
           </a:p>
           <a:p>
@@ -4933,8 +4929,8 @@
         </p:nvSpPr>
         <p:spPr>
           <a:xfrm>
-            <a:off x="7918458" y="1278750"/>
-            <a:ext cx="1829155" cy="307777"/>
+            <a:off x="7973762" y="1278750"/>
+            <a:ext cx="1718547" cy="307777"/>
           </a:xfrm>
           <a:prstGeom prst="rect">
             <a:avLst/>
@@ -4950,7 +4946,7 @@
             <a:pPr algn="ctr"/>
             <a:r>
               <a:rPr lang="en-US" sz="1400" dirty="0"/>
-              <a:t>Add Colony Runtime D</a:t>
+              <a:t>Add Colony Runtime </a:t>
             </a:r>
           </a:p>
         </p:txBody>
@@ -5025,7 +5021,7 @@
         </p:blipFill>
         <p:spPr bwMode="auto">
           <a:xfrm>
-            <a:off x="8782526" y="468534"/>
+            <a:off x="8288541" y="468534"/>
             <a:ext cx="751777" cy="751777"/>
           </a:xfrm>
           <a:prstGeom prst="rect">
@@ -5057,8 +5053,8 @@
         </p:nvSpPr>
         <p:spPr>
           <a:xfrm>
-            <a:off x="8847927" y="161614"/>
-            <a:ext cx="667170" cy="307777"/>
+            <a:off x="8058253" y="161614"/>
+            <a:ext cx="1258550" cy="307777"/>
           </a:xfrm>
           <a:prstGeom prst="rect">
             <a:avLst/>
@@ -5074,7 +5070,7 @@
             <a:pPr algn="ctr"/>
             <a:r>
               <a:rPr lang="en-US" sz="1400" dirty="0"/>
-              <a:t>User A</a:t>
+              <a:t>Colony Owner</a:t>
             </a:r>
           </a:p>
         </p:txBody>
@@ -5101,7 +5097,7 @@
         </p:blipFill>
         <p:spPr>
           <a:xfrm>
-            <a:off x="9502922" y="431230"/>
+            <a:off x="9061028" y="433865"/>
             <a:ext cx="864687" cy="432344"/>
           </a:xfrm>
           <a:prstGeom prst="rect">
@@ -5199,6 +5195,78 @@
           </a:prstGeom>
         </p:spPr>
       </p:pic>
+      <p:sp>
+        <p:nvSpPr>
+          <p:cNvPr id="136" name="TextBox 135">
+            <a:extLst>
+              <a:ext uri="{FF2B5EF4-FFF2-40B4-BE49-F238E27FC236}">
+                <a16:creationId xmlns:a16="http://schemas.microsoft.com/office/drawing/2014/main" id="{9347EF24-5728-7549-9E17-5C25641AAB27}"/>
+              </a:ext>
+            </a:extLst>
+          </p:cNvPr>
+          <p:cNvSpPr txBox="1"/>
+          <p:nvPr/>
+        </p:nvSpPr>
+        <p:spPr>
+          <a:xfrm>
+            <a:off x="8863732" y="800452"/>
+            <a:ext cx="1338122" cy="276999"/>
+          </a:xfrm>
+          <a:prstGeom prst="rect">
+            <a:avLst/>
+          </a:prstGeom>
+          <a:noFill/>
+        </p:spPr>
+        <p:txBody>
+          <a:bodyPr wrap="none" rtlCol="0">
+            <a:spAutoFit/>
+          </a:bodyPr>
+          <a:lstStyle/>
+          <a:p>
+            <a:pPr algn="ctr"/>
+            <a:r>
+              <a:rPr lang="en-US" sz="1200" dirty="0"/>
+              <a:t>Colony Private Key</a:t>
+            </a:r>
+          </a:p>
+        </p:txBody>
+      </p:sp>
+      <p:sp>
+        <p:nvSpPr>
+          <p:cNvPr id="137" name="TextBox 136">
+            <a:extLst>
+              <a:ext uri="{FF2B5EF4-FFF2-40B4-BE49-F238E27FC236}">
+                <a16:creationId xmlns:a16="http://schemas.microsoft.com/office/drawing/2014/main" id="{A3654886-3EA6-FB46-BAC4-D98D65CDD890}"/>
+              </a:ext>
+            </a:extLst>
+          </p:cNvPr>
+          <p:cNvSpPr txBox="1"/>
+          <p:nvPr/>
+        </p:nvSpPr>
+        <p:spPr>
+          <a:xfrm>
+            <a:off x="1470597" y="3863923"/>
+            <a:ext cx="1565621" cy="276999"/>
+          </a:xfrm>
+          <a:prstGeom prst="rect">
+            <a:avLst/>
+          </a:prstGeom>
+          <a:noFill/>
+        </p:spPr>
+        <p:txBody>
+          <a:bodyPr wrap="none" rtlCol="0">
+            <a:spAutoFit/>
+          </a:bodyPr>
+          <a:lstStyle/>
+          <a:p>
+            <a:pPr algn="ctr"/>
+            <a:r>
+              <a:rPr lang="en-US" sz="1200" dirty="0"/>
+              <a:t>Runtime Private Key A</a:t>
+            </a:r>
+          </a:p>
+        </p:txBody>
+      </p:sp>
     </p:spTree>
     <p:extLst>
       <p:ext uri="{BB962C8B-B14F-4D97-AF65-F5344CB8AC3E}">

--- a/docs/images/ColoniesArch.pptx
+++ b/docs/images/ColoniesArch.pptx
@@ -3356,7 +3356,7 @@
         </p:nvSpPr>
         <p:spPr>
           <a:xfrm>
-            <a:off x="4262744" y="447967"/>
+            <a:off x="4274467" y="295568"/>
             <a:ext cx="2734873" cy="1915485"/>
           </a:xfrm>
           <a:prstGeom prst="rect">
@@ -3411,7 +3411,7 @@
         </p:nvSpPr>
         <p:spPr>
           <a:xfrm>
-            <a:off x="4506253" y="967009"/>
+            <a:off x="4517976" y="814610"/>
             <a:ext cx="1933161" cy="1162878"/>
           </a:xfrm>
           <a:prstGeom prst="ellipse">
@@ -3465,7 +3465,7 @@
         </p:nvSpPr>
         <p:spPr>
           <a:xfrm>
-            <a:off x="2589507" y="571404"/>
+            <a:off x="2601230" y="419005"/>
             <a:ext cx="6097656" cy="338554"/>
           </a:xfrm>
           <a:prstGeom prst="rect">
@@ -3501,7 +3501,7 @@
         </p:nvSpPr>
         <p:spPr>
           <a:xfrm>
-            <a:off x="2386632" y="2863929"/>
+            <a:off x="2398355" y="2711530"/>
             <a:ext cx="6446261" cy="912728"/>
           </a:xfrm>
           <a:prstGeom prst="cloud">
@@ -3555,7 +3555,7 @@
         </p:nvSpPr>
         <p:spPr>
           <a:xfrm>
-            <a:off x="5092661" y="1109473"/>
+            <a:off x="5104384" y="957074"/>
             <a:ext cx="6097656" cy="338554"/>
           </a:xfrm>
           <a:prstGeom prst="rect">
@@ -3590,7 +3590,7 @@
         </p:nvSpPr>
         <p:spPr>
           <a:xfrm>
-            <a:off x="4981146" y="1717274"/>
+            <a:off x="4992869" y="1564875"/>
             <a:ext cx="268357" cy="245559"/>
           </a:xfrm>
           <a:prstGeom prst="ellipse">
@@ -3598,8 +3598,8 @@
           </a:prstGeom>
           <a:solidFill>
             <a:schemeClr val="accent2">
-              <a:lumMod val="40000"/>
-              <a:lumOff val="60000"/>
+              <a:lumMod val="60000"/>
+              <a:lumOff val="40000"/>
             </a:schemeClr>
           </a:solidFill>
           <a:ln>
@@ -3647,7 +3647,7 @@
         </p:nvSpPr>
         <p:spPr>
           <a:xfrm>
-            <a:off x="5336777" y="1487714"/>
+            <a:off x="5348500" y="1335315"/>
             <a:ext cx="268357" cy="245559"/>
           </a:xfrm>
           <a:prstGeom prst="ellipse">
@@ -3655,8 +3655,8 @@
           </a:prstGeom>
           <a:solidFill>
             <a:schemeClr val="accent2">
-              <a:lumMod val="40000"/>
-              <a:lumOff val="60000"/>
+              <a:lumMod val="60000"/>
+              <a:lumOff val="40000"/>
             </a:schemeClr>
           </a:solidFill>
           <a:ln>
@@ -3704,7 +3704,7 @@
         </p:nvSpPr>
         <p:spPr>
           <a:xfrm>
-            <a:off x="5700013" y="1697865"/>
+            <a:off x="5711736" y="1545466"/>
             <a:ext cx="268357" cy="245559"/>
           </a:xfrm>
           <a:prstGeom prst="ellipse">
@@ -3712,8 +3712,8 @@
           </a:prstGeom>
           <a:solidFill>
             <a:schemeClr val="accent2">
-              <a:lumMod val="40000"/>
-              <a:lumOff val="60000"/>
+              <a:lumMod val="60000"/>
+              <a:lumOff val="40000"/>
             </a:schemeClr>
           </a:solidFill>
           <a:ln>
@@ -3761,7 +3761,7 @@
         </p:nvSpPr>
         <p:spPr>
           <a:xfrm>
-            <a:off x="2443779" y="4221931"/>
+            <a:off x="2455502" y="4069532"/>
             <a:ext cx="1976646" cy="570563"/>
           </a:xfrm>
           <a:prstGeom prst="rect">
@@ -3769,7 +3769,7 @@
           </a:prstGeom>
           <a:solidFill>
             <a:schemeClr val="bg1">
-              <a:lumMod val="65000"/>
+              <a:lumMod val="75000"/>
             </a:schemeClr>
           </a:solidFill>
           <a:ln>
@@ -3799,7 +3799,7 @@
             <a:pPr algn="ctr"/>
             <a:r>
               <a:rPr lang="en-US" sz="1600" dirty="0"/>
-              <a:t>Colonies Runtime A </a:t>
+              <a:t>Runtime</a:t>
             </a:r>
           </a:p>
         </p:txBody>
@@ -3822,7 +3822,7 @@
         </p:nvCxnSpPr>
         <p:spPr>
           <a:xfrm flipH="1">
-            <a:off x="3432102" y="1926872"/>
+            <a:off x="3443825" y="1774473"/>
             <a:ext cx="1588344" cy="2295059"/>
           </a:xfrm>
           <a:prstGeom prst="line">
@@ -3861,7 +3861,7 @@
         </p:nvSpPr>
         <p:spPr>
           <a:xfrm>
-            <a:off x="4650013" y="4221931"/>
+            <a:off x="4661736" y="4069532"/>
             <a:ext cx="1976646" cy="570563"/>
           </a:xfrm>
           <a:prstGeom prst="rect">
@@ -3869,7 +3869,7 @@
           </a:prstGeom>
           <a:solidFill>
             <a:schemeClr val="bg1">
-              <a:lumMod val="65000"/>
+              <a:lumMod val="75000"/>
             </a:schemeClr>
           </a:solidFill>
           <a:ln>
@@ -3899,7 +3899,7 @@
             <a:pPr algn="ctr"/>
             <a:r>
               <a:rPr lang="en-US" sz="1600" dirty="0"/>
-              <a:t>Colonies Runtime B</a:t>
+              <a:t>Runtime</a:t>
             </a:r>
           </a:p>
         </p:txBody>
@@ -3922,7 +3922,7 @@
         </p:nvCxnSpPr>
         <p:spPr>
           <a:xfrm>
-            <a:off x="5470956" y="1733273"/>
+            <a:off x="5482679" y="1580874"/>
             <a:ext cx="167380" cy="2488658"/>
           </a:xfrm>
           <a:prstGeom prst="line">
@@ -3961,7 +3961,7 @@
         </p:nvSpPr>
         <p:spPr>
           <a:xfrm>
-            <a:off x="6856247" y="4225045"/>
+            <a:off x="6867970" y="4072646"/>
             <a:ext cx="1976646" cy="570563"/>
           </a:xfrm>
           <a:prstGeom prst="rect">
@@ -3969,7 +3969,7 @@
           </a:prstGeom>
           <a:solidFill>
             <a:schemeClr val="bg1">
-              <a:lumMod val="65000"/>
+              <a:lumMod val="75000"/>
             </a:schemeClr>
           </a:solidFill>
           <a:ln>
@@ -3999,7 +3999,7 @@
             <a:pPr algn="ctr"/>
             <a:r>
               <a:rPr lang="en-US" sz="1600" dirty="0"/>
-              <a:t>Colonies Runtime C</a:t>
+              <a:t>Runtime</a:t>
             </a:r>
           </a:p>
         </p:txBody>
@@ -4022,7 +4022,7 @@
         </p:nvCxnSpPr>
         <p:spPr>
           <a:xfrm>
-            <a:off x="5929070" y="1907463"/>
+            <a:off x="5940793" y="1755064"/>
             <a:ext cx="1915500" cy="2317582"/>
           </a:xfrm>
           <a:prstGeom prst="line">
@@ -4061,7 +4061,7 @@
         </p:nvSpPr>
         <p:spPr>
           <a:xfrm>
-            <a:off x="5814703" y="2976986"/>
+            <a:off x="5826426" y="2824587"/>
             <a:ext cx="6098058" cy="338554"/>
           </a:xfrm>
           <a:prstGeom prst="rect">
@@ -4096,15 +4096,16 @@
         </p:nvSpPr>
         <p:spPr>
           <a:xfrm rot="5400000">
-            <a:off x="6195703" y="1234012"/>
+            <a:off x="6207426" y="1081613"/>
             <a:ext cx="1915483" cy="343398"/>
           </a:xfrm>
           <a:prstGeom prst="rect">
             <a:avLst/>
           </a:prstGeom>
           <a:solidFill>
-            <a:schemeClr val="bg2">
-              <a:lumMod val="90000"/>
+            <a:schemeClr val="accent6">
+              <a:lumMod val="60000"/>
+              <a:lumOff val="40000"/>
             </a:schemeClr>
           </a:solidFill>
           <a:ln>
@@ -4134,7 +4135,7 @@
             <a:pPr algn="ctr"/>
             <a:r>
               <a:rPr lang="en-US" sz="1600" dirty="0"/>
-              <a:t>Management API</a:t>
+              <a:t>Runtime API</a:t>
             </a:r>
           </a:p>
         </p:txBody>
@@ -4153,8 +4154,8 @@
         </p:nvSpPr>
         <p:spPr>
           <a:xfrm>
-            <a:off x="2915704" y="5741753"/>
-            <a:ext cx="882293" cy="523220"/>
+            <a:off x="2294897" y="5236806"/>
+            <a:ext cx="1119537" cy="738664"/>
           </a:xfrm>
           <a:prstGeom prst="rect">
             <a:avLst/>
@@ -4177,7 +4178,14 @@
             <a:pPr algn="ctr"/>
             <a:r>
               <a:rPr lang="en-US" sz="1400" dirty="0"/>
-              <a:t>Process A</a:t>
+              <a:t>Process Spec</a:t>
+            </a:r>
+          </a:p>
+          <a:p>
+            <a:pPr algn="ctr"/>
+            <a:r>
+              <a:rPr lang="en-US" sz="1400" dirty="0"/>
+              <a:t>A</a:t>
             </a:r>
           </a:p>
         </p:txBody>
@@ -4196,7 +4204,7 @@
         </p:nvSpPr>
         <p:spPr>
           <a:xfrm>
-            <a:off x="6037117" y="1474846"/>
+            <a:off x="6048840" y="1322447"/>
             <a:ext cx="268357" cy="245559"/>
           </a:xfrm>
           <a:prstGeom prst="ellipse">
@@ -4204,8 +4212,8 @@
           </a:prstGeom>
           <a:solidFill>
             <a:schemeClr val="accent2">
-              <a:lumMod val="40000"/>
-              <a:lumOff val="60000"/>
+              <a:lumMod val="60000"/>
+              <a:lumOff val="40000"/>
             </a:schemeClr>
           </a:solidFill>
           <a:ln>
@@ -4253,16 +4261,14 @@
         </p:nvSpPr>
         <p:spPr>
           <a:xfrm>
-            <a:off x="2443779" y="4786820"/>
+            <a:off x="2455502" y="4634421"/>
             <a:ext cx="1976646" cy="350895"/>
           </a:xfrm>
           <a:prstGeom prst="rect">
             <a:avLst/>
           </a:prstGeom>
           <a:solidFill>
-            <a:schemeClr val="bg2">
-              <a:lumMod val="90000"/>
-            </a:schemeClr>
+            <a:srgbClr val="F5C3F3"/>
           </a:solidFill>
           <a:ln>
             <a:solidFill>
@@ -4310,16 +4316,14 @@
         </p:nvSpPr>
         <p:spPr>
           <a:xfrm>
-            <a:off x="4650013" y="4786819"/>
+            <a:off x="4661736" y="4634420"/>
             <a:ext cx="1976646" cy="350895"/>
           </a:xfrm>
           <a:prstGeom prst="rect">
             <a:avLst/>
           </a:prstGeom>
           <a:solidFill>
-            <a:schemeClr val="bg2">
-              <a:lumMod val="90000"/>
-            </a:schemeClr>
+            <a:srgbClr val="F5C3F3"/>
           </a:solidFill>
           <a:ln>
             <a:solidFill>
@@ -4367,16 +4371,14 @@
         </p:nvSpPr>
         <p:spPr>
           <a:xfrm>
-            <a:off x="6860100" y="4795608"/>
+            <a:off x="6871823" y="4643209"/>
             <a:ext cx="1976646" cy="350895"/>
           </a:xfrm>
           <a:prstGeom prst="rect">
             <a:avLst/>
           </a:prstGeom>
           <a:solidFill>
-            <a:schemeClr val="bg2">
-              <a:lumMod val="90000"/>
-            </a:schemeClr>
+            <a:srgbClr val="F5C3F3"/>
           </a:solidFill>
           <a:ln>
             <a:solidFill>
@@ -4421,18 +4423,20 @@
           </p:cNvPr>
           <p:cNvCxnSpPr>
             <a:cxnSpLocks/>
+            <a:stCxn id="172" idx="0"/>
+            <a:endCxn id="55" idx="2"/>
           </p:cNvCxnSpPr>
           <p:nvPr/>
         </p:nvCxnSpPr>
         <p:spPr>
           <a:xfrm flipV="1">
-            <a:off x="3404125" y="5157628"/>
-            <a:ext cx="0" cy="592913"/>
+            <a:off x="3430789" y="4985316"/>
+            <a:ext cx="13036" cy="1168396"/>
           </a:xfrm>
           <a:prstGeom prst="straightConnector1">
             <a:avLst/>
           </a:prstGeom>
-          <a:ln>
+          <a:ln w="25400">
             <a:tailEnd type="triangle"/>
           </a:ln>
         </p:spPr>
@@ -4465,7 +4469,7 @@
         </p:nvSpPr>
         <p:spPr>
           <a:xfrm>
-            <a:off x="2009392" y="3305025"/>
+            <a:off x="2021115" y="3152626"/>
             <a:ext cx="2520578" cy="570563"/>
           </a:xfrm>
           <a:prstGeom prst="cloud">
@@ -4522,7 +4526,7 @@
         </p:nvSpPr>
         <p:spPr>
           <a:xfrm>
-            <a:off x="5092661" y="3347562"/>
+            <a:off x="5104384" y="3195163"/>
             <a:ext cx="4234394" cy="570563"/>
           </a:xfrm>
           <a:prstGeom prst="cloud">
@@ -4579,8 +4583,8 @@
         </p:nvSpPr>
         <p:spPr>
           <a:xfrm>
-            <a:off x="4337506" y="5781715"/>
-            <a:ext cx="882293" cy="523220"/>
+            <a:off x="4070561" y="5190024"/>
+            <a:ext cx="778098" cy="738664"/>
           </a:xfrm>
           <a:prstGeom prst="rect">
             <a:avLst/>
@@ -4596,14 +4600,21 @@
             <a:pPr algn="ctr"/>
             <a:r>
               <a:rPr lang="en-US" sz="1400" dirty="0"/>
-              <a:t>Get</a:t>
+              <a:t>Assign</a:t>
             </a:r>
           </a:p>
           <a:p>
             <a:pPr algn="ctr"/>
             <a:r>
               <a:rPr lang="en-US" sz="1400" dirty="0"/>
-              <a:t>Process A</a:t>
+              <a:t>Process </a:t>
+            </a:r>
+          </a:p>
+          <a:p>
+            <a:pPr algn="ctr"/>
+            <a:r>
+              <a:rPr lang="en-US" sz="1400" dirty="0"/>
+              <a:t>A</a:t>
             </a:r>
           </a:p>
         </p:txBody>
@@ -4624,13 +4635,13 @@
         </p:nvCxnSpPr>
         <p:spPr>
           <a:xfrm>
-            <a:off x="4793440" y="5146503"/>
-            <a:ext cx="0" cy="621601"/>
+            <a:off x="4805163" y="4994104"/>
+            <a:ext cx="0" cy="1159609"/>
           </a:xfrm>
           <a:prstGeom prst="straightConnector1">
             <a:avLst/>
           </a:prstGeom>
-          <a:ln>
+          <a:ln w="25400">
             <a:tailEnd type="triangle"/>
           </a:ln>
         </p:spPr>
@@ -4663,8 +4674,8 @@
         </p:nvSpPr>
         <p:spPr>
           <a:xfrm>
-            <a:off x="5186397" y="5730628"/>
-            <a:ext cx="882293" cy="738664"/>
+            <a:off x="4813177" y="5125063"/>
+            <a:ext cx="845681" cy="954107"/>
           </a:xfrm>
           <a:prstGeom prst="rect">
             <a:avLst/>
@@ -4694,7 +4705,14 @@
             <a:pPr algn="ctr"/>
             <a:r>
               <a:rPr lang="en-US" sz="1400" dirty="0"/>
-              <a:t>Process A</a:t>
+              <a:t>Process </a:t>
+            </a:r>
+          </a:p>
+          <a:p>
+            <a:pPr algn="ctr"/>
+            <a:r>
+              <a:rPr lang="en-US" sz="1400" dirty="0"/>
+              <a:t>A</a:t>
             </a:r>
           </a:p>
         </p:txBody>
@@ -4710,18 +4728,20 @@
           </p:cNvPr>
           <p:cNvCxnSpPr>
             <a:cxnSpLocks/>
+            <a:stCxn id="164" idx="0"/>
+            <a:endCxn id="56" idx="2"/>
           </p:cNvCxnSpPr>
           <p:nvPr/>
         </p:nvCxnSpPr>
         <p:spPr>
           <a:xfrm flipV="1">
-            <a:off x="5674815" y="5146503"/>
-            <a:ext cx="0" cy="592913"/>
+            <a:off x="5650057" y="4985315"/>
+            <a:ext cx="2" cy="1168398"/>
           </a:xfrm>
           <a:prstGeom prst="straightConnector1">
             <a:avLst/>
           </a:prstGeom>
-          <a:ln>
+          <a:ln w="25400">
             <a:tailEnd type="triangle"/>
           </a:ln>
         </p:spPr>
@@ -4754,8 +4774,8 @@
         </p:nvSpPr>
         <p:spPr>
           <a:xfrm>
-            <a:off x="5990438" y="5735886"/>
-            <a:ext cx="882293" cy="523220"/>
+            <a:off x="5666887" y="5177757"/>
+            <a:ext cx="778098" cy="738664"/>
           </a:xfrm>
           <a:prstGeom prst="rect">
             <a:avLst/>
@@ -4778,7 +4798,14 @@
             <a:pPr algn="ctr"/>
             <a:r>
               <a:rPr lang="en-US" sz="1400" dirty="0"/>
-              <a:t>Process A</a:t>
+              <a:t>Process </a:t>
+            </a:r>
+          </a:p>
+          <a:p>
+            <a:pPr algn="ctr"/>
+            <a:r>
+              <a:rPr lang="en-US" sz="1400" dirty="0"/>
+              <a:t>A</a:t>
             </a:r>
           </a:p>
         </p:txBody>
@@ -4799,13 +4826,13 @@
         </p:nvCxnSpPr>
         <p:spPr>
           <a:xfrm flipV="1">
-            <a:off x="6478855" y="5151761"/>
-            <a:ext cx="0" cy="592913"/>
+            <a:off x="6490578" y="4999363"/>
+            <a:ext cx="0" cy="1154350"/>
           </a:xfrm>
           <a:prstGeom prst="straightConnector1">
             <a:avLst/>
           </a:prstGeom>
-          <a:ln>
+          <a:ln w="25400">
             <a:tailEnd type="triangle"/>
           </a:ln>
         </p:spPr>
@@ -4838,7 +4865,7 @@
         </p:nvSpPr>
         <p:spPr>
           <a:xfrm>
-            <a:off x="7388637" y="5772926"/>
+            <a:off x="6971091" y="5198066"/>
             <a:ext cx="882293" cy="738664"/>
           </a:xfrm>
           <a:prstGeom prst="rect">
@@ -4885,18 +4912,19 @@
           </p:cNvPr>
           <p:cNvCxnSpPr>
             <a:cxnSpLocks/>
+            <a:endCxn id="175" idx="0"/>
           </p:cNvCxnSpPr>
           <p:nvPr/>
         </p:nvCxnSpPr>
         <p:spPr>
-          <a:xfrm>
-            <a:off x="7844570" y="5137714"/>
-            <a:ext cx="0" cy="621601"/>
+          <a:xfrm flipH="1">
+            <a:off x="7853384" y="4985315"/>
+            <a:ext cx="2910" cy="1177310"/>
           </a:xfrm>
           <a:prstGeom prst="straightConnector1">
             <a:avLst/>
           </a:prstGeom>
-          <a:ln>
+          <a:ln w="25400">
             <a:tailEnd type="triangle"/>
           </a:ln>
         </p:spPr>
@@ -4929,7 +4957,7 @@
         </p:nvSpPr>
         <p:spPr>
           <a:xfrm>
-            <a:off x="7973762" y="1278750"/>
+            <a:off x="7985485" y="1126351"/>
             <a:ext cx="1718547" cy="307777"/>
           </a:xfrm>
           <a:prstGeom prst="rect">
@@ -4967,13 +4995,13 @@
         </p:nvCxnSpPr>
         <p:spPr>
           <a:xfrm flipH="1">
-            <a:off x="7332246" y="1431278"/>
+            <a:off x="7343969" y="1278879"/>
             <a:ext cx="586212" cy="1"/>
           </a:xfrm>
           <a:prstGeom prst="straightConnector1">
             <a:avLst/>
           </a:prstGeom>
-          <a:ln>
+          <a:ln w="25400">
             <a:tailEnd type="triangle"/>
           </a:ln>
         </p:spPr>
@@ -5021,7 +5049,7 @@
         </p:blipFill>
         <p:spPr bwMode="auto">
           <a:xfrm>
-            <a:off x="8288541" y="468534"/>
+            <a:off x="8300264" y="316135"/>
             <a:ext cx="751777" cy="751777"/>
           </a:xfrm>
           <a:prstGeom prst="rect">
@@ -5053,7 +5081,7 @@
         </p:nvSpPr>
         <p:spPr>
           <a:xfrm>
-            <a:off x="8058253" y="161614"/>
+            <a:off x="8069976" y="9215"/>
             <a:ext cx="1258550" cy="307777"/>
           </a:xfrm>
           <a:prstGeom prst="rect">
@@ -5075,12 +5103,338 @@
           </a:p>
         </p:txBody>
       </p:sp>
+      <p:sp>
+        <p:nvSpPr>
+          <p:cNvPr id="136" name="TextBox 135">
+            <a:extLst>
+              <a:ext uri="{FF2B5EF4-FFF2-40B4-BE49-F238E27FC236}">
+                <a16:creationId xmlns:a16="http://schemas.microsoft.com/office/drawing/2014/main" id="{9347EF24-5728-7549-9E17-5C25641AAB27}"/>
+              </a:ext>
+            </a:extLst>
+          </p:cNvPr>
+          <p:cNvSpPr txBox="1"/>
+          <p:nvPr/>
+        </p:nvSpPr>
+        <p:spPr>
+          <a:xfrm>
+            <a:off x="8875455" y="648053"/>
+            <a:ext cx="1338122" cy="276999"/>
+          </a:xfrm>
+          <a:prstGeom prst="rect">
+            <a:avLst/>
+          </a:prstGeom>
+          <a:noFill/>
+        </p:spPr>
+        <p:txBody>
+          <a:bodyPr wrap="none" rtlCol="0">
+            <a:spAutoFit/>
+          </a:bodyPr>
+          <a:lstStyle/>
+          <a:p>
+            <a:pPr algn="ctr"/>
+            <a:r>
+              <a:rPr lang="en-US" sz="1200" dirty="0"/>
+              <a:t>Colony Private Key</a:t>
+            </a:r>
+          </a:p>
+        </p:txBody>
+      </p:sp>
+      <p:sp>
+        <p:nvSpPr>
+          <p:cNvPr id="137" name="TextBox 136">
+            <a:extLst>
+              <a:ext uri="{FF2B5EF4-FFF2-40B4-BE49-F238E27FC236}">
+                <a16:creationId xmlns:a16="http://schemas.microsoft.com/office/drawing/2014/main" id="{A3654886-3EA6-FB46-BAC4-D98D65CDD890}"/>
+              </a:ext>
+            </a:extLst>
+          </p:cNvPr>
+          <p:cNvSpPr txBox="1"/>
+          <p:nvPr/>
+        </p:nvSpPr>
+        <p:spPr>
+          <a:xfrm>
+            <a:off x="1482320" y="3711524"/>
+            <a:ext cx="1565621" cy="276999"/>
+          </a:xfrm>
+          <a:prstGeom prst="rect">
+            <a:avLst/>
+          </a:prstGeom>
+          <a:noFill/>
+        </p:spPr>
+        <p:txBody>
+          <a:bodyPr wrap="none" rtlCol="0">
+            <a:spAutoFit/>
+          </a:bodyPr>
+          <a:lstStyle/>
+          <a:p>
+            <a:pPr algn="ctr"/>
+            <a:r>
+              <a:rPr lang="en-US" sz="1200" dirty="0"/>
+              <a:t>Runtime Private Key A</a:t>
+            </a:r>
+          </a:p>
+        </p:txBody>
+      </p:sp>
+      <p:sp>
+        <p:nvSpPr>
+          <p:cNvPr id="141" name="Rectangle 140">
+            <a:extLst>
+              <a:ext uri="{FF2B5EF4-FFF2-40B4-BE49-F238E27FC236}">
+                <a16:creationId xmlns:a16="http://schemas.microsoft.com/office/drawing/2014/main" id="{DE06D826-98AE-854C-97FE-B39041C33FA1}"/>
+              </a:ext>
+            </a:extLst>
+          </p:cNvPr>
+          <p:cNvSpPr/>
+          <p:nvPr/>
+        </p:nvSpPr>
+        <p:spPr>
+          <a:xfrm rot="5400000">
+            <a:off x="3145058" y="1081615"/>
+            <a:ext cx="1915486" cy="343398"/>
+          </a:xfrm>
+          <a:prstGeom prst="rect">
+            <a:avLst/>
+          </a:prstGeom>
+          <a:solidFill>
+            <a:schemeClr val="accent1">
+              <a:lumMod val="60000"/>
+              <a:lumOff val="40000"/>
+            </a:schemeClr>
+          </a:solidFill>
+          <a:ln>
+            <a:solidFill>
+              <a:schemeClr val="tx1"/>
+            </a:solidFill>
+          </a:ln>
+        </p:spPr>
+        <p:style>
+          <a:lnRef idx="2">
+            <a:schemeClr val="accent6"/>
+          </a:lnRef>
+          <a:fillRef idx="1">
+            <a:schemeClr val="lt1"/>
+          </a:fillRef>
+          <a:effectRef idx="0">
+            <a:schemeClr val="accent6"/>
+          </a:effectRef>
+          <a:fontRef idx="minor">
+            <a:schemeClr val="dk1"/>
+          </a:fontRef>
+        </p:style>
+        <p:txBody>
+          <a:bodyPr rtlCol="0" anchor="ctr"/>
+          <a:lstStyle/>
+          <a:p>
+            <a:pPr algn="ctr"/>
+            <a:r>
+              <a:rPr lang="en-US" sz="1600" dirty="0"/>
+              <a:t>Colony API</a:t>
+            </a:r>
+          </a:p>
+        </p:txBody>
+      </p:sp>
+      <p:sp>
+        <p:nvSpPr>
+          <p:cNvPr id="147" name="TextBox 146">
+            <a:extLst>
+              <a:ext uri="{FF2B5EF4-FFF2-40B4-BE49-F238E27FC236}">
+                <a16:creationId xmlns:a16="http://schemas.microsoft.com/office/drawing/2014/main" id="{3BA8C383-3B9D-8142-960F-ABB7B63D01FA}"/>
+              </a:ext>
+            </a:extLst>
+          </p:cNvPr>
+          <p:cNvSpPr txBox="1"/>
+          <p:nvPr/>
+        </p:nvSpPr>
+        <p:spPr>
+          <a:xfrm>
+            <a:off x="1953264" y="1128644"/>
+            <a:ext cx="1315618" cy="307777"/>
+          </a:xfrm>
+          <a:prstGeom prst="rect">
+            <a:avLst/>
+          </a:prstGeom>
+          <a:noFill/>
+        </p:spPr>
+        <p:txBody>
+          <a:bodyPr wrap="none" rtlCol="0">
+            <a:spAutoFit/>
+          </a:bodyPr>
+          <a:lstStyle/>
+          <a:p>
+            <a:pPr algn="ctr"/>
+            <a:r>
+              <a:rPr lang="en-US" sz="1400" dirty="0"/>
+              <a:t>Register Colony</a:t>
+            </a:r>
+          </a:p>
+        </p:txBody>
+      </p:sp>
       <p:pic>
         <p:nvPicPr>
-          <p:cNvPr id="93" name="Picture 92">
-            <a:extLst>
-              <a:ext uri="{FF2B5EF4-FFF2-40B4-BE49-F238E27FC236}">
-                <a16:creationId xmlns:a16="http://schemas.microsoft.com/office/drawing/2014/main" id="{6846A0D1-20D9-CC4E-B7F6-C6314DF0F748}"/>
+          <p:cNvPr id="148" name="Picture 4" descr="Abonnemang och avtal – Allente">
+            <a:extLst>
+              <a:ext uri="{FF2B5EF4-FFF2-40B4-BE49-F238E27FC236}">
+                <a16:creationId xmlns:a16="http://schemas.microsoft.com/office/drawing/2014/main" id="{9AA96AFB-18D1-1840-943A-DDF9F109ED75}"/>
+              </a:ext>
+            </a:extLst>
+          </p:cNvPr>
+          <p:cNvPicPr>
+            <a:picLocks noChangeAspect="1" noChangeArrowheads="1"/>
+          </p:cNvPicPr>
+          <p:nvPr/>
+        </p:nvPicPr>
+        <p:blipFill>
+          <a:blip r:embed="rId2">
+            <a:extLst>
+              <a:ext uri="{28A0092B-C50C-407E-A947-70E740481C1C}">
+                <a14:useLocalDpi xmlns:a14="http://schemas.microsoft.com/office/drawing/2010/main" val="0"/>
+              </a:ext>
+            </a:extLst>
+          </a:blip>
+          <a:srcRect/>
+          <a:stretch>
+            <a:fillRect/>
+          </a:stretch>
+        </p:blipFill>
+        <p:spPr bwMode="auto">
+          <a:xfrm>
+            <a:off x="2066580" y="318428"/>
+            <a:ext cx="751777" cy="751777"/>
+          </a:xfrm>
+          <a:prstGeom prst="rect">
+            <a:avLst/>
+          </a:prstGeom>
+          <a:noFill/>
+          <a:extLst>
+            <a:ext uri="{909E8E84-426E-40DD-AFC4-6F175D3DCCD1}">
+              <a14:hiddenFill xmlns:a14="http://schemas.microsoft.com/office/drawing/2010/main">
+                <a:solidFill>
+                  <a:srgbClr val="FFFFFF"/>
+                </a:solidFill>
+              </a14:hiddenFill>
+            </a:ext>
+          </a:extLst>
+        </p:spPr>
+      </p:pic>
+      <p:sp>
+        <p:nvSpPr>
+          <p:cNvPr id="149" name="TextBox 148">
+            <a:extLst>
+              <a:ext uri="{FF2B5EF4-FFF2-40B4-BE49-F238E27FC236}">
+                <a16:creationId xmlns:a16="http://schemas.microsoft.com/office/drawing/2014/main" id="{8F0C09B7-FD54-9E40-B791-804A67442BFE}"/>
+              </a:ext>
+            </a:extLst>
+          </p:cNvPr>
+          <p:cNvSpPr txBox="1"/>
+          <p:nvPr/>
+        </p:nvSpPr>
+        <p:spPr>
+          <a:xfrm>
+            <a:off x="1872328" y="11508"/>
+            <a:ext cx="1186479" cy="307777"/>
+          </a:xfrm>
+          <a:prstGeom prst="rect">
+            <a:avLst/>
+          </a:prstGeom>
+          <a:noFill/>
+        </p:spPr>
+        <p:txBody>
+          <a:bodyPr wrap="none" rtlCol="0">
+            <a:spAutoFit/>
+          </a:bodyPr>
+          <a:lstStyle/>
+          <a:p>
+            <a:pPr algn="ctr"/>
+            <a:r>
+              <a:rPr lang="en-US" sz="1400" dirty="0"/>
+              <a:t>Server Owner</a:t>
+            </a:r>
+          </a:p>
+        </p:txBody>
+      </p:sp>
+      <p:sp>
+        <p:nvSpPr>
+          <p:cNvPr id="151" name="TextBox 150">
+            <a:extLst>
+              <a:ext uri="{FF2B5EF4-FFF2-40B4-BE49-F238E27FC236}">
+                <a16:creationId xmlns:a16="http://schemas.microsoft.com/office/drawing/2014/main" id="{CE6B3561-47CE-274E-AC47-A33B55971A07}"/>
+              </a:ext>
+            </a:extLst>
+          </p:cNvPr>
+          <p:cNvSpPr txBox="1"/>
+          <p:nvPr/>
+        </p:nvSpPr>
+        <p:spPr>
+          <a:xfrm>
+            <a:off x="810081" y="689900"/>
+            <a:ext cx="1345754" cy="276999"/>
+          </a:xfrm>
+          <a:prstGeom prst="rect">
+            <a:avLst/>
+          </a:prstGeom>
+          <a:noFill/>
+        </p:spPr>
+        <p:txBody>
+          <a:bodyPr wrap="none" rtlCol="0">
+            <a:spAutoFit/>
+          </a:bodyPr>
+          <a:lstStyle/>
+          <a:p>
+            <a:pPr algn="ctr"/>
+            <a:r>
+              <a:rPr lang="en-US" sz="1200" dirty="0"/>
+              <a:t>Server Private Key</a:t>
+            </a:r>
+          </a:p>
+        </p:txBody>
+      </p:sp>
+      <p:cxnSp>
+        <p:nvCxnSpPr>
+          <p:cNvPr id="152" name="Straight Arrow Connector 151">
+            <a:extLst>
+              <a:ext uri="{FF2B5EF4-FFF2-40B4-BE49-F238E27FC236}">
+                <a16:creationId xmlns:a16="http://schemas.microsoft.com/office/drawing/2014/main" id="{303B3764-C936-9740-8294-7C4B44262B0B}"/>
+              </a:ext>
+            </a:extLst>
+          </p:cNvPr>
+          <p:cNvCxnSpPr>
+            <a:cxnSpLocks/>
+          </p:cNvCxnSpPr>
+          <p:nvPr/>
+        </p:nvCxnSpPr>
+        <p:spPr>
+          <a:xfrm>
+            <a:off x="3337981" y="1270624"/>
+            <a:ext cx="593314" cy="4603"/>
+          </a:xfrm>
+          <a:prstGeom prst="straightConnector1">
+            <a:avLst/>
+          </a:prstGeom>
+          <a:ln w="25400">
+            <a:tailEnd type="triangle"/>
+          </a:ln>
+        </p:spPr>
+        <p:style>
+          <a:lnRef idx="1">
+            <a:schemeClr val="dk1"/>
+          </a:lnRef>
+          <a:fillRef idx="0">
+            <a:schemeClr val="dk1"/>
+          </a:fillRef>
+          <a:effectRef idx="0">
+            <a:schemeClr val="dk1"/>
+          </a:effectRef>
+          <a:fontRef idx="minor">
+            <a:schemeClr val="tx1"/>
+          </a:fontRef>
+        </p:style>
+      </p:cxnSp>
+      <p:pic>
+        <p:nvPicPr>
+          <p:cNvPr id="1032" name="Picture 1031">
+            <a:extLst>
+              <a:ext uri="{FF2B5EF4-FFF2-40B4-BE49-F238E27FC236}">
+                <a16:creationId xmlns:a16="http://schemas.microsoft.com/office/drawing/2014/main" id="{5E6FEC98-BEC9-464F-93F2-3C3037188505}"/>
               </a:ext>
             </a:extLst>
           </p:cNvPr>
@@ -5097,7 +5451,7 @@
         </p:blipFill>
         <p:spPr>
           <a:xfrm>
-            <a:off x="9061028" y="433865"/>
+            <a:off x="9139266" y="266351"/>
             <a:ext cx="864687" cy="432344"/>
           </a:xfrm>
           <a:prstGeom prst="rect">
@@ -5107,10 +5461,10 @@
       </p:pic>
       <p:pic>
         <p:nvPicPr>
-          <p:cNvPr id="133" name="Picture 132">
-            <a:extLst>
-              <a:ext uri="{FF2B5EF4-FFF2-40B4-BE49-F238E27FC236}">
-                <a16:creationId xmlns:a16="http://schemas.microsoft.com/office/drawing/2014/main" id="{7A20E621-7B35-7744-9878-CC0DF8930F54}"/>
+          <p:cNvPr id="1033" name="Picture 1032">
+            <a:extLst>
+              <a:ext uri="{FF2B5EF4-FFF2-40B4-BE49-F238E27FC236}">
+                <a16:creationId xmlns:a16="http://schemas.microsoft.com/office/drawing/2014/main" id="{5EA2FEE1-2706-5848-AE6A-D527B0013CEE}"/>
               </a:ext>
             </a:extLst>
           </p:cNvPr>
@@ -5120,14 +5474,14 @@
           <p:nvPr/>
         </p:nvPicPr>
         <p:blipFill>
-          <a:blip r:embed="rId3"/>
+          <a:blip r:embed="rId4"/>
           <a:stretch>
             <a:fillRect/>
           </a:stretch>
         </p:blipFill>
         <p:spPr>
           <a:xfrm>
-            <a:off x="2186710" y="4097448"/>
+            <a:off x="1194071" y="307430"/>
             <a:ext cx="864687" cy="432344"/>
           </a:xfrm>
           <a:prstGeom prst="rect">
@@ -5135,12 +5489,260 @@
           </a:prstGeom>
         </p:spPr>
       </p:pic>
+      <p:sp>
+        <p:nvSpPr>
+          <p:cNvPr id="164" name="Rectangle 163">
+            <a:extLst>
+              <a:ext uri="{FF2B5EF4-FFF2-40B4-BE49-F238E27FC236}">
+                <a16:creationId xmlns:a16="http://schemas.microsoft.com/office/drawing/2014/main" id="{EC9A3CEE-8DB3-784A-B459-1C2287598C75}"/>
+              </a:ext>
+            </a:extLst>
+          </p:cNvPr>
+          <p:cNvSpPr/>
+          <p:nvPr/>
+        </p:nvSpPr>
+        <p:spPr>
+          <a:xfrm>
+            <a:off x="4661736" y="6153713"/>
+            <a:ext cx="1976642" cy="570563"/>
+          </a:xfrm>
+          <a:prstGeom prst="rect">
+            <a:avLst/>
+          </a:prstGeom>
+          <a:solidFill>
+            <a:schemeClr val="bg1">
+              <a:lumMod val="75000"/>
+            </a:schemeClr>
+          </a:solidFill>
+          <a:ln>
+            <a:solidFill>
+              <a:schemeClr val="tx1"/>
+            </a:solidFill>
+          </a:ln>
+        </p:spPr>
+        <p:style>
+          <a:lnRef idx="2">
+            <a:schemeClr val="accent6"/>
+          </a:lnRef>
+          <a:fillRef idx="1">
+            <a:schemeClr val="lt1"/>
+          </a:fillRef>
+          <a:effectRef idx="0">
+            <a:schemeClr val="accent6"/>
+          </a:effectRef>
+          <a:fontRef idx="minor">
+            <a:schemeClr val="dk1"/>
+          </a:fontRef>
+        </p:style>
+        <p:txBody>
+          <a:bodyPr rtlCol="0" anchor="ctr"/>
+          <a:lstStyle/>
+          <a:p>
+            <a:pPr algn="ctr"/>
+            <a:r>
+              <a:rPr lang="en-US" sz="1600" dirty="0"/>
+              <a:t>Kubernetes</a:t>
+            </a:r>
+          </a:p>
+        </p:txBody>
+      </p:sp>
+      <p:sp>
+        <p:nvSpPr>
+          <p:cNvPr id="172" name="Rectangle 171">
+            <a:extLst>
+              <a:ext uri="{FF2B5EF4-FFF2-40B4-BE49-F238E27FC236}">
+                <a16:creationId xmlns:a16="http://schemas.microsoft.com/office/drawing/2014/main" id="{33951E00-B0B0-F74F-8C5F-035DA6C301B4}"/>
+              </a:ext>
+            </a:extLst>
+          </p:cNvPr>
+          <p:cNvSpPr/>
+          <p:nvPr/>
+        </p:nvSpPr>
+        <p:spPr>
+          <a:xfrm>
+            <a:off x="2442468" y="6153712"/>
+            <a:ext cx="1976642" cy="570563"/>
+          </a:xfrm>
+          <a:prstGeom prst="rect">
+            <a:avLst/>
+          </a:prstGeom>
+          <a:solidFill>
+            <a:schemeClr val="bg1">
+              <a:lumMod val="75000"/>
+            </a:schemeClr>
+          </a:solidFill>
+          <a:ln>
+            <a:solidFill>
+              <a:schemeClr val="tx1"/>
+            </a:solidFill>
+          </a:ln>
+        </p:spPr>
+        <p:style>
+          <a:lnRef idx="2">
+            <a:schemeClr val="accent6"/>
+          </a:lnRef>
+          <a:fillRef idx="1">
+            <a:schemeClr val="lt1"/>
+          </a:fillRef>
+          <a:effectRef idx="0">
+            <a:schemeClr val="accent6"/>
+          </a:effectRef>
+          <a:fontRef idx="minor">
+            <a:schemeClr val="dk1"/>
+          </a:fontRef>
+        </p:style>
+        <p:txBody>
+          <a:bodyPr rtlCol="0" anchor="ctr"/>
+          <a:lstStyle/>
+          <a:p>
+            <a:pPr algn="ctr"/>
+            <a:r>
+              <a:rPr lang="en-US" sz="1600" dirty="0"/>
+              <a:t>Android</a:t>
+            </a:r>
+          </a:p>
+        </p:txBody>
+      </p:sp>
+      <p:sp>
+        <p:nvSpPr>
+          <p:cNvPr id="175" name="Rectangle 174">
+            <a:extLst>
+              <a:ext uri="{FF2B5EF4-FFF2-40B4-BE49-F238E27FC236}">
+                <a16:creationId xmlns:a16="http://schemas.microsoft.com/office/drawing/2014/main" id="{300C873D-C91B-C641-A5E0-61CC9F83D957}"/>
+              </a:ext>
+            </a:extLst>
+          </p:cNvPr>
+          <p:cNvSpPr/>
+          <p:nvPr/>
+        </p:nvSpPr>
+        <p:spPr>
+          <a:xfrm>
+            <a:off x="6865063" y="6162625"/>
+            <a:ext cx="1976642" cy="570563"/>
+          </a:xfrm>
+          <a:prstGeom prst="rect">
+            <a:avLst/>
+          </a:prstGeom>
+          <a:solidFill>
+            <a:schemeClr val="bg1">
+              <a:lumMod val="75000"/>
+            </a:schemeClr>
+          </a:solidFill>
+          <a:ln>
+            <a:solidFill>
+              <a:schemeClr val="tx1"/>
+            </a:solidFill>
+          </a:ln>
+        </p:spPr>
+        <p:style>
+          <a:lnRef idx="2">
+            <a:schemeClr val="accent6"/>
+          </a:lnRef>
+          <a:fillRef idx="1">
+            <a:schemeClr val="lt1"/>
+          </a:fillRef>
+          <a:effectRef idx="0">
+            <a:schemeClr val="accent6"/>
+          </a:effectRef>
+          <a:fontRef idx="minor">
+            <a:schemeClr val="dk1"/>
+          </a:fontRef>
+        </p:style>
+        <p:txBody>
+          <a:bodyPr rtlCol="0" anchor="ctr"/>
+          <a:lstStyle/>
+          <a:p>
+            <a:pPr algn="ctr"/>
+            <a:r>
+              <a:rPr lang="en-US" sz="1600" dirty="0"/>
+              <a:t>IoT Device</a:t>
+            </a:r>
+          </a:p>
+        </p:txBody>
+      </p:sp>
+      <p:sp>
+        <p:nvSpPr>
+          <p:cNvPr id="188" name="TextBox 187">
+            <a:extLst>
+              <a:ext uri="{FF2B5EF4-FFF2-40B4-BE49-F238E27FC236}">
+                <a16:creationId xmlns:a16="http://schemas.microsoft.com/office/drawing/2014/main" id="{FEA84F8A-A3EC-4C4B-A88F-CB523453243F}"/>
+              </a:ext>
+            </a:extLst>
+          </p:cNvPr>
+          <p:cNvSpPr txBox="1"/>
+          <p:nvPr/>
+        </p:nvSpPr>
+        <p:spPr>
+          <a:xfrm>
+            <a:off x="7973616" y="1474034"/>
+            <a:ext cx="2041777" cy="307777"/>
+          </a:xfrm>
+          <a:prstGeom prst="rect">
+            <a:avLst/>
+          </a:prstGeom>
+          <a:noFill/>
+        </p:spPr>
+        <p:txBody>
+          <a:bodyPr wrap="none" rtlCol="0">
+            <a:spAutoFit/>
+          </a:bodyPr>
+          <a:lstStyle/>
+          <a:p>
+            <a:pPr algn="ctr"/>
+            <a:r>
+              <a:rPr lang="en-US" sz="1400" dirty="0"/>
+              <a:t>Approve Colony Runtime </a:t>
+            </a:r>
+          </a:p>
+        </p:txBody>
+      </p:sp>
+      <p:cxnSp>
+        <p:nvCxnSpPr>
+          <p:cNvPr id="189" name="Straight Arrow Connector 188">
+            <a:extLst>
+              <a:ext uri="{FF2B5EF4-FFF2-40B4-BE49-F238E27FC236}">
+                <a16:creationId xmlns:a16="http://schemas.microsoft.com/office/drawing/2014/main" id="{679CC9E9-E5D6-4E48-80B7-D809AEE7B167}"/>
+              </a:ext>
+            </a:extLst>
+          </p:cNvPr>
+          <p:cNvCxnSpPr>
+            <a:cxnSpLocks/>
+          </p:cNvCxnSpPr>
+          <p:nvPr/>
+        </p:nvCxnSpPr>
+        <p:spPr>
+          <a:xfrm flipH="1">
+            <a:off x="7334324" y="1639624"/>
+            <a:ext cx="586212" cy="1"/>
+          </a:xfrm>
+          <a:prstGeom prst="straightConnector1">
+            <a:avLst/>
+          </a:prstGeom>
+          <a:ln w="25400">
+            <a:tailEnd type="triangle"/>
+          </a:ln>
+        </p:spPr>
+        <p:style>
+          <a:lnRef idx="1">
+            <a:schemeClr val="dk1"/>
+          </a:lnRef>
+          <a:fillRef idx="0">
+            <a:schemeClr val="dk1"/>
+          </a:fillRef>
+          <a:effectRef idx="0">
+            <a:schemeClr val="dk1"/>
+          </a:effectRef>
+          <a:fontRef idx="minor">
+            <a:schemeClr val="tx1"/>
+          </a:fontRef>
+        </p:style>
+      </p:cxnSp>
       <p:pic>
         <p:nvPicPr>
-          <p:cNvPr id="134" name="Picture 133">
-            <a:extLst>
-              <a:ext uri="{FF2B5EF4-FFF2-40B4-BE49-F238E27FC236}">
-                <a16:creationId xmlns:a16="http://schemas.microsoft.com/office/drawing/2014/main" id="{92F9A8AA-E645-8345-BE2E-BCB41D0A45D2}"/>
+          <p:cNvPr id="1053" name="Picture 1052">
+            <a:extLst>
+              <a:ext uri="{FF2B5EF4-FFF2-40B4-BE49-F238E27FC236}">
+                <a16:creationId xmlns:a16="http://schemas.microsoft.com/office/drawing/2014/main" id="{6AE27F75-BBE2-634F-BC32-65A6A83A5B6A}"/>
               </a:ext>
             </a:extLst>
           </p:cNvPr>
@@ -5150,15 +5752,15 @@
           <p:nvPr/>
         </p:nvPicPr>
         <p:blipFill>
-          <a:blip r:embed="rId3"/>
+          <a:blip r:embed="rId5"/>
           <a:stretch>
             <a:fillRect/>
           </a:stretch>
         </p:blipFill>
         <p:spPr>
           <a:xfrm>
-            <a:off x="4456186" y="4097448"/>
-            <a:ext cx="864687" cy="432344"/>
+            <a:off x="2247376" y="3965056"/>
+            <a:ext cx="904462" cy="452231"/>
           </a:xfrm>
           <a:prstGeom prst="rect">
             <a:avLst/>
@@ -5167,10 +5769,10 @@
       </p:pic>
       <p:pic>
         <p:nvPicPr>
-          <p:cNvPr id="135" name="Picture 134">
-            <a:extLst>
-              <a:ext uri="{FF2B5EF4-FFF2-40B4-BE49-F238E27FC236}">
-                <a16:creationId xmlns:a16="http://schemas.microsoft.com/office/drawing/2014/main" id="{2C034069-259A-AF43-BF91-2AA28C6A92EA}"/>
+          <p:cNvPr id="193" name="Picture 192">
+            <a:extLst>
+              <a:ext uri="{FF2B5EF4-FFF2-40B4-BE49-F238E27FC236}">
+                <a16:creationId xmlns:a16="http://schemas.microsoft.com/office/drawing/2014/main" id="{9B6779E3-BCCB-5C40-972E-D463EDA7C67E}"/>
               </a:ext>
             </a:extLst>
           </p:cNvPr>
@@ -5180,27 +5782,57 @@
           <p:nvPr/>
         </p:nvPicPr>
         <p:blipFill>
-          <a:blip r:embed="rId3"/>
+          <a:blip r:embed="rId5"/>
           <a:stretch>
             <a:fillRect/>
           </a:stretch>
         </p:blipFill>
         <p:spPr>
           <a:xfrm>
-            <a:off x="6661934" y="4106321"/>
-            <a:ext cx="864687" cy="432344"/>
+            <a:off x="4463423" y="3965056"/>
+            <a:ext cx="904462" cy="452231"/>
           </a:xfrm>
           <a:prstGeom prst="rect">
             <a:avLst/>
           </a:prstGeom>
         </p:spPr>
       </p:pic>
-      <p:sp>
-        <p:nvSpPr>
-          <p:cNvPr id="136" name="TextBox 135">
-            <a:extLst>
-              <a:ext uri="{FF2B5EF4-FFF2-40B4-BE49-F238E27FC236}">
-                <a16:creationId xmlns:a16="http://schemas.microsoft.com/office/drawing/2014/main" id="{9347EF24-5728-7549-9E17-5C25641AAB27}"/>
+      <p:pic>
+        <p:nvPicPr>
+          <p:cNvPr id="194" name="Picture 193">
+            <a:extLst>
+              <a:ext uri="{FF2B5EF4-FFF2-40B4-BE49-F238E27FC236}">
+                <a16:creationId xmlns:a16="http://schemas.microsoft.com/office/drawing/2014/main" id="{9109C135-41C7-BA44-8FC2-BC9F977FF41E}"/>
+              </a:ext>
+            </a:extLst>
+          </p:cNvPr>
+          <p:cNvPicPr>
+            <a:picLocks noChangeAspect="1"/>
+          </p:cNvPicPr>
+          <p:nvPr/>
+        </p:nvPicPr>
+        <p:blipFill>
+          <a:blip r:embed="rId5"/>
+          <a:stretch>
+            <a:fillRect/>
+          </a:stretch>
+        </p:blipFill>
+        <p:spPr>
+          <a:xfrm>
+            <a:off x="6658206" y="3965056"/>
+            <a:ext cx="904462" cy="452231"/>
+          </a:xfrm>
+          <a:prstGeom prst="rect">
+            <a:avLst/>
+          </a:prstGeom>
+        </p:spPr>
+      </p:pic>
+      <p:sp>
+        <p:nvSpPr>
+          <p:cNvPr id="1054" name="TextBox 1053">
+            <a:extLst>
+              <a:ext uri="{FF2B5EF4-FFF2-40B4-BE49-F238E27FC236}">
+                <a16:creationId xmlns:a16="http://schemas.microsoft.com/office/drawing/2014/main" id="{397B963D-1B94-EB44-858A-794B5986A39C}"/>
               </a:ext>
             </a:extLst>
           </p:cNvPr>
@@ -5209,8 +5841,8 @@
         </p:nvSpPr>
         <p:spPr>
           <a:xfrm>
-            <a:off x="8863732" y="800452"/>
-            <a:ext cx="1338122" cy="276999"/>
+            <a:off x="316992" y="4779264"/>
+            <a:ext cx="184731" cy="369332"/>
           </a:xfrm>
           <a:prstGeom prst="rect">
             <a:avLst/>
@@ -5223,47 +5855,7 @@
           </a:bodyPr>
           <a:lstStyle/>
           <a:p>
-            <a:pPr algn="ctr"/>
-            <a:r>
-              <a:rPr lang="en-US" sz="1200" dirty="0"/>
-              <a:t>Colony Private Key</a:t>
-            </a:r>
-          </a:p>
-        </p:txBody>
-      </p:sp>
-      <p:sp>
-        <p:nvSpPr>
-          <p:cNvPr id="137" name="TextBox 136">
-            <a:extLst>
-              <a:ext uri="{FF2B5EF4-FFF2-40B4-BE49-F238E27FC236}">
-                <a16:creationId xmlns:a16="http://schemas.microsoft.com/office/drawing/2014/main" id="{A3654886-3EA6-FB46-BAC4-D98D65CDD890}"/>
-              </a:ext>
-            </a:extLst>
-          </p:cNvPr>
-          <p:cNvSpPr txBox="1"/>
-          <p:nvPr/>
-        </p:nvSpPr>
-        <p:spPr>
-          <a:xfrm>
-            <a:off x="1470597" y="3863923"/>
-            <a:ext cx="1565621" cy="276999"/>
-          </a:xfrm>
-          <a:prstGeom prst="rect">
-            <a:avLst/>
-          </a:prstGeom>
-          <a:noFill/>
-        </p:spPr>
-        <p:txBody>
-          <a:bodyPr wrap="none" rtlCol="0">
-            <a:spAutoFit/>
-          </a:bodyPr>
-          <a:lstStyle/>
-          <a:p>
-            <a:pPr algn="ctr"/>
-            <a:r>
-              <a:rPr lang="en-US" sz="1200" dirty="0"/>
-              <a:t>Runtime Private Key A</a:t>
-            </a:r>
+            <a:endParaRPr lang="en-US"/>
           </a:p>
         </p:txBody>
       </p:sp>

--- a/docs/images/ColoniesArch.pptx
+++ b/docs/images/ColoniesArch.pptx
@@ -5541,7 +5541,7 @@
             <a:pPr algn="ctr"/>
             <a:r>
               <a:rPr lang="en-US" sz="1600" dirty="0"/>
-              <a:t>Kubernetes</a:t>
+              <a:t>Kubernetes App</a:t>
             </a:r>
           </a:p>
         </p:txBody>
@@ -5598,7 +5598,7 @@
             <a:pPr algn="ctr"/>
             <a:r>
               <a:rPr lang="en-US" sz="1600" dirty="0"/>
-              <a:t>Android</a:t>
+              <a:t>Android App</a:t>
             </a:r>
           </a:p>
         </p:txBody>
@@ -5655,7 +5655,7 @@
             <a:pPr algn="ctr"/>
             <a:r>
               <a:rPr lang="en-US" sz="1600" dirty="0"/>
-              <a:t>IoT Device</a:t>
+              <a:t>IoT App</a:t>
             </a:r>
           </a:p>
         </p:txBody>
@@ -5827,38 +5827,6 @@
           </a:prstGeom>
         </p:spPr>
       </p:pic>
-      <p:sp>
-        <p:nvSpPr>
-          <p:cNvPr id="1054" name="TextBox 1053">
-            <a:extLst>
-              <a:ext uri="{FF2B5EF4-FFF2-40B4-BE49-F238E27FC236}">
-                <a16:creationId xmlns:a16="http://schemas.microsoft.com/office/drawing/2014/main" id="{397B963D-1B94-EB44-858A-794B5986A39C}"/>
-              </a:ext>
-            </a:extLst>
-          </p:cNvPr>
-          <p:cNvSpPr txBox="1"/>
-          <p:nvPr/>
-        </p:nvSpPr>
-        <p:spPr>
-          <a:xfrm>
-            <a:off x="316992" y="4779264"/>
-            <a:ext cx="184731" cy="369332"/>
-          </a:xfrm>
-          <a:prstGeom prst="rect">
-            <a:avLst/>
-          </a:prstGeom>
-          <a:noFill/>
-        </p:spPr>
-        <p:txBody>
-          <a:bodyPr wrap="none" rtlCol="0">
-            <a:spAutoFit/>
-          </a:bodyPr>
-          <a:lstStyle/>
-          <a:p>
-            <a:endParaRPr lang="en-US"/>
-          </a:p>
-        </p:txBody>
-      </p:sp>
     </p:spTree>
     <p:extLst>
       <p:ext uri="{BB962C8B-B14F-4D97-AF65-F5344CB8AC3E}">

--- a/docs/images/ColoniesArch.pptx
+++ b/docs/images/ColoniesArch.pptx
@@ -3344,10 +3344,10 @@
       </p:grpSpPr>
       <p:sp>
         <p:nvSpPr>
-          <p:cNvPr id="5" name="Rectangle 4">
-            <a:extLst>
-              <a:ext uri="{FF2B5EF4-FFF2-40B4-BE49-F238E27FC236}">
-                <a16:creationId xmlns:a16="http://schemas.microsoft.com/office/drawing/2014/main" id="{44AB1FA6-2D55-8746-B6BE-3BD0D5EB5FCF}"/>
+          <p:cNvPr id="1059" name="Rectangle 1058">
+            <a:extLst>
+              <a:ext uri="{FF2B5EF4-FFF2-40B4-BE49-F238E27FC236}">
+                <a16:creationId xmlns:a16="http://schemas.microsoft.com/office/drawing/2014/main" id="{41419CF8-BDE2-F842-B766-51C0735924EA}"/>
               </a:ext>
             </a:extLst>
           </p:cNvPr>
@@ -3356,7 +3356,60 @@
         </p:nvSpPr>
         <p:spPr>
           <a:xfrm>
-            <a:off x="4274467" y="295568"/>
+            <a:off x="2326451" y="3902215"/>
+            <a:ext cx="2171776" cy="2894173"/>
+          </a:xfrm>
+          <a:prstGeom prst="rect">
+            <a:avLst/>
+          </a:prstGeom>
+          <a:noFill/>
+          <a:ln>
+            <a:solidFill>
+              <a:schemeClr val="tx1"/>
+            </a:solidFill>
+            <a:prstDash val="dash"/>
+          </a:ln>
+        </p:spPr>
+        <p:style>
+          <a:lnRef idx="2">
+            <a:schemeClr val="accent1">
+              <a:shade val="50000"/>
+            </a:schemeClr>
+          </a:lnRef>
+          <a:fillRef idx="1">
+            <a:schemeClr val="accent1"/>
+          </a:fillRef>
+          <a:effectRef idx="0">
+            <a:schemeClr val="accent1"/>
+          </a:effectRef>
+          <a:fontRef idx="minor">
+            <a:schemeClr val="lt1"/>
+          </a:fontRef>
+        </p:style>
+        <p:txBody>
+          <a:bodyPr rtlCol="0" anchor="ctr"/>
+          <a:lstStyle/>
+          <a:p>
+            <a:pPr algn="ctr"/>
+            <a:endParaRPr lang="en-US" dirty="0"/>
+          </a:p>
+        </p:txBody>
+      </p:sp>
+      <p:sp>
+        <p:nvSpPr>
+          <p:cNvPr id="5" name="Rectangle 4">
+            <a:extLst>
+              <a:ext uri="{FF2B5EF4-FFF2-40B4-BE49-F238E27FC236}">
+                <a16:creationId xmlns:a16="http://schemas.microsoft.com/office/drawing/2014/main" id="{44AB1FA6-2D55-8746-B6BE-3BD0D5EB5FCF}"/>
+              </a:ext>
+            </a:extLst>
+          </p:cNvPr>
+          <p:cNvSpPr/>
+          <p:nvPr/>
+        </p:nvSpPr>
+        <p:spPr>
+          <a:xfrm>
+            <a:off x="4274467" y="245464"/>
             <a:ext cx="2734873" cy="1915485"/>
           </a:xfrm>
           <a:prstGeom prst="rect">
@@ -3411,7 +3464,7 @@
         </p:nvSpPr>
         <p:spPr>
           <a:xfrm>
-            <a:off x="4517976" y="814610"/>
+            <a:off x="4517976" y="764506"/>
             <a:ext cx="1933161" cy="1162878"/>
           </a:xfrm>
           <a:prstGeom prst="ellipse">
@@ -3465,7 +3518,7 @@
         </p:nvSpPr>
         <p:spPr>
           <a:xfrm>
-            <a:off x="2601230" y="419005"/>
+            <a:off x="2601230" y="368901"/>
             <a:ext cx="6097656" cy="338554"/>
           </a:xfrm>
           <a:prstGeom prst="rect">
@@ -3501,7 +3554,7 @@
         </p:nvSpPr>
         <p:spPr>
           <a:xfrm>
-            <a:off x="2398355" y="2711530"/>
+            <a:off x="2398355" y="2661426"/>
             <a:ext cx="6446261" cy="912728"/>
           </a:xfrm>
           <a:prstGeom prst="cloud">
@@ -3555,7 +3608,7 @@
         </p:nvSpPr>
         <p:spPr>
           <a:xfrm>
-            <a:off x="5104384" y="957074"/>
+            <a:off x="5104384" y="906970"/>
             <a:ext cx="6097656" cy="338554"/>
           </a:xfrm>
           <a:prstGeom prst="rect">
@@ -3590,7 +3643,7 @@
         </p:nvSpPr>
         <p:spPr>
           <a:xfrm>
-            <a:off x="4992869" y="1564875"/>
+            <a:off x="4992869" y="1514771"/>
             <a:ext cx="268357" cy="245559"/>
           </a:xfrm>
           <a:prstGeom prst="ellipse">
@@ -3647,7 +3700,7 @@
         </p:nvSpPr>
         <p:spPr>
           <a:xfrm>
-            <a:off x="5348500" y="1335315"/>
+            <a:off x="5348500" y="1285211"/>
             <a:ext cx="268357" cy="245559"/>
           </a:xfrm>
           <a:prstGeom prst="ellipse">
@@ -3704,7 +3757,7 @@
         </p:nvSpPr>
         <p:spPr>
           <a:xfrm>
-            <a:off x="5711736" y="1545466"/>
+            <a:off x="5711736" y="1495362"/>
             <a:ext cx="268357" cy="245559"/>
           </a:xfrm>
           <a:prstGeom prst="ellipse">
@@ -3761,7 +3814,7 @@
         </p:nvSpPr>
         <p:spPr>
           <a:xfrm>
-            <a:off x="2455502" y="4069532"/>
+            <a:off x="2455502" y="4019428"/>
             <a:ext cx="1976646" cy="570563"/>
           </a:xfrm>
           <a:prstGeom prst="rect">
@@ -3797,10 +3850,7 @@
           <a:lstStyle/>
           <a:p>
             <a:pPr algn="ctr"/>
-            <a:r>
-              <a:rPr lang="en-US" sz="1600" dirty="0"/>
-              <a:t>Runtime</a:t>
-            </a:r>
+            <a:endParaRPr lang="en-US" sz="1600" dirty="0"/>
           </a:p>
         </p:txBody>
       </p:sp>
@@ -3822,7 +3872,7 @@
         </p:nvCxnSpPr>
         <p:spPr>
           <a:xfrm flipH="1">
-            <a:off x="3443825" y="1774473"/>
+            <a:off x="3443825" y="1724369"/>
             <a:ext cx="1588344" cy="2295059"/>
           </a:xfrm>
           <a:prstGeom prst="line">
@@ -3861,7 +3911,7 @@
         </p:nvSpPr>
         <p:spPr>
           <a:xfrm>
-            <a:off x="4661736" y="4069532"/>
+            <a:off x="4661736" y="4019428"/>
             <a:ext cx="1976646" cy="570563"/>
           </a:xfrm>
           <a:prstGeom prst="rect">
@@ -3897,10 +3947,7 @@
           <a:lstStyle/>
           <a:p>
             <a:pPr algn="ctr"/>
-            <a:r>
-              <a:rPr lang="en-US" sz="1600" dirty="0"/>
-              <a:t>Runtime</a:t>
-            </a:r>
+            <a:endParaRPr lang="en-US" sz="1600" dirty="0"/>
           </a:p>
         </p:txBody>
       </p:sp>
@@ -3922,7 +3969,7 @@
         </p:nvCxnSpPr>
         <p:spPr>
           <a:xfrm>
-            <a:off x="5482679" y="1580874"/>
+            <a:off x="5482679" y="1530770"/>
             <a:ext cx="167380" cy="2488658"/>
           </a:xfrm>
           <a:prstGeom prst="line">
@@ -3961,7 +4008,7 @@
         </p:nvSpPr>
         <p:spPr>
           <a:xfrm>
-            <a:off x="6867970" y="4072646"/>
+            <a:off x="6867970" y="4022542"/>
             <a:ext cx="1976646" cy="570563"/>
           </a:xfrm>
           <a:prstGeom prst="rect">
@@ -3997,10 +4044,7 @@
           <a:lstStyle/>
           <a:p>
             <a:pPr algn="ctr"/>
-            <a:r>
-              <a:rPr lang="en-US" sz="1600" dirty="0"/>
-              <a:t>Runtime</a:t>
-            </a:r>
+            <a:endParaRPr lang="en-US" sz="1600" dirty="0"/>
           </a:p>
         </p:txBody>
       </p:sp>
@@ -4022,7 +4066,7 @@
         </p:nvCxnSpPr>
         <p:spPr>
           <a:xfrm>
-            <a:off x="5940793" y="1755064"/>
+            <a:off x="5940793" y="1704960"/>
             <a:ext cx="1915500" cy="2317582"/>
           </a:xfrm>
           <a:prstGeom prst="line">
@@ -4061,7 +4105,7 @@
         </p:nvSpPr>
         <p:spPr>
           <a:xfrm>
-            <a:off x="5826426" y="2824587"/>
+            <a:off x="5826426" y="2774483"/>
             <a:ext cx="6098058" cy="338554"/>
           </a:xfrm>
           <a:prstGeom prst="rect">
@@ -4096,14 +4140,14 @@
         </p:nvSpPr>
         <p:spPr>
           <a:xfrm rot="5400000">
-            <a:off x="6207426" y="1081613"/>
+            <a:off x="6207426" y="1031509"/>
             <a:ext cx="1915483" cy="343398"/>
           </a:xfrm>
           <a:prstGeom prst="rect">
             <a:avLst/>
           </a:prstGeom>
           <a:solidFill>
-            <a:schemeClr val="accent6">
+            <a:schemeClr val="accent2">
               <a:lumMod val="60000"/>
               <a:lumOff val="40000"/>
             </a:schemeClr>
@@ -4153,8 +4197,8 @@
           <p:nvPr/>
         </p:nvSpPr>
         <p:spPr>
-          <a:xfrm>
-            <a:off x="2294897" y="5236806"/>
+          <a:xfrm rot="5400000">
+            <a:off x="2416817" y="5162318"/>
             <a:ext cx="1119537" cy="738664"/>
           </a:xfrm>
           <a:prstGeom prst="rect">
@@ -4204,7 +4248,7 @@
         </p:nvSpPr>
         <p:spPr>
           <a:xfrm>
-            <a:off x="6048840" y="1322447"/>
+            <a:off x="6048840" y="1272343"/>
             <a:ext cx="268357" cy="245559"/>
           </a:xfrm>
           <a:prstGeom prst="ellipse">
@@ -4261,14 +4305,17 @@
         </p:nvSpPr>
         <p:spPr>
           <a:xfrm>
-            <a:off x="2455502" y="4634421"/>
+            <a:off x="2455502" y="4584317"/>
             <a:ext cx="1976646" cy="350895"/>
           </a:xfrm>
           <a:prstGeom prst="rect">
             <a:avLst/>
           </a:prstGeom>
           <a:solidFill>
-            <a:srgbClr val="F5C3F3"/>
+            <a:schemeClr val="accent6">
+              <a:lumMod val="60000"/>
+              <a:lumOff val="40000"/>
+            </a:schemeClr>
           </a:solidFill>
           <a:ln>
             <a:solidFill>
@@ -4316,14 +4363,17 @@
         </p:nvSpPr>
         <p:spPr>
           <a:xfrm>
-            <a:off x="4661736" y="4634420"/>
+            <a:off x="4661736" y="4584316"/>
             <a:ext cx="1976646" cy="350895"/>
           </a:xfrm>
           <a:prstGeom prst="rect">
             <a:avLst/>
           </a:prstGeom>
           <a:solidFill>
-            <a:srgbClr val="F5C3F3"/>
+            <a:schemeClr val="accent6">
+              <a:lumMod val="60000"/>
+              <a:lumOff val="40000"/>
+            </a:schemeClr>
           </a:solidFill>
           <a:ln>
             <a:solidFill>
@@ -4371,14 +4421,17 @@
         </p:nvSpPr>
         <p:spPr>
           <a:xfrm>
-            <a:off x="6871823" y="4643209"/>
+            <a:off x="6871823" y="4593105"/>
             <a:ext cx="1976646" cy="350895"/>
           </a:xfrm>
           <a:prstGeom prst="rect">
             <a:avLst/>
           </a:prstGeom>
           <a:solidFill>
-            <a:srgbClr val="F5C3F3"/>
+            <a:schemeClr val="accent6">
+              <a:lumMod val="60000"/>
+              <a:lumOff val="40000"/>
+            </a:schemeClr>
           </a:solidFill>
           <a:ln>
             <a:solidFill>
@@ -4430,7 +4483,7 @@
         </p:nvCxnSpPr>
         <p:spPr>
           <a:xfrm flipV="1">
-            <a:off x="3430789" y="4985316"/>
+            <a:off x="3430789" y="4935212"/>
             <a:ext cx="13036" cy="1168396"/>
           </a:xfrm>
           <a:prstGeom prst="straightConnector1">
@@ -4469,7 +4522,7 @@
         </p:nvSpPr>
         <p:spPr>
           <a:xfrm>
-            <a:off x="2021115" y="3152626"/>
+            <a:off x="2021115" y="3102522"/>
             <a:ext cx="2520578" cy="570563"/>
           </a:xfrm>
           <a:prstGeom prst="cloud">
@@ -4526,7 +4579,7 @@
         </p:nvSpPr>
         <p:spPr>
           <a:xfrm>
-            <a:off x="5104384" y="3195163"/>
+            <a:off x="5104384" y="3145059"/>
             <a:ext cx="4234394" cy="570563"/>
           </a:xfrm>
           <a:prstGeom prst="cloud">
@@ -4582,9 +4635,9 @@
           <p:nvPr/>
         </p:nvSpPr>
         <p:spPr>
-          <a:xfrm>
-            <a:off x="4070561" y="5190024"/>
-            <a:ext cx="778098" cy="738664"/>
+          <a:xfrm rot="5400000">
+            <a:off x="4404510" y="5116117"/>
+            <a:ext cx="922368" cy="738664"/>
           </a:xfrm>
           <a:prstGeom prst="rect">
             <a:avLst/>
@@ -4607,15 +4660,12 @@
             <a:pPr algn="ctr"/>
             <a:r>
               <a:rPr lang="en-US" sz="1400" dirty="0"/>
-              <a:t>Process </a:t>
+              <a:t>Process A </a:t>
             </a:r>
           </a:p>
           <a:p>
             <a:pPr algn="ctr"/>
-            <a:r>
-              <a:rPr lang="en-US" sz="1400" dirty="0"/>
-              <a:t>A</a:t>
-            </a:r>
+            <a:endParaRPr lang="en-US" sz="1400" dirty="0"/>
           </a:p>
         </p:txBody>
       </p:sp>
@@ -4635,7 +4685,7 @@
         </p:nvCxnSpPr>
         <p:spPr>
           <a:xfrm>
-            <a:off x="4805163" y="4994104"/>
+            <a:off x="5238357" y="4929952"/>
             <a:ext cx="0" cy="1159609"/>
           </a:xfrm>
           <a:prstGeom prst="straightConnector1">
@@ -4673,9 +4723,9 @@
           <p:nvPr/>
         </p:nvSpPr>
         <p:spPr>
-          <a:xfrm>
-            <a:off x="4813177" y="5125063"/>
-            <a:ext cx="845681" cy="954107"/>
+          <a:xfrm rot="5400000">
+            <a:off x="5238815" y="5196496"/>
+            <a:ext cx="845681" cy="523220"/>
           </a:xfrm>
           <a:prstGeom prst="rect">
             <a:avLst/>
@@ -4691,7 +4741,7 @@
             <a:pPr algn="ctr"/>
             <a:r>
               <a:rPr lang="en-US" sz="1400" dirty="0"/>
-              <a:t>Update</a:t>
+              <a:t>Add</a:t>
             </a:r>
           </a:p>
           <a:p>
@@ -4699,20 +4749,6 @@
             <a:r>
               <a:rPr lang="en-US" sz="1400" dirty="0"/>
               <a:t>Attribute</a:t>
-            </a:r>
-          </a:p>
-          <a:p>
-            <a:pPr algn="ctr"/>
-            <a:r>
-              <a:rPr lang="en-US" sz="1400" dirty="0"/>
-              <a:t>Process </a:t>
-            </a:r>
-          </a:p>
-          <a:p>
-            <a:pPr algn="ctr"/>
-            <a:r>
-              <a:rPr lang="en-US" sz="1400" dirty="0"/>
-              <a:t>A</a:t>
             </a:r>
           </a:p>
         </p:txBody>
@@ -4728,14 +4764,12 @@
           </p:cNvPr>
           <p:cNvCxnSpPr>
             <a:cxnSpLocks/>
-            <a:stCxn id="164" idx="0"/>
-            <a:endCxn id="56" idx="2"/>
           </p:cNvCxnSpPr>
           <p:nvPr/>
         </p:nvCxnSpPr>
         <p:spPr>
           <a:xfrm flipV="1">
-            <a:off x="5650057" y="4985315"/>
+            <a:off x="5934826" y="4921163"/>
             <a:ext cx="2" cy="1168398"/>
           </a:xfrm>
           <a:prstGeom prst="straightConnector1">
@@ -4773,9 +4807,9 @@
           <p:nvPr/>
         </p:nvSpPr>
         <p:spPr>
-          <a:xfrm>
-            <a:off x="5666887" y="5177757"/>
-            <a:ext cx="778098" cy="738664"/>
+          <a:xfrm rot="5400000">
+            <a:off x="5834441" y="5223840"/>
+            <a:ext cx="882293" cy="523220"/>
           </a:xfrm>
           <a:prstGeom prst="rect">
             <a:avLst/>
@@ -4798,14 +4832,7 @@
             <a:pPr algn="ctr"/>
             <a:r>
               <a:rPr lang="en-US" sz="1400" dirty="0"/>
-              <a:t>Process </a:t>
-            </a:r>
-          </a:p>
-          <a:p>
-            <a:pPr algn="ctr"/>
-            <a:r>
-              <a:rPr lang="en-US" sz="1400" dirty="0"/>
-              <a:t>A</a:t>
+              <a:t>Process A</a:t>
             </a:r>
           </a:p>
         </p:txBody>
@@ -4826,7 +4853,7 @@
         </p:nvCxnSpPr>
         <p:spPr>
           <a:xfrm flipV="1">
-            <a:off x="6490578" y="4999363"/>
+            <a:off x="6490578" y="4949259"/>
             <a:ext cx="0" cy="1154350"/>
           </a:xfrm>
           <a:prstGeom prst="straightConnector1">
@@ -4864,9 +4891,9 @@
           <p:nvPr/>
         </p:nvSpPr>
         <p:spPr>
-          <a:xfrm>
-            <a:off x="6971091" y="5198066"/>
-            <a:ext cx="882293" cy="738664"/>
+          <a:xfrm rot="5400000">
+            <a:off x="7123663" y="5051207"/>
+            <a:ext cx="882293" cy="954107"/>
           </a:xfrm>
           <a:prstGeom prst="rect">
             <a:avLst/>
@@ -4880,9 +4907,13 @@
           <a:lstStyle/>
           <a:p>
             <a:pPr algn="ctr"/>
+            <a:endParaRPr lang="en-US" sz="1400" dirty="0"/>
+          </a:p>
+          <a:p>
+            <a:pPr algn="ctr"/>
             <a:r>
               <a:rPr lang="en-US" sz="1400" dirty="0"/>
-              <a:t>Notify</a:t>
+              <a:t>Event</a:t>
             </a:r>
           </a:p>
           <a:p>
@@ -4918,7 +4949,7 @@
         </p:nvCxnSpPr>
         <p:spPr>
           <a:xfrm flipH="1">
-            <a:off x="7853384" y="4985315"/>
+            <a:off x="7853384" y="4935211"/>
             <a:ext cx="2910" cy="1177310"/>
           </a:xfrm>
           <a:prstGeom prst="straightConnector1">
@@ -4957,7 +4988,7 @@
         </p:nvSpPr>
         <p:spPr>
           <a:xfrm>
-            <a:off x="7985485" y="1126351"/>
+            <a:off x="7985485" y="1076247"/>
             <a:ext cx="1718547" cy="307777"/>
           </a:xfrm>
           <a:prstGeom prst="rect">
@@ -4995,7 +5026,7 @@
         </p:nvCxnSpPr>
         <p:spPr>
           <a:xfrm flipH="1">
-            <a:off x="7343969" y="1278879"/>
+            <a:off x="7343969" y="1228775"/>
             <a:ext cx="586212" cy="1"/>
           </a:xfrm>
           <a:prstGeom prst="straightConnector1">
@@ -5049,7 +5080,7 @@
         </p:blipFill>
         <p:spPr bwMode="auto">
           <a:xfrm>
-            <a:off x="8300264" y="316135"/>
+            <a:off x="8300264" y="266031"/>
             <a:ext cx="751777" cy="751777"/>
           </a:xfrm>
           <a:prstGeom prst="rect">
@@ -5081,7 +5112,7 @@
         </p:nvSpPr>
         <p:spPr>
           <a:xfrm>
-            <a:off x="8069976" y="9215"/>
+            <a:off x="8069976" y="-40889"/>
             <a:ext cx="1258550" cy="307777"/>
           </a:xfrm>
           <a:prstGeom prst="rect">
@@ -5117,7 +5148,7 @@
         </p:nvSpPr>
         <p:spPr>
           <a:xfrm>
-            <a:off x="8875455" y="648053"/>
+            <a:off x="8875455" y="597949"/>
             <a:ext cx="1338122" cy="276999"/>
           </a:xfrm>
           <a:prstGeom prst="rect">
@@ -5153,7 +5184,7 @@
         </p:nvSpPr>
         <p:spPr>
           <a:xfrm>
-            <a:off x="1482320" y="3711524"/>
+            <a:off x="1455208" y="3619121"/>
             <a:ext cx="1565621" cy="276999"/>
           </a:xfrm>
           <a:prstGeom prst="rect">
@@ -5189,7 +5220,7 @@
         </p:nvSpPr>
         <p:spPr>
           <a:xfrm rot="5400000">
-            <a:off x="3145058" y="1081615"/>
+            <a:off x="3145058" y="1031511"/>
             <a:ext cx="1915486" cy="343398"/>
           </a:xfrm>
           <a:prstGeom prst="rect">
@@ -5247,7 +5278,7 @@
         </p:nvSpPr>
         <p:spPr>
           <a:xfrm>
-            <a:off x="1953264" y="1128644"/>
+            <a:off x="1953264" y="1078540"/>
             <a:ext cx="1315618" cy="307777"/>
           </a:xfrm>
           <a:prstGeom prst="rect">
@@ -5298,7 +5329,7 @@
         </p:blipFill>
         <p:spPr bwMode="auto">
           <a:xfrm>
-            <a:off x="2066580" y="318428"/>
+            <a:off x="2066580" y="268324"/>
             <a:ext cx="751777" cy="751777"/>
           </a:xfrm>
           <a:prstGeom prst="rect">
@@ -5330,7 +5361,7 @@
         </p:nvSpPr>
         <p:spPr>
           <a:xfrm>
-            <a:off x="1872328" y="11508"/>
+            <a:off x="1872328" y="-38596"/>
             <a:ext cx="1186479" cy="307777"/>
           </a:xfrm>
           <a:prstGeom prst="rect">
@@ -5366,7 +5397,7 @@
         </p:nvSpPr>
         <p:spPr>
           <a:xfrm>
-            <a:off x="810081" y="689900"/>
+            <a:off x="810081" y="639796"/>
             <a:ext cx="1345754" cy="276999"/>
           </a:xfrm>
           <a:prstGeom prst="rect">
@@ -5404,7 +5435,7 @@
         </p:nvCxnSpPr>
         <p:spPr>
           <a:xfrm>
-            <a:off x="3337981" y="1270624"/>
+            <a:off x="3337981" y="1220520"/>
             <a:ext cx="593314" cy="4603"/>
           </a:xfrm>
           <a:prstGeom prst="straightConnector1">
@@ -5451,7 +5482,7 @@
         </p:blipFill>
         <p:spPr>
           <a:xfrm>
-            <a:off x="9139266" y="266351"/>
+            <a:off x="2526944" y="4064973"/>
             <a:ext cx="864687" cy="432344"/>
           </a:xfrm>
           <a:prstGeom prst="rect">
@@ -5481,7 +5512,7 @@
         </p:blipFill>
         <p:spPr>
           <a:xfrm>
-            <a:off x="1194071" y="307430"/>
+            <a:off x="1194071" y="257326"/>
             <a:ext cx="864687" cy="432344"/>
           </a:xfrm>
           <a:prstGeom prst="rect">
@@ -5503,7 +5534,7 @@
         </p:nvSpPr>
         <p:spPr>
           <a:xfrm>
-            <a:off x="4661736" y="6153713"/>
+            <a:off x="4661736" y="6103609"/>
             <a:ext cx="1976642" cy="570563"/>
           </a:xfrm>
           <a:prstGeom prst="rect">
@@ -5560,7 +5591,7 @@
         </p:nvSpPr>
         <p:spPr>
           <a:xfrm>
-            <a:off x="2442468" y="6153712"/>
+            <a:off x="2442468" y="6103608"/>
             <a:ext cx="1976642" cy="570563"/>
           </a:xfrm>
           <a:prstGeom prst="rect">
@@ -5617,7 +5648,7 @@
         </p:nvSpPr>
         <p:spPr>
           <a:xfrm>
-            <a:off x="6865063" y="6162625"/>
+            <a:off x="6865063" y="6112521"/>
             <a:ext cx="1976642" cy="570563"/>
           </a:xfrm>
           <a:prstGeom prst="rect">
@@ -5674,7 +5705,7 @@
         </p:nvSpPr>
         <p:spPr>
           <a:xfrm>
-            <a:off x="7973616" y="1474034"/>
+            <a:off x="7973616" y="1423930"/>
             <a:ext cx="2041777" cy="307777"/>
           </a:xfrm>
           <a:prstGeom prst="rect">
@@ -5712,7 +5743,7 @@
         </p:nvCxnSpPr>
         <p:spPr>
           <a:xfrm flipH="1">
-            <a:off x="7334324" y="1639624"/>
+            <a:off x="7334324" y="1589520"/>
             <a:ext cx="586212" cy="1"/>
           </a:xfrm>
           <a:prstGeom prst="straightConnector1">
@@ -5739,10 +5770,10 @@
       </p:cxnSp>
       <p:pic>
         <p:nvPicPr>
-          <p:cNvPr id="1053" name="Picture 1052">
-            <a:extLst>
-              <a:ext uri="{FF2B5EF4-FFF2-40B4-BE49-F238E27FC236}">
-                <a16:creationId xmlns:a16="http://schemas.microsoft.com/office/drawing/2014/main" id="{6AE27F75-BBE2-634F-BC32-65A6A83A5B6A}"/>
+          <p:cNvPr id="1056" name="Picture 1055">
+            <a:extLst>
+              <a:ext uri="{FF2B5EF4-FFF2-40B4-BE49-F238E27FC236}">
+                <a16:creationId xmlns:a16="http://schemas.microsoft.com/office/drawing/2014/main" id="{F3409FE6-2865-C44A-AF72-A96A2F14BAE9}"/>
               </a:ext>
             </a:extLst>
           </p:cNvPr>
@@ -5759,20 +5790,56 @@
         </p:blipFill>
         <p:spPr>
           <a:xfrm>
-            <a:off x="2247376" y="3965056"/>
-            <a:ext cx="904462" cy="452231"/>
+            <a:off x="8981994" y="219790"/>
+            <a:ext cx="900001" cy="450001"/>
           </a:xfrm>
           <a:prstGeom prst="rect">
             <a:avLst/>
           </a:prstGeom>
         </p:spPr>
       </p:pic>
+      <p:sp>
+        <p:nvSpPr>
+          <p:cNvPr id="202" name="TextBox 201">
+            <a:extLst>
+              <a:ext uri="{FF2B5EF4-FFF2-40B4-BE49-F238E27FC236}">
+                <a16:creationId xmlns:a16="http://schemas.microsoft.com/office/drawing/2014/main" id="{CFCA3E2C-ED95-374E-9E71-3CBBC3816BE8}"/>
+              </a:ext>
+            </a:extLst>
+          </p:cNvPr>
+          <p:cNvSpPr txBox="1"/>
+          <p:nvPr/>
+        </p:nvSpPr>
+        <p:spPr>
+          <a:xfrm>
+            <a:off x="3281404" y="4092522"/>
+            <a:ext cx="1142257" cy="369332"/>
+          </a:xfrm>
+          <a:prstGeom prst="rect">
+            <a:avLst/>
+          </a:prstGeom>
+          <a:noFill/>
+        </p:spPr>
+        <p:txBody>
+          <a:bodyPr wrap="square">
+            <a:spAutoFit/>
+          </a:bodyPr>
+          <a:lstStyle/>
+          <a:p>
+            <a:pPr algn="ctr"/>
+            <a:r>
+              <a:rPr lang="en-US" sz="1800" dirty="0"/>
+              <a:t>Runtime</a:t>
+            </a:r>
+          </a:p>
+        </p:txBody>
+      </p:sp>
       <p:pic>
         <p:nvPicPr>
-          <p:cNvPr id="193" name="Picture 192">
-            <a:extLst>
-              <a:ext uri="{FF2B5EF4-FFF2-40B4-BE49-F238E27FC236}">
-                <a16:creationId xmlns:a16="http://schemas.microsoft.com/office/drawing/2014/main" id="{9B6779E3-BCCB-5C40-972E-D463EDA7C67E}"/>
+          <p:cNvPr id="204" name="Picture 203">
+            <a:extLst>
+              <a:ext uri="{FF2B5EF4-FFF2-40B4-BE49-F238E27FC236}">
+                <a16:creationId xmlns:a16="http://schemas.microsoft.com/office/drawing/2014/main" id="{5E2C8B73-4C35-7741-9FB8-32D3D934BC71}"/>
               </a:ext>
             </a:extLst>
           </p:cNvPr>
@@ -5782,27 +5849,63 @@
           <p:nvPr/>
         </p:nvPicPr>
         <p:blipFill>
-          <a:blip r:embed="rId5"/>
+          <a:blip r:embed="rId3"/>
           <a:stretch>
             <a:fillRect/>
           </a:stretch>
         </p:blipFill>
         <p:spPr>
           <a:xfrm>
-            <a:off x="4463423" y="3965056"/>
-            <a:ext cx="904462" cy="452231"/>
+            <a:off x="4727600" y="4071069"/>
+            <a:ext cx="864687" cy="432344"/>
           </a:xfrm>
           <a:prstGeom prst="rect">
             <a:avLst/>
           </a:prstGeom>
         </p:spPr>
       </p:pic>
+      <p:sp>
+        <p:nvSpPr>
+          <p:cNvPr id="205" name="TextBox 204">
+            <a:extLst>
+              <a:ext uri="{FF2B5EF4-FFF2-40B4-BE49-F238E27FC236}">
+                <a16:creationId xmlns:a16="http://schemas.microsoft.com/office/drawing/2014/main" id="{D878FED2-34EE-1B4D-ACB5-E7966B96AB1B}"/>
+              </a:ext>
+            </a:extLst>
+          </p:cNvPr>
+          <p:cNvSpPr txBox="1"/>
+          <p:nvPr/>
+        </p:nvSpPr>
+        <p:spPr>
+          <a:xfrm>
+            <a:off x="5482060" y="4098618"/>
+            <a:ext cx="1142257" cy="369332"/>
+          </a:xfrm>
+          <a:prstGeom prst="rect">
+            <a:avLst/>
+          </a:prstGeom>
+          <a:noFill/>
+        </p:spPr>
+        <p:txBody>
+          <a:bodyPr wrap="square">
+            <a:spAutoFit/>
+          </a:bodyPr>
+          <a:lstStyle/>
+          <a:p>
+            <a:pPr algn="ctr"/>
+            <a:r>
+              <a:rPr lang="en-US" sz="1800" dirty="0"/>
+              <a:t>Runtime</a:t>
+            </a:r>
+          </a:p>
+        </p:txBody>
+      </p:sp>
       <p:pic>
         <p:nvPicPr>
-          <p:cNvPr id="194" name="Picture 193">
-            <a:extLst>
-              <a:ext uri="{FF2B5EF4-FFF2-40B4-BE49-F238E27FC236}">
-                <a16:creationId xmlns:a16="http://schemas.microsoft.com/office/drawing/2014/main" id="{9109C135-41C7-BA44-8FC2-BC9F977FF41E}"/>
+          <p:cNvPr id="206" name="Picture 205">
+            <a:extLst>
+              <a:ext uri="{FF2B5EF4-FFF2-40B4-BE49-F238E27FC236}">
+                <a16:creationId xmlns:a16="http://schemas.microsoft.com/office/drawing/2014/main" id="{131C7B9E-136D-4546-822A-5B8FFB1C9738}"/>
               </a:ext>
             </a:extLst>
           </p:cNvPr>
@@ -5812,21 +5915,163 @@
           <p:nvPr/>
         </p:nvPicPr>
         <p:blipFill>
-          <a:blip r:embed="rId5"/>
+          <a:blip r:embed="rId3"/>
           <a:stretch>
             <a:fillRect/>
           </a:stretch>
         </p:blipFill>
         <p:spPr>
           <a:xfrm>
-            <a:off x="6658206" y="3965056"/>
-            <a:ext cx="904462" cy="452231"/>
+            <a:off x="6940448" y="4077165"/>
+            <a:ext cx="864687" cy="432344"/>
           </a:xfrm>
           <a:prstGeom prst="rect">
             <a:avLst/>
           </a:prstGeom>
         </p:spPr>
       </p:pic>
+      <p:sp>
+        <p:nvSpPr>
+          <p:cNvPr id="207" name="TextBox 206">
+            <a:extLst>
+              <a:ext uri="{FF2B5EF4-FFF2-40B4-BE49-F238E27FC236}">
+                <a16:creationId xmlns:a16="http://schemas.microsoft.com/office/drawing/2014/main" id="{59D26C7F-B442-5F44-9343-0B9856F00D8F}"/>
+              </a:ext>
+            </a:extLst>
+          </p:cNvPr>
+          <p:cNvSpPr txBox="1"/>
+          <p:nvPr/>
+        </p:nvSpPr>
+        <p:spPr>
+          <a:xfrm>
+            <a:off x="7694908" y="4104714"/>
+            <a:ext cx="1142257" cy="369332"/>
+          </a:xfrm>
+          <a:prstGeom prst="rect">
+            <a:avLst/>
+          </a:prstGeom>
+          <a:noFill/>
+        </p:spPr>
+        <p:txBody>
+          <a:bodyPr wrap="square">
+            <a:spAutoFit/>
+          </a:bodyPr>
+          <a:lstStyle/>
+          <a:p>
+            <a:pPr algn="ctr"/>
+            <a:r>
+              <a:rPr lang="en-US" sz="1800" dirty="0"/>
+              <a:t>Runtime</a:t>
+            </a:r>
+          </a:p>
+        </p:txBody>
+      </p:sp>
+      <p:sp>
+        <p:nvSpPr>
+          <p:cNvPr id="209" name="Rectangle 208">
+            <a:extLst>
+              <a:ext uri="{FF2B5EF4-FFF2-40B4-BE49-F238E27FC236}">
+                <a16:creationId xmlns:a16="http://schemas.microsoft.com/office/drawing/2014/main" id="{7D93564D-BD08-EF44-B3F7-C740FC1B5C0B}"/>
+              </a:ext>
+            </a:extLst>
+          </p:cNvPr>
+          <p:cNvSpPr/>
+          <p:nvPr/>
+        </p:nvSpPr>
+        <p:spPr>
+          <a:xfrm>
+            <a:off x="4573936" y="3903752"/>
+            <a:ext cx="2146769" cy="2894173"/>
+          </a:xfrm>
+          <a:prstGeom prst="rect">
+            <a:avLst/>
+          </a:prstGeom>
+          <a:noFill/>
+          <a:ln>
+            <a:solidFill>
+              <a:schemeClr val="tx1"/>
+            </a:solidFill>
+            <a:prstDash val="dash"/>
+          </a:ln>
+        </p:spPr>
+        <p:style>
+          <a:lnRef idx="2">
+            <a:schemeClr val="accent1">
+              <a:shade val="50000"/>
+            </a:schemeClr>
+          </a:lnRef>
+          <a:fillRef idx="1">
+            <a:schemeClr val="accent1"/>
+          </a:fillRef>
+          <a:effectRef idx="0">
+            <a:schemeClr val="accent1"/>
+          </a:effectRef>
+          <a:fontRef idx="minor">
+            <a:schemeClr val="lt1"/>
+          </a:fontRef>
+        </p:style>
+        <p:txBody>
+          <a:bodyPr rtlCol="0" anchor="ctr"/>
+          <a:lstStyle/>
+          <a:p>
+            <a:pPr algn="ctr"/>
+            <a:endParaRPr lang="en-US" dirty="0"/>
+          </a:p>
+        </p:txBody>
+      </p:sp>
+      <p:sp>
+        <p:nvSpPr>
+          <p:cNvPr id="210" name="Rectangle 209">
+            <a:extLst>
+              <a:ext uri="{FF2B5EF4-FFF2-40B4-BE49-F238E27FC236}">
+                <a16:creationId xmlns:a16="http://schemas.microsoft.com/office/drawing/2014/main" id="{77CD0DFC-54A1-6A4D-99F2-64689D2D383E}"/>
+              </a:ext>
+            </a:extLst>
+          </p:cNvPr>
+          <p:cNvSpPr/>
+          <p:nvPr/>
+        </p:nvSpPr>
+        <p:spPr>
+          <a:xfrm>
+            <a:off x="6786784" y="3902216"/>
+            <a:ext cx="2171776" cy="2906314"/>
+          </a:xfrm>
+          <a:prstGeom prst="rect">
+            <a:avLst/>
+          </a:prstGeom>
+          <a:noFill/>
+          <a:ln>
+            <a:solidFill>
+              <a:schemeClr val="tx1"/>
+            </a:solidFill>
+            <a:prstDash val="dash"/>
+          </a:ln>
+        </p:spPr>
+        <p:style>
+          <a:lnRef idx="2">
+            <a:schemeClr val="accent1">
+              <a:shade val="50000"/>
+            </a:schemeClr>
+          </a:lnRef>
+          <a:fillRef idx="1">
+            <a:schemeClr val="accent1"/>
+          </a:fillRef>
+          <a:effectRef idx="0">
+            <a:schemeClr val="accent1"/>
+          </a:effectRef>
+          <a:fontRef idx="minor">
+            <a:schemeClr val="lt1"/>
+          </a:fontRef>
+        </p:style>
+        <p:txBody>
+          <a:bodyPr rtlCol="0" anchor="ctr"/>
+          <a:lstStyle/>
+          <a:p>
+            <a:pPr algn="ctr"/>
+            <a:endParaRPr lang="en-US" dirty="0"/>
+          </a:p>
+        </p:txBody>
+      </p:sp>
     </p:spTree>
     <p:extLst>
       <p:ext uri="{BB962C8B-B14F-4D97-AF65-F5344CB8AC3E}">

--- a/docs/images/ColoniesArch.pptx
+++ b/docs/images/ColoniesArch.pptx
@@ -2,18 +2,18 @@
 <file path=ppt/presentation.xml><?xml version="1.0" encoding="utf-8"?>
 <p:presentation xmlns:a="http://schemas.openxmlformats.org/drawingml/2006/main" xmlns:r="http://schemas.openxmlformats.org/officeDocument/2006/relationships" xmlns:p="http://schemas.openxmlformats.org/presentationml/2006/main" saveSubsetFonts="1" autoCompressPictures="0">
   <p:sldMasterIdLst>
-    <p:sldMasterId id="2147483648" r:id="rId1"/>
+    <p:sldMasterId id="2147483660" r:id="rId1"/>
   </p:sldMasterIdLst>
   <p:sldIdLst>
     <p:sldId id="257" r:id="rId2"/>
   </p:sldIdLst>
-  <p:sldSz cx="12192000" cy="6858000"/>
+  <p:sldSz cx="12801600" cy="9601200" type="A3"/>
   <p:notesSz cx="6858000" cy="9144000"/>
   <p:defaultTextStyle>
     <a:defPPr>
-      <a:defRPr lang="en-SE"/>
+      <a:defRPr lang="en-US"/>
     </a:defPPr>
-    <a:lvl1pPr marL="0" algn="l" defTabSz="914400" rtl="0" eaLnBrk="1" latinLnBrk="0" hangingPunct="1">
+    <a:lvl1pPr marL="0" algn="l" defTabSz="457200" rtl="0" eaLnBrk="1" latinLnBrk="0" hangingPunct="1">
       <a:defRPr sz="1800" kern="1200">
         <a:solidFill>
           <a:schemeClr val="tx1"/>
@@ -23,7 +23,7 @@
         <a:cs typeface="+mn-cs"/>
       </a:defRPr>
     </a:lvl1pPr>
-    <a:lvl2pPr marL="457200" algn="l" defTabSz="914400" rtl="0" eaLnBrk="1" latinLnBrk="0" hangingPunct="1">
+    <a:lvl2pPr marL="457200" algn="l" defTabSz="457200" rtl="0" eaLnBrk="1" latinLnBrk="0" hangingPunct="1">
       <a:defRPr sz="1800" kern="1200">
         <a:solidFill>
           <a:schemeClr val="tx1"/>
@@ -33,7 +33,7 @@
         <a:cs typeface="+mn-cs"/>
       </a:defRPr>
     </a:lvl2pPr>
-    <a:lvl3pPr marL="914400" algn="l" defTabSz="914400" rtl="0" eaLnBrk="1" latinLnBrk="0" hangingPunct="1">
+    <a:lvl3pPr marL="914400" algn="l" defTabSz="457200" rtl="0" eaLnBrk="1" latinLnBrk="0" hangingPunct="1">
       <a:defRPr sz="1800" kern="1200">
         <a:solidFill>
           <a:schemeClr val="tx1"/>
@@ -43,7 +43,7 @@
         <a:cs typeface="+mn-cs"/>
       </a:defRPr>
     </a:lvl3pPr>
-    <a:lvl4pPr marL="1371600" algn="l" defTabSz="914400" rtl="0" eaLnBrk="1" latinLnBrk="0" hangingPunct="1">
+    <a:lvl4pPr marL="1371600" algn="l" defTabSz="457200" rtl="0" eaLnBrk="1" latinLnBrk="0" hangingPunct="1">
       <a:defRPr sz="1800" kern="1200">
         <a:solidFill>
           <a:schemeClr val="tx1"/>
@@ -53,7 +53,7 @@
         <a:cs typeface="+mn-cs"/>
       </a:defRPr>
     </a:lvl4pPr>
-    <a:lvl5pPr marL="1828800" algn="l" defTabSz="914400" rtl="0" eaLnBrk="1" latinLnBrk="0" hangingPunct="1">
+    <a:lvl5pPr marL="1828800" algn="l" defTabSz="457200" rtl="0" eaLnBrk="1" latinLnBrk="0" hangingPunct="1">
       <a:defRPr sz="1800" kern="1200">
         <a:solidFill>
           <a:schemeClr val="tx1"/>
@@ -63,7 +63,7 @@
         <a:cs typeface="+mn-cs"/>
       </a:defRPr>
     </a:lvl5pPr>
-    <a:lvl6pPr marL="2286000" algn="l" defTabSz="914400" rtl="0" eaLnBrk="1" latinLnBrk="0" hangingPunct="1">
+    <a:lvl6pPr marL="2286000" algn="l" defTabSz="457200" rtl="0" eaLnBrk="1" latinLnBrk="0" hangingPunct="1">
       <a:defRPr sz="1800" kern="1200">
         <a:solidFill>
           <a:schemeClr val="tx1"/>
@@ -73,7 +73,7 @@
         <a:cs typeface="+mn-cs"/>
       </a:defRPr>
     </a:lvl6pPr>
-    <a:lvl7pPr marL="2743200" algn="l" defTabSz="914400" rtl="0" eaLnBrk="1" latinLnBrk="0" hangingPunct="1">
+    <a:lvl7pPr marL="2743200" algn="l" defTabSz="457200" rtl="0" eaLnBrk="1" latinLnBrk="0" hangingPunct="1">
       <a:defRPr sz="1800" kern="1200">
         <a:solidFill>
           <a:schemeClr val="tx1"/>
@@ -83,7 +83,7 @@
         <a:cs typeface="+mn-cs"/>
       </a:defRPr>
     </a:lvl7pPr>
-    <a:lvl8pPr marL="3200400" algn="l" defTabSz="914400" rtl="0" eaLnBrk="1" latinLnBrk="0" hangingPunct="1">
+    <a:lvl8pPr marL="3200400" algn="l" defTabSz="457200" rtl="0" eaLnBrk="1" latinLnBrk="0" hangingPunct="1">
       <a:defRPr sz="1800" kern="1200">
         <a:solidFill>
           <a:schemeClr val="tx1"/>
@@ -93,7 +93,7 @@
         <a:cs typeface="+mn-cs"/>
       </a:defRPr>
     </a:lvl8pPr>
-    <a:lvl9pPr marL="3657600" algn="l" defTabSz="914400" rtl="0" eaLnBrk="1" latinLnBrk="0" hangingPunct="1">
+    <a:lvl9pPr marL="3657600" algn="l" defTabSz="457200" rtl="0" eaLnBrk="1" latinLnBrk="0" hangingPunct="1">
       <a:defRPr sz="1800" kern="1200">
         <a:solidFill>
           <a:schemeClr val="tx1"/>
@@ -126,13 +126,7 @@
       </p:grpSpPr>
       <p:sp>
         <p:nvSpPr>
-          <p:cNvPr id="2" name="Title 1">
-            <a:extLst>
-              <a:ext uri="{FF2B5EF4-FFF2-40B4-BE49-F238E27FC236}">
-                <a16:creationId xmlns:a16="http://schemas.microsoft.com/office/drawing/2014/main" id="{583938DC-079E-A940-9E91-2569ED6CE7FF}"/>
-              </a:ext>
-            </a:extLst>
-          </p:cNvPr>
+          <p:cNvPr id="2" name="Title 1"/>
           <p:cNvSpPr>
             <a:spLocks noGrp="1"/>
           </p:cNvSpPr>
@@ -142,15 +136,15 @@
         </p:nvSpPr>
         <p:spPr>
           <a:xfrm>
-            <a:off x="1524000" y="1122363"/>
-            <a:ext cx="9144000" cy="2387600"/>
+            <a:off x="960120" y="1571308"/>
+            <a:ext cx="10881360" cy="3342640"/>
           </a:xfrm>
         </p:spPr>
         <p:txBody>
           <a:bodyPr anchor="b"/>
           <a:lstStyle>
             <a:lvl1pPr algn="ctr">
-              <a:defRPr sz="6000"/>
+              <a:defRPr sz="8400"/>
             </a:lvl1pPr>
           </a:lstStyle>
           <a:p>
@@ -158,19 +152,13 @@
               <a:rPr lang="en-GB"/>
               <a:t>Click to edit Master title style</a:t>
             </a:r>
-            <a:endParaRPr lang="en-US"/>
-          </a:p>
-        </p:txBody>
-      </p:sp>
-      <p:sp>
-        <p:nvSpPr>
-          <p:cNvPr id="3" name="Subtitle 2">
-            <a:extLst>
-              <a:ext uri="{FF2B5EF4-FFF2-40B4-BE49-F238E27FC236}">
-                <a16:creationId xmlns:a16="http://schemas.microsoft.com/office/drawing/2014/main" id="{51E3B013-6FDC-624A-8386-E371BAF63B26}"/>
-              </a:ext>
-            </a:extLst>
-          </p:cNvPr>
+            <a:endParaRPr lang="en-US" dirty="0"/>
+          </a:p>
+        </p:txBody>
+      </p:sp>
+      <p:sp>
+        <p:nvSpPr>
+          <p:cNvPr id="3" name="Subtitle 2"/>
           <p:cNvSpPr>
             <a:spLocks noGrp="1"/>
           </p:cNvSpPr>
@@ -180,8 +168,8 @@
         </p:nvSpPr>
         <p:spPr>
           <a:xfrm>
-            <a:off x="1524000" y="3602038"/>
-            <a:ext cx="9144000" cy="1655762"/>
+            <a:off x="1600200" y="5042853"/>
+            <a:ext cx="9601200" cy="2318067"/>
           </a:xfrm>
         </p:spPr>
         <p:txBody>
@@ -189,39 +177,39 @@
           <a:lstStyle>
             <a:lvl1pPr marL="0" indent="0" algn="ctr">
               <a:buNone/>
-              <a:defRPr sz="2400"/>
+              <a:defRPr sz="3360"/>
             </a:lvl1pPr>
-            <a:lvl2pPr marL="457200" indent="0" algn="ctr">
-              <a:buNone/>
-              <a:defRPr sz="2000"/>
+            <a:lvl2pPr marL="640080" indent="0" algn="ctr">
+              <a:buNone/>
+              <a:defRPr sz="2800"/>
             </a:lvl2pPr>
-            <a:lvl3pPr marL="914400" indent="0" algn="ctr">
-              <a:buNone/>
-              <a:defRPr sz="1800"/>
+            <a:lvl3pPr marL="1280160" indent="0" algn="ctr">
+              <a:buNone/>
+              <a:defRPr sz="2520"/>
             </a:lvl3pPr>
-            <a:lvl4pPr marL="1371600" indent="0" algn="ctr">
-              <a:buNone/>
-              <a:defRPr sz="1600"/>
+            <a:lvl4pPr marL="1920240" indent="0" algn="ctr">
+              <a:buNone/>
+              <a:defRPr sz="2240"/>
             </a:lvl4pPr>
-            <a:lvl5pPr marL="1828800" indent="0" algn="ctr">
-              <a:buNone/>
-              <a:defRPr sz="1600"/>
+            <a:lvl5pPr marL="2560320" indent="0" algn="ctr">
+              <a:buNone/>
+              <a:defRPr sz="2240"/>
             </a:lvl5pPr>
-            <a:lvl6pPr marL="2286000" indent="0" algn="ctr">
-              <a:buNone/>
-              <a:defRPr sz="1600"/>
+            <a:lvl6pPr marL="3200400" indent="0" algn="ctr">
+              <a:buNone/>
+              <a:defRPr sz="2240"/>
             </a:lvl6pPr>
-            <a:lvl7pPr marL="2743200" indent="0" algn="ctr">
-              <a:buNone/>
-              <a:defRPr sz="1600"/>
+            <a:lvl7pPr marL="3840480" indent="0" algn="ctr">
+              <a:buNone/>
+              <a:defRPr sz="2240"/>
             </a:lvl7pPr>
-            <a:lvl8pPr marL="3200400" indent="0" algn="ctr">
-              <a:buNone/>
-              <a:defRPr sz="1600"/>
+            <a:lvl8pPr marL="4480560" indent="0" algn="ctr">
+              <a:buNone/>
+              <a:defRPr sz="2240"/>
             </a:lvl8pPr>
-            <a:lvl9pPr marL="3657600" indent="0" algn="ctr">
-              <a:buNone/>
-              <a:defRPr sz="1600"/>
+            <a:lvl9pPr marL="5120640" indent="0" algn="ctr">
+              <a:buNone/>
+              <a:defRPr sz="2240"/>
             </a:lvl9pPr>
           </a:lstStyle>
           <a:p>
@@ -229,19 +217,13 @@
               <a:rPr lang="en-GB"/>
               <a:t>Click to edit Master subtitle style</a:t>
             </a:r>
-            <a:endParaRPr lang="en-US"/>
-          </a:p>
-        </p:txBody>
-      </p:sp>
-      <p:sp>
-        <p:nvSpPr>
-          <p:cNvPr id="4" name="Date Placeholder 3">
-            <a:extLst>
-              <a:ext uri="{FF2B5EF4-FFF2-40B4-BE49-F238E27FC236}">
-                <a16:creationId xmlns:a16="http://schemas.microsoft.com/office/drawing/2014/main" id="{5E6ADCD0-3D34-6B42-8686-1BECAEDDC0AB}"/>
-              </a:ext>
-            </a:extLst>
-          </p:cNvPr>
+            <a:endParaRPr lang="en-US" dirty="0"/>
+          </a:p>
+        </p:txBody>
+      </p:sp>
+      <p:sp>
+        <p:nvSpPr>
+          <p:cNvPr id="4" name="Date Placeholder 3"/>
           <p:cNvSpPr>
             <a:spLocks noGrp="1"/>
           </p:cNvSpPr>
@@ -264,13 +246,7 @@
       </p:sp>
       <p:sp>
         <p:nvSpPr>
-          <p:cNvPr id="5" name="Footer Placeholder 4">
-            <a:extLst>
-              <a:ext uri="{FF2B5EF4-FFF2-40B4-BE49-F238E27FC236}">
-                <a16:creationId xmlns:a16="http://schemas.microsoft.com/office/drawing/2014/main" id="{D6BC66BF-36C0-C046-A2DB-B332013DADF7}"/>
-              </a:ext>
-            </a:extLst>
-          </p:cNvPr>
+          <p:cNvPr id="5" name="Footer Placeholder 4"/>
           <p:cNvSpPr>
             <a:spLocks noGrp="1"/>
           </p:cNvSpPr>
@@ -289,13 +265,7 @@
       </p:sp>
       <p:sp>
         <p:nvSpPr>
-          <p:cNvPr id="6" name="Slide Number Placeholder 5">
-            <a:extLst>
-              <a:ext uri="{FF2B5EF4-FFF2-40B4-BE49-F238E27FC236}">
-                <a16:creationId xmlns:a16="http://schemas.microsoft.com/office/drawing/2014/main" id="{31370F93-D93A-1E40-A310-F54CA94D7070}"/>
-              </a:ext>
-            </a:extLst>
-          </p:cNvPr>
+          <p:cNvPr id="6" name="Slide Number Placeholder 5"/>
           <p:cNvSpPr>
             <a:spLocks noGrp="1"/>
           </p:cNvSpPr>
@@ -319,7 +289,7 @@
     </p:spTree>
     <p:extLst>
       <p:ext uri="{BB962C8B-B14F-4D97-AF65-F5344CB8AC3E}">
-        <p14:creationId xmlns:p14="http://schemas.microsoft.com/office/powerpoint/2010/main" val="862181775"/>
+        <p14:creationId xmlns:p14="http://schemas.microsoft.com/office/powerpoint/2010/main" val="2224538311"/>
       </p:ext>
     </p:extLst>
   </p:cSld>
@@ -348,13 +318,7 @@
       </p:grpSpPr>
       <p:sp>
         <p:nvSpPr>
-          <p:cNvPr id="2" name="Title 1">
-            <a:extLst>
-              <a:ext uri="{FF2B5EF4-FFF2-40B4-BE49-F238E27FC236}">
-                <a16:creationId xmlns:a16="http://schemas.microsoft.com/office/drawing/2014/main" id="{78170014-B6AC-2840-BD1B-2EA4C90C85FB}"/>
-              </a:ext>
-            </a:extLst>
-          </p:cNvPr>
+          <p:cNvPr id="2" name="Title 1"/>
           <p:cNvSpPr>
             <a:spLocks noGrp="1"/>
           </p:cNvSpPr>
@@ -371,19 +335,13 @@
               <a:rPr lang="en-GB"/>
               <a:t>Click to edit Master title style</a:t>
             </a:r>
-            <a:endParaRPr lang="en-US"/>
-          </a:p>
-        </p:txBody>
-      </p:sp>
-      <p:sp>
-        <p:nvSpPr>
-          <p:cNvPr id="3" name="Vertical Text Placeholder 2">
-            <a:extLst>
-              <a:ext uri="{FF2B5EF4-FFF2-40B4-BE49-F238E27FC236}">
-                <a16:creationId xmlns:a16="http://schemas.microsoft.com/office/drawing/2014/main" id="{3D5336BA-980A-8C4D-9CE9-29D3EAB8E4E5}"/>
-              </a:ext>
-            </a:extLst>
-          </p:cNvPr>
+            <a:endParaRPr lang="en-US" dirty="0"/>
+          </a:p>
+        </p:txBody>
+      </p:sp>
+      <p:sp>
+        <p:nvSpPr>
+          <p:cNvPr id="3" name="Vertical Text Placeholder 2"/>
           <p:cNvSpPr>
             <a:spLocks noGrp="1"/>
           </p:cNvSpPr>
@@ -429,19 +387,13 @@
               <a:rPr lang="en-GB"/>
               <a:t>Fifth level</a:t>
             </a:r>
-            <a:endParaRPr lang="en-US"/>
-          </a:p>
-        </p:txBody>
-      </p:sp>
-      <p:sp>
-        <p:nvSpPr>
-          <p:cNvPr id="4" name="Date Placeholder 3">
-            <a:extLst>
-              <a:ext uri="{FF2B5EF4-FFF2-40B4-BE49-F238E27FC236}">
-                <a16:creationId xmlns:a16="http://schemas.microsoft.com/office/drawing/2014/main" id="{535AFB5F-88F8-B348-B169-ABB8E7EC675D}"/>
-              </a:ext>
-            </a:extLst>
-          </p:cNvPr>
+            <a:endParaRPr lang="en-US" dirty="0"/>
+          </a:p>
+        </p:txBody>
+      </p:sp>
+      <p:sp>
+        <p:nvSpPr>
+          <p:cNvPr id="4" name="Date Placeholder 3"/>
           <p:cNvSpPr>
             <a:spLocks noGrp="1"/>
           </p:cNvSpPr>
@@ -464,13 +416,7 @@
       </p:sp>
       <p:sp>
         <p:nvSpPr>
-          <p:cNvPr id="5" name="Footer Placeholder 4">
-            <a:extLst>
-              <a:ext uri="{FF2B5EF4-FFF2-40B4-BE49-F238E27FC236}">
-                <a16:creationId xmlns:a16="http://schemas.microsoft.com/office/drawing/2014/main" id="{EFCF737A-21C0-BC4D-8FA1-0DDA46D1FEA1}"/>
-              </a:ext>
-            </a:extLst>
-          </p:cNvPr>
+          <p:cNvPr id="5" name="Footer Placeholder 4"/>
           <p:cNvSpPr>
             <a:spLocks noGrp="1"/>
           </p:cNvSpPr>
@@ -489,13 +435,7 @@
       </p:sp>
       <p:sp>
         <p:nvSpPr>
-          <p:cNvPr id="6" name="Slide Number Placeholder 5">
-            <a:extLst>
-              <a:ext uri="{FF2B5EF4-FFF2-40B4-BE49-F238E27FC236}">
-                <a16:creationId xmlns:a16="http://schemas.microsoft.com/office/drawing/2014/main" id="{32955A7A-2644-CE47-B3D0-BB74DF1A37B5}"/>
-              </a:ext>
-            </a:extLst>
-          </p:cNvPr>
+          <p:cNvPr id="6" name="Slide Number Placeholder 5"/>
           <p:cNvSpPr>
             <a:spLocks noGrp="1"/>
           </p:cNvSpPr>
@@ -519,7 +459,7 @@
     </p:spTree>
     <p:extLst>
       <p:ext uri="{BB962C8B-B14F-4D97-AF65-F5344CB8AC3E}">
-        <p14:creationId xmlns:p14="http://schemas.microsoft.com/office/powerpoint/2010/main" val="2994562507"/>
+        <p14:creationId xmlns:p14="http://schemas.microsoft.com/office/powerpoint/2010/main" val="804511532"/>
       </p:ext>
     </p:extLst>
   </p:cSld>
@@ -548,13 +488,7 @@
       </p:grpSpPr>
       <p:sp>
         <p:nvSpPr>
-          <p:cNvPr id="2" name="Vertical Title 1">
-            <a:extLst>
-              <a:ext uri="{FF2B5EF4-FFF2-40B4-BE49-F238E27FC236}">
-                <a16:creationId xmlns:a16="http://schemas.microsoft.com/office/drawing/2014/main" id="{86735C9D-B6C5-294C-967A-0AC3666F1F9B}"/>
-              </a:ext>
-            </a:extLst>
-          </p:cNvPr>
+          <p:cNvPr id="2" name="Vertical Title 1"/>
           <p:cNvSpPr>
             <a:spLocks noGrp="1"/>
           </p:cNvSpPr>
@@ -564,8 +498,8 @@
         </p:nvSpPr>
         <p:spPr>
           <a:xfrm>
-            <a:off x="8724900" y="365125"/>
-            <a:ext cx="2628900" cy="5811838"/>
+            <a:off x="9161146" y="511175"/>
+            <a:ext cx="2760345" cy="8136573"/>
           </a:xfrm>
         </p:spPr>
         <p:txBody>
@@ -576,19 +510,13 @@
               <a:rPr lang="en-GB"/>
               <a:t>Click to edit Master title style</a:t>
             </a:r>
-            <a:endParaRPr lang="en-US"/>
-          </a:p>
-        </p:txBody>
-      </p:sp>
-      <p:sp>
-        <p:nvSpPr>
-          <p:cNvPr id="3" name="Vertical Text Placeholder 2">
-            <a:extLst>
-              <a:ext uri="{FF2B5EF4-FFF2-40B4-BE49-F238E27FC236}">
-                <a16:creationId xmlns:a16="http://schemas.microsoft.com/office/drawing/2014/main" id="{88B568F2-2685-794B-A5AF-98A6672BFAC2}"/>
-              </a:ext>
-            </a:extLst>
-          </p:cNvPr>
+            <a:endParaRPr lang="en-US" dirty="0"/>
+          </a:p>
+        </p:txBody>
+      </p:sp>
+      <p:sp>
+        <p:nvSpPr>
+          <p:cNvPr id="3" name="Vertical Text Placeholder 2"/>
           <p:cNvSpPr>
             <a:spLocks noGrp="1"/>
           </p:cNvSpPr>
@@ -598,8 +526,8 @@
         </p:nvSpPr>
         <p:spPr>
           <a:xfrm>
-            <a:off x="838200" y="365125"/>
-            <a:ext cx="7734300" cy="5811838"/>
+            <a:off x="880111" y="511175"/>
+            <a:ext cx="8121015" cy="8136573"/>
           </a:xfrm>
         </p:spPr>
         <p:txBody>
@@ -639,19 +567,13 @@
               <a:rPr lang="en-GB"/>
               <a:t>Fifth level</a:t>
             </a:r>
-            <a:endParaRPr lang="en-US"/>
-          </a:p>
-        </p:txBody>
-      </p:sp>
-      <p:sp>
-        <p:nvSpPr>
-          <p:cNvPr id="4" name="Date Placeholder 3">
-            <a:extLst>
-              <a:ext uri="{FF2B5EF4-FFF2-40B4-BE49-F238E27FC236}">
-                <a16:creationId xmlns:a16="http://schemas.microsoft.com/office/drawing/2014/main" id="{9D4FEFC1-A694-7E49-93F4-CB10375C9C89}"/>
-              </a:ext>
-            </a:extLst>
-          </p:cNvPr>
+            <a:endParaRPr lang="en-US" dirty="0"/>
+          </a:p>
+        </p:txBody>
+      </p:sp>
+      <p:sp>
+        <p:nvSpPr>
+          <p:cNvPr id="4" name="Date Placeholder 3"/>
           <p:cNvSpPr>
             <a:spLocks noGrp="1"/>
           </p:cNvSpPr>
@@ -674,13 +596,7 @@
       </p:sp>
       <p:sp>
         <p:nvSpPr>
-          <p:cNvPr id="5" name="Footer Placeholder 4">
-            <a:extLst>
-              <a:ext uri="{FF2B5EF4-FFF2-40B4-BE49-F238E27FC236}">
-                <a16:creationId xmlns:a16="http://schemas.microsoft.com/office/drawing/2014/main" id="{4B03BABA-88D3-464E-A8F0-C9ED1E04B1D1}"/>
-              </a:ext>
-            </a:extLst>
-          </p:cNvPr>
+          <p:cNvPr id="5" name="Footer Placeholder 4"/>
           <p:cNvSpPr>
             <a:spLocks noGrp="1"/>
           </p:cNvSpPr>
@@ -699,13 +615,7 @@
       </p:sp>
       <p:sp>
         <p:nvSpPr>
-          <p:cNvPr id="6" name="Slide Number Placeholder 5">
-            <a:extLst>
-              <a:ext uri="{FF2B5EF4-FFF2-40B4-BE49-F238E27FC236}">
-                <a16:creationId xmlns:a16="http://schemas.microsoft.com/office/drawing/2014/main" id="{AAF6F852-35FA-7943-8DE8-54DE49DB8F91}"/>
-              </a:ext>
-            </a:extLst>
-          </p:cNvPr>
+          <p:cNvPr id="6" name="Slide Number Placeholder 5"/>
           <p:cNvSpPr>
             <a:spLocks noGrp="1"/>
           </p:cNvSpPr>
@@ -729,7 +639,7 @@
     </p:spTree>
     <p:extLst>
       <p:ext uri="{BB962C8B-B14F-4D97-AF65-F5344CB8AC3E}">
-        <p14:creationId xmlns:p14="http://schemas.microsoft.com/office/powerpoint/2010/main" val="2410956619"/>
+        <p14:creationId xmlns:p14="http://schemas.microsoft.com/office/powerpoint/2010/main" val="2813009479"/>
       </p:ext>
     </p:extLst>
   </p:cSld>
@@ -758,13 +668,7 @@
       </p:grpSpPr>
       <p:sp>
         <p:nvSpPr>
-          <p:cNvPr id="2" name="Title 1">
-            <a:extLst>
-              <a:ext uri="{FF2B5EF4-FFF2-40B4-BE49-F238E27FC236}">
-                <a16:creationId xmlns:a16="http://schemas.microsoft.com/office/drawing/2014/main" id="{6186EABD-AE24-5846-AF78-ADDDB8D77216}"/>
-              </a:ext>
-            </a:extLst>
-          </p:cNvPr>
+          <p:cNvPr id="2" name="Title 1"/>
           <p:cNvSpPr>
             <a:spLocks noGrp="1"/>
           </p:cNvSpPr>
@@ -781,19 +685,13 @@
               <a:rPr lang="en-GB"/>
               <a:t>Click to edit Master title style</a:t>
             </a:r>
-            <a:endParaRPr lang="en-US"/>
-          </a:p>
-        </p:txBody>
-      </p:sp>
-      <p:sp>
-        <p:nvSpPr>
-          <p:cNvPr id="3" name="Content Placeholder 2">
-            <a:extLst>
-              <a:ext uri="{FF2B5EF4-FFF2-40B4-BE49-F238E27FC236}">
-                <a16:creationId xmlns:a16="http://schemas.microsoft.com/office/drawing/2014/main" id="{D9FC5987-8937-8E44-88D3-6E1899C8CA37}"/>
-              </a:ext>
-            </a:extLst>
-          </p:cNvPr>
+            <a:endParaRPr lang="en-US" dirty="0"/>
+          </a:p>
+        </p:txBody>
+      </p:sp>
+      <p:sp>
+        <p:nvSpPr>
+          <p:cNvPr id="3" name="Content Placeholder 2"/>
           <p:cNvSpPr>
             <a:spLocks noGrp="1"/>
           </p:cNvSpPr>
@@ -839,19 +737,13 @@
               <a:rPr lang="en-GB"/>
               <a:t>Fifth level</a:t>
             </a:r>
-            <a:endParaRPr lang="en-US"/>
-          </a:p>
-        </p:txBody>
-      </p:sp>
-      <p:sp>
-        <p:nvSpPr>
-          <p:cNvPr id="4" name="Date Placeholder 3">
-            <a:extLst>
-              <a:ext uri="{FF2B5EF4-FFF2-40B4-BE49-F238E27FC236}">
-                <a16:creationId xmlns:a16="http://schemas.microsoft.com/office/drawing/2014/main" id="{7365453B-52B2-F04E-B5B9-E19B37D67585}"/>
-              </a:ext>
-            </a:extLst>
-          </p:cNvPr>
+            <a:endParaRPr lang="en-US" dirty="0"/>
+          </a:p>
+        </p:txBody>
+      </p:sp>
+      <p:sp>
+        <p:nvSpPr>
+          <p:cNvPr id="4" name="Date Placeholder 3"/>
           <p:cNvSpPr>
             <a:spLocks noGrp="1"/>
           </p:cNvSpPr>
@@ -874,13 +766,7 @@
       </p:sp>
       <p:sp>
         <p:nvSpPr>
-          <p:cNvPr id="5" name="Footer Placeholder 4">
-            <a:extLst>
-              <a:ext uri="{FF2B5EF4-FFF2-40B4-BE49-F238E27FC236}">
-                <a16:creationId xmlns:a16="http://schemas.microsoft.com/office/drawing/2014/main" id="{5C4F1001-8195-4F4F-9773-80C7A070BAD2}"/>
-              </a:ext>
-            </a:extLst>
-          </p:cNvPr>
+          <p:cNvPr id="5" name="Footer Placeholder 4"/>
           <p:cNvSpPr>
             <a:spLocks noGrp="1"/>
           </p:cNvSpPr>
@@ -899,13 +785,7 @@
       </p:sp>
       <p:sp>
         <p:nvSpPr>
-          <p:cNvPr id="6" name="Slide Number Placeholder 5">
-            <a:extLst>
-              <a:ext uri="{FF2B5EF4-FFF2-40B4-BE49-F238E27FC236}">
-                <a16:creationId xmlns:a16="http://schemas.microsoft.com/office/drawing/2014/main" id="{94DCE9AF-B4D4-FE4F-9C74-7F60285FCA83}"/>
-              </a:ext>
-            </a:extLst>
-          </p:cNvPr>
+          <p:cNvPr id="6" name="Slide Number Placeholder 5"/>
           <p:cNvSpPr>
             <a:spLocks noGrp="1"/>
           </p:cNvSpPr>
@@ -929,7 +809,7 @@
     </p:spTree>
     <p:extLst>
       <p:ext uri="{BB962C8B-B14F-4D97-AF65-F5344CB8AC3E}">
-        <p14:creationId xmlns:p14="http://schemas.microsoft.com/office/powerpoint/2010/main" val="1153100837"/>
+        <p14:creationId xmlns:p14="http://schemas.microsoft.com/office/powerpoint/2010/main" val="2274310270"/>
       </p:ext>
     </p:extLst>
   </p:cSld>
@@ -958,13 +838,7 @@
       </p:grpSpPr>
       <p:sp>
         <p:nvSpPr>
-          <p:cNvPr id="2" name="Title 1">
-            <a:extLst>
-              <a:ext uri="{FF2B5EF4-FFF2-40B4-BE49-F238E27FC236}">
-                <a16:creationId xmlns:a16="http://schemas.microsoft.com/office/drawing/2014/main" id="{EA586939-0505-7544-B5CF-0DC9294E5804}"/>
-              </a:ext>
-            </a:extLst>
-          </p:cNvPr>
+          <p:cNvPr id="2" name="Title 1"/>
           <p:cNvSpPr>
             <a:spLocks noGrp="1"/>
           </p:cNvSpPr>
@@ -974,15 +848,15 @@
         </p:nvSpPr>
         <p:spPr>
           <a:xfrm>
-            <a:off x="831850" y="1709738"/>
-            <a:ext cx="10515600" cy="2852737"/>
+            <a:off x="873443" y="2393635"/>
+            <a:ext cx="11041380" cy="3993832"/>
           </a:xfrm>
         </p:spPr>
         <p:txBody>
           <a:bodyPr anchor="b"/>
           <a:lstStyle>
             <a:lvl1pPr>
-              <a:defRPr sz="6000"/>
+              <a:defRPr sz="8400"/>
             </a:lvl1pPr>
           </a:lstStyle>
           <a:p>
@@ -990,19 +864,13 @@
               <a:rPr lang="en-GB"/>
               <a:t>Click to edit Master title style</a:t>
             </a:r>
-            <a:endParaRPr lang="en-US"/>
-          </a:p>
-        </p:txBody>
-      </p:sp>
-      <p:sp>
-        <p:nvSpPr>
-          <p:cNvPr id="3" name="Text Placeholder 2">
-            <a:extLst>
-              <a:ext uri="{FF2B5EF4-FFF2-40B4-BE49-F238E27FC236}">
-                <a16:creationId xmlns:a16="http://schemas.microsoft.com/office/drawing/2014/main" id="{52C41BD4-0CE6-644C-91E8-527206CFAAFC}"/>
-              </a:ext>
-            </a:extLst>
-          </p:cNvPr>
+            <a:endParaRPr lang="en-US" dirty="0"/>
+          </a:p>
+        </p:txBody>
+      </p:sp>
+      <p:sp>
+        <p:nvSpPr>
+          <p:cNvPr id="3" name="Text Placeholder 2"/>
           <p:cNvSpPr>
             <a:spLocks noGrp="1"/>
           </p:cNvSpPr>
@@ -1012,8 +880,8 @@
         </p:nvSpPr>
         <p:spPr>
           <a:xfrm>
-            <a:off x="831850" y="4589463"/>
-            <a:ext cx="10515600" cy="1500187"/>
+            <a:off x="873443" y="6425250"/>
+            <a:ext cx="11041380" cy="2100262"/>
           </a:xfrm>
         </p:spPr>
         <p:txBody>
@@ -1021,17 +889,15 @@
           <a:lstStyle>
             <a:lvl1pPr marL="0" indent="0">
               <a:buNone/>
-              <a:defRPr sz="2400">
+              <a:defRPr sz="3360">
                 <a:solidFill>
-                  <a:schemeClr val="tx1">
-                    <a:tint val="75000"/>
-                  </a:schemeClr>
+                  <a:schemeClr val="tx1"/>
                 </a:solidFill>
               </a:defRPr>
             </a:lvl1pPr>
-            <a:lvl2pPr marL="457200" indent="0">
-              <a:buNone/>
-              <a:defRPr sz="2000">
+            <a:lvl2pPr marL="640080" indent="0">
+              <a:buNone/>
+              <a:defRPr sz="2800">
                 <a:solidFill>
                   <a:schemeClr val="tx1">
                     <a:tint val="75000"/>
@@ -1039,9 +905,9 @@
                 </a:solidFill>
               </a:defRPr>
             </a:lvl2pPr>
-            <a:lvl3pPr marL="914400" indent="0">
-              <a:buNone/>
-              <a:defRPr sz="1800">
+            <a:lvl3pPr marL="1280160" indent="0">
+              <a:buNone/>
+              <a:defRPr sz="2520">
                 <a:solidFill>
                   <a:schemeClr val="tx1">
                     <a:tint val="75000"/>
@@ -1049,9 +915,9 @@
                 </a:solidFill>
               </a:defRPr>
             </a:lvl3pPr>
-            <a:lvl4pPr marL="1371600" indent="0">
-              <a:buNone/>
-              <a:defRPr sz="1600">
+            <a:lvl4pPr marL="1920240" indent="0">
+              <a:buNone/>
+              <a:defRPr sz="2240">
                 <a:solidFill>
                   <a:schemeClr val="tx1">
                     <a:tint val="75000"/>
@@ -1059,9 +925,9 @@
                 </a:solidFill>
               </a:defRPr>
             </a:lvl4pPr>
-            <a:lvl5pPr marL="1828800" indent="0">
-              <a:buNone/>
-              <a:defRPr sz="1600">
+            <a:lvl5pPr marL="2560320" indent="0">
+              <a:buNone/>
+              <a:defRPr sz="2240">
                 <a:solidFill>
                   <a:schemeClr val="tx1">
                     <a:tint val="75000"/>
@@ -1069,9 +935,9 @@
                 </a:solidFill>
               </a:defRPr>
             </a:lvl5pPr>
-            <a:lvl6pPr marL="2286000" indent="0">
-              <a:buNone/>
-              <a:defRPr sz="1600">
+            <a:lvl6pPr marL="3200400" indent="0">
+              <a:buNone/>
+              <a:defRPr sz="2240">
                 <a:solidFill>
                   <a:schemeClr val="tx1">
                     <a:tint val="75000"/>
@@ -1079,9 +945,9 @@
                 </a:solidFill>
               </a:defRPr>
             </a:lvl6pPr>
-            <a:lvl7pPr marL="2743200" indent="0">
-              <a:buNone/>
-              <a:defRPr sz="1600">
+            <a:lvl7pPr marL="3840480" indent="0">
+              <a:buNone/>
+              <a:defRPr sz="2240">
                 <a:solidFill>
                   <a:schemeClr val="tx1">
                     <a:tint val="75000"/>
@@ -1089,9 +955,9 @@
                 </a:solidFill>
               </a:defRPr>
             </a:lvl7pPr>
-            <a:lvl8pPr marL="3200400" indent="0">
-              <a:buNone/>
-              <a:defRPr sz="1600">
+            <a:lvl8pPr marL="4480560" indent="0">
+              <a:buNone/>
+              <a:defRPr sz="2240">
                 <a:solidFill>
                   <a:schemeClr val="tx1">
                     <a:tint val="75000"/>
@@ -1099,9 +965,9 @@
                 </a:solidFill>
               </a:defRPr>
             </a:lvl8pPr>
-            <a:lvl9pPr marL="3657600" indent="0">
-              <a:buNone/>
-              <a:defRPr sz="1600">
+            <a:lvl9pPr marL="5120640" indent="0">
+              <a:buNone/>
+              <a:defRPr sz="2240">
                 <a:solidFill>
                   <a:schemeClr val="tx1">
                     <a:tint val="75000"/>
@@ -1121,13 +987,7 @@
       </p:sp>
       <p:sp>
         <p:nvSpPr>
-          <p:cNvPr id="4" name="Date Placeholder 3">
-            <a:extLst>
-              <a:ext uri="{FF2B5EF4-FFF2-40B4-BE49-F238E27FC236}">
-                <a16:creationId xmlns:a16="http://schemas.microsoft.com/office/drawing/2014/main" id="{5EE386CE-7208-134A-B4F8-B9E53A76D7F9}"/>
-              </a:ext>
-            </a:extLst>
-          </p:cNvPr>
+          <p:cNvPr id="4" name="Date Placeholder 3"/>
           <p:cNvSpPr>
             <a:spLocks noGrp="1"/>
           </p:cNvSpPr>
@@ -1150,13 +1010,7 @@
       </p:sp>
       <p:sp>
         <p:nvSpPr>
-          <p:cNvPr id="5" name="Footer Placeholder 4">
-            <a:extLst>
-              <a:ext uri="{FF2B5EF4-FFF2-40B4-BE49-F238E27FC236}">
-                <a16:creationId xmlns:a16="http://schemas.microsoft.com/office/drawing/2014/main" id="{D1C9D7E4-8F3D-164D-BC58-E6B28CC60BB9}"/>
-              </a:ext>
-            </a:extLst>
-          </p:cNvPr>
+          <p:cNvPr id="5" name="Footer Placeholder 4"/>
           <p:cNvSpPr>
             <a:spLocks noGrp="1"/>
           </p:cNvSpPr>
@@ -1175,13 +1029,7 @@
       </p:sp>
       <p:sp>
         <p:nvSpPr>
-          <p:cNvPr id="6" name="Slide Number Placeholder 5">
-            <a:extLst>
-              <a:ext uri="{FF2B5EF4-FFF2-40B4-BE49-F238E27FC236}">
-                <a16:creationId xmlns:a16="http://schemas.microsoft.com/office/drawing/2014/main" id="{B511F0DA-2410-1E48-A242-2B83D0056368}"/>
-              </a:ext>
-            </a:extLst>
-          </p:cNvPr>
+          <p:cNvPr id="6" name="Slide Number Placeholder 5"/>
           <p:cNvSpPr>
             <a:spLocks noGrp="1"/>
           </p:cNvSpPr>
@@ -1205,7 +1053,7 @@
     </p:spTree>
     <p:extLst>
       <p:ext uri="{BB962C8B-B14F-4D97-AF65-F5344CB8AC3E}">
-        <p14:creationId xmlns:p14="http://schemas.microsoft.com/office/powerpoint/2010/main" val="3932904759"/>
+        <p14:creationId xmlns:p14="http://schemas.microsoft.com/office/powerpoint/2010/main" val="1771450925"/>
       </p:ext>
     </p:extLst>
   </p:cSld>
@@ -1234,13 +1082,7 @@
       </p:grpSpPr>
       <p:sp>
         <p:nvSpPr>
-          <p:cNvPr id="2" name="Title 1">
-            <a:extLst>
-              <a:ext uri="{FF2B5EF4-FFF2-40B4-BE49-F238E27FC236}">
-                <a16:creationId xmlns:a16="http://schemas.microsoft.com/office/drawing/2014/main" id="{6A0F7C73-1A3F-9444-9FC7-39237F04D19E}"/>
-              </a:ext>
-            </a:extLst>
-          </p:cNvPr>
+          <p:cNvPr id="2" name="Title 1"/>
           <p:cNvSpPr>
             <a:spLocks noGrp="1"/>
           </p:cNvSpPr>
@@ -1257,19 +1099,13 @@
               <a:rPr lang="en-GB"/>
               <a:t>Click to edit Master title style</a:t>
             </a:r>
-            <a:endParaRPr lang="en-US"/>
-          </a:p>
-        </p:txBody>
-      </p:sp>
-      <p:sp>
-        <p:nvSpPr>
-          <p:cNvPr id="3" name="Content Placeholder 2">
-            <a:extLst>
-              <a:ext uri="{FF2B5EF4-FFF2-40B4-BE49-F238E27FC236}">
-                <a16:creationId xmlns:a16="http://schemas.microsoft.com/office/drawing/2014/main" id="{2CF26ADF-C2A8-AE44-85CE-398CBBDE9082}"/>
-              </a:ext>
-            </a:extLst>
-          </p:cNvPr>
+            <a:endParaRPr lang="en-US" dirty="0"/>
+          </a:p>
+        </p:txBody>
+      </p:sp>
+      <p:sp>
+        <p:nvSpPr>
+          <p:cNvPr id="3" name="Content Placeholder 2"/>
           <p:cNvSpPr>
             <a:spLocks noGrp="1"/>
           </p:cNvSpPr>
@@ -1279,8 +1115,8 @@
         </p:nvSpPr>
         <p:spPr>
           <a:xfrm>
-            <a:off x="838200" y="1825625"/>
-            <a:ext cx="5181600" cy="4351338"/>
+            <a:off x="880110" y="2555875"/>
+            <a:ext cx="5440680" cy="6091873"/>
           </a:xfrm>
         </p:spPr>
         <p:txBody>
@@ -1320,19 +1156,13 @@
               <a:rPr lang="en-GB"/>
               <a:t>Fifth level</a:t>
             </a:r>
-            <a:endParaRPr lang="en-US"/>
-          </a:p>
-        </p:txBody>
-      </p:sp>
-      <p:sp>
-        <p:nvSpPr>
-          <p:cNvPr id="4" name="Content Placeholder 3">
-            <a:extLst>
-              <a:ext uri="{FF2B5EF4-FFF2-40B4-BE49-F238E27FC236}">
-                <a16:creationId xmlns:a16="http://schemas.microsoft.com/office/drawing/2014/main" id="{D9716DF7-A911-7B4C-83E4-9855B5863865}"/>
-              </a:ext>
-            </a:extLst>
-          </p:cNvPr>
+            <a:endParaRPr lang="en-US" dirty="0"/>
+          </a:p>
+        </p:txBody>
+      </p:sp>
+      <p:sp>
+        <p:nvSpPr>
+          <p:cNvPr id="4" name="Content Placeholder 3"/>
           <p:cNvSpPr>
             <a:spLocks noGrp="1"/>
           </p:cNvSpPr>
@@ -1342,8 +1172,8 @@
         </p:nvSpPr>
         <p:spPr>
           <a:xfrm>
-            <a:off x="6172200" y="1825625"/>
-            <a:ext cx="5181600" cy="4351338"/>
+            <a:off x="6480810" y="2555875"/>
+            <a:ext cx="5440680" cy="6091873"/>
           </a:xfrm>
         </p:spPr>
         <p:txBody>
@@ -1383,19 +1213,13 @@
               <a:rPr lang="en-GB"/>
               <a:t>Fifth level</a:t>
             </a:r>
-            <a:endParaRPr lang="en-US"/>
-          </a:p>
-        </p:txBody>
-      </p:sp>
-      <p:sp>
-        <p:nvSpPr>
-          <p:cNvPr id="5" name="Date Placeholder 4">
-            <a:extLst>
-              <a:ext uri="{FF2B5EF4-FFF2-40B4-BE49-F238E27FC236}">
-                <a16:creationId xmlns:a16="http://schemas.microsoft.com/office/drawing/2014/main" id="{88F544DA-16D7-F143-8FE8-4691488F368A}"/>
-              </a:ext>
-            </a:extLst>
-          </p:cNvPr>
+            <a:endParaRPr lang="en-US" dirty="0"/>
+          </a:p>
+        </p:txBody>
+      </p:sp>
+      <p:sp>
+        <p:nvSpPr>
+          <p:cNvPr id="5" name="Date Placeholder 4"/>
           <p:cNvSpPr>
             <a:spLocks noGrp="1"/>
           </p:cNvSpPr>
@@ -1418,13 +1242,7 @@
       </p:sp>
       <p:sp>
         <p:nvSpPr>
-          <p:cNvPr id="6" name="Footer Placeholder 5">
-            <a:extLst>
-              <a:ext uri="{FF2B5EF4-FFF2-40B4-BE49-F238E27FC236}">
-                <a16:creationId xmlns:a16="http://schemas.microsoft.com/office/drawing/2014/main" id="{27F8B6CD-99F5-864B-9140-ABCCCBCB4DA3}"/>
-              </a:ext>
-            </a:extLst>
-          </p:cNvPr>
+          <p:cNvPr id="6" name="Footer Placeholder 5"/>
           <p:cNvSpPr>
             <a:spLocks noGrp="1"/>
           </p:cNvSpPr>
@@ -1443,13 +1261,7 @@
       </p:sp>
       <p:sp>
         <p:nvSpPr>
-          <p:cNvPr id="7" name="Slide Number Placeholder 6">
-            <a:extLst>
-              <a:ext uri="{FF2B5EF4-FFF2-40B4-BE49-F238E27FC236}">
-                <a16:creationId xmlns:a16="http://schemas.microsoft.com/office/drawing/2014/main" id="{EBE94C5B-659E-BA44-BB01-DE6A7428F9E2}"/>
-              </a:ext>
-            </a:extLst>
-          </p:cNvPr>
+          <p:cNvPr id="7" name="Slide Number Placeholder 6"/>
           <p:cNvSpPr>
             <a:spLocks noGrp="1"/>
           </p:cNvSpPr>
@@ -1473,7 +1285,7 @@
     </p:spTree>
     <p:extLst>
       <p:ext uri="{BB962C8B-B14F-4D97-AF65-F5344CB8AC3E}">
-        <p14:creationId xmlns:p14="http://schemas.microsoft.com/office/powerpoint/2010/main" val="4131299079"/>
+        <p14:creationId xmlns:p14="http://schemas.microsoft.com/office/powerpoint/2010/main" val="3049867062"/>
       </p:ext>
     </p:extLst>
   </p:cSld>
@@ -1502,13 +1314,7 @@
       </p:grpSpPr>
       <p:sp>
         <p:nvSpPr>
-          <p:cNvPr id="2" name="Title 1">
-            <a:extLst>
-              <a:ext uri="{FF2B5EF4-FFF2-40B4-BE49-F238E27FC236}">
-                <a16:creationId xmlns:a16="http://schemas.microsoft.com/office/drawing/2014/main" id="{E048E2EC-3678-AE41-980B-78731DD8B32C}"/>
-              </a:ext>
-            </a:extLst>
-          </p:cNvPr>
+          <p:cNvPr id="2" name="Title 1"/>
           <p:cNvSpPr>
             <a:spLocks noGrp="1"/>
           </p:cNvSpPr>
@@ -1518,8 +1324,8 @@
         </p:nvSpPr>
         <p:spPr>
           <a:xfrm>
-            <a:off x="839788" y="365125"/>
-            <a:ext cx="10515600" cy="1325563"/>
+            <a:off x="881777" y="511177"/>
+            <a:ext cx="11041380" cy="1855788"/>
           </a:xfrm>
         </p:spPr>
         <p:txBody>
@@ -1530,19 +1336,13 @@
               <a:rPr lang="en-GB"/>
               <a:t>Click to edit Master title style</a:t>
             </a:r>
-            <a:endParaRPr lang="en-US"/>
-          </a:p>
-        </p:txBody>
-      </p:sp>
-      <p:sp>
-        <p:nvSpPr>
-          <p:cNvPr id="3" name="Text Placeholder 2">
-            <a:extLst>
-              <a:ext uri="{FF2B5EF4-FFF2-40B4-BE49-F238E27FC236}">
-                <a16:creationId xmlns:a16="http://schemas.microsoft.com/office/drawing/2014/main" id="{45E2E99F-7806-AE4C-B449-C34CADD20886}"/>
-              </a:ext>
-            </a:extLst>
-          </p:cNvPr>
+            <a:endParaRPr lang="en-US" dirty="0"/>
+          </a:p>
+        </p:txBody>
+      </p:sp>
+      <p:sp>
+        <p:nvSpPr>
+          <p:cNvPr id="3" name="Text Placeholder 2"/>
           <p:cNvSpPr>
             <a:spLocks noGrp="1"/>
           </p:cNvSpPr>
@@ -1552,8 +1352,8 @@
         </p:nvSpPr>
         <p:spPr>
           <a:xfrm>
-            <a:off x="839788" y="1681163"/>
-            <a:ext cx="5157787" cy="823912"/>
+            <a:off x="881779" y="2353628"/>
+            <a:ext cx="5415676" cy="1153477"/>
           </a:xfrm>
         </p:spPr>
         <p:txBody>
@@ -1561,39 +1361,39 @@
           <a:lstStyle>
             <a:lvl1pPr marL="0" indent="0">
               <a:buNone/>
-              <a:defRPr sz="2400" b="1"/>
+              <a:defRPr sz="3360" b="1"/>
             </a:lvl1pPr>
-            <a:lvl2pPr marL="457200" indent="0">
-              <a:buNone/>
-              <a:defRPr sz="2000" b="1"/>
+            <a:lvl2pPr marL="640080" indent="0">
+              <a:buNone/>
+              <a:defRPr sz="2800" b="1"/>
             </a:lvl2pPr>
-            <a:lvl3pPr marL="914400" indent="0">
-              <a:buNone/>
-              <a:defRPr sz="1800" b="1"/>
+            <a:lvl3pPr marL="1280160" indent="0">
+              <a:buNone/>
+              <a:defRPr sz="2520" b="1"/>
             </a:lvl3pPr>
-            <a:lvl4pPr marL="1371600" indent="0">
-              <a:buNone/>
-              <a:defRPr sz="1600" b="1"/>
+            <a:lvl4pPr marL="1920240" indent="0">
+              <a:buNone/>
+              <a:defRPr sz="2240" b="1"/>
             </a:lvl4pPr>
-            <a:lvl5pPr marL="1828800" indent="0">
-              <a:buNone/>
-              <a:defRPr sz="1600" b="1"/>
+            <a:lvl5pPr marL="2560320" indent="0">
+              <a:buNone/>
+              <a:defRPr sz="2240" b="1"/>
             </a:lvl5pPr>
-            <a:lvl6pPr marL="2286000" indent="0">
-              <a:buNone/>
-              <a:defRPr sz="1600" b="1"/>
+            <a:lvl6pPr marL="3200400" indent="0">
+              <a:buNone/>
+              <a:defRPr sz="2240" b="1"/>
             </a:lvl6pPr>
-            <a:lvl7pPr marL="2743200" indent="0">
-              <a:buNone/>
-              <a:defRPr sz="1600" b="1"/>
+            <a:lvl7pPr marL="3840480" indent="0">
+              <a:buNone/>
+              <a:defRPr sz="2240" b="1"/>
             </a:lvl7pPr>
-            <a:lvl8pPr marL="3200400" indent="0">
-              <a:buNone/>
-              <a:defRPr sz="1600" b="1"/>
+            <a:lvl8pPr marL="4480560" indent="0">
+              <a:buNone/>
+              <a:defRPr sz="2240" b="1"/>
             </a:lvl8pPr>
-            <a:lvl9pPr marL="3657600" indent="0">
-              <a:buNone/>
-              <a:defRPr sz="1600" b="1"/>
+            <a:lvl9pPr marL="5120640" indent="0">
+              <a:buNone/>
+              <a:defRPr sz="2240" b="1"/>
             </a:lvl9pPr>
           </a:lstStyle>
           <a:p>
@@ -1607,13 +1407,7 @@
       </p:sp>
       <p:sp>
         <p:nvSpPr>
-          <p:cNvPr id="4" name="Content Placeholder 3">
-            <a:extLst>
-              <a:ext uri="{FF2B5EF4-FFF2-40B4-BE49-F238E27FC236}">
-                <a16:creationId xmlns:a16="http://schemas.microsoft.com/office/drawing/2014/main" id="{50433EA0-EA64-584A-8B2B-872A01EECE6E}"/>
-              </a:ext>
-            </a:extLst>
-          </p:cNvPr>
+          <p:cNvPr id="4" name="Content Placeholder 3"/>
           <p:cNvSpPr>
             <a:spLocks noGrp="1"/>
           </p:cNvSpPr>
@@ -1623,8 +1417,8 @@
         </p:nvSpPr>
         <p:spPr>
           <a:xfrm>
-            <a:off x="839788" y="2505075"/>
-            <a:ext cx="5157787" cy="3684588"/>
+            <a:off x="881779" y="3507105"/>
+            <a:ext cx="5415676" cy="5158423"/>
           </a:xfrm>
         </p:spPr>
         <p:txBody>
@@ -1664,19 +1458,13 @@
               <a:rPr lang="en-GB"/>
               <a:t>Fifth level</a:t>
             </a:r>
-            <a:endParaRPr lang="en-US"/>
-          </a:p>
-        </p:txBody>
-      </p:sp>
-      <p:sp>
-        <p:nvSpPr>
-          <p:cNvPr id="5" name="Text Placeholder 4">
-            <a:extLst>
-              <a:ext uri="{FF2B5EF4-FFF2-40B4-BE49-F238E27FC236}">
-                <a16:creationId xmlns:a16="http://schemas.microsoft.com/office/drawing/2014/main" id="{DCE42E91-0676-F042-BF25-19D8F8EE6165}"/>
-              </a:ext>
-            </a:extLst>
-          </p:cNvPr>
+            <a:endParaRPr lang="en-US" dirty="0"/>
+          </a:p>
+        </p:txBody>
+      </p:sp>
+      <p:sp>
+        <p:nvSpPr>
+          <p:cNvPr id="5" name="Text Placeholder 4"/>
           <p:cNvSpPr>
             <a:spLocks noGrp="1"/>
           </p:cNvSpPr>
@@ -1686,8 +1474,8 @@
         </p:nvSpPr>
         <p:spPr>
           <a:xfrm>
-            <a:off x="6172200" y="1681163"/>
-            <a:ext cx="5183188" cy="823912"/>
+            <a:off x="6480811" y="2353628"/>
+            <a:ext cx="5442347" cy="1153477"/>
           </a:xfrm>
         </p:spPr>
         <p:txBody>
@@ -1695,39 +1483,39 @@
           <a:lstStyle>
             <a:lvl1pPr marL="0" indent="0">
               <a:buNone/>
-              <a:defRPr sz="2400" b="1"/>
+              <a:defRPr sz="3360" b="1"/>
             </a:lvl1pPr>
-            <a:lvl2pPr marL="457200" indent="0">
-              <a:buNone/>
-              <a:defRPr sz="2000" b="1"/>
+            <a:lvl2pPr marL="640080" indent="0">
+              <a:buNone/>
+              <a:defRPr sz="2800" b="1"/>
             </a:lvl2pPr>
-            <a:lvl3pPr marL="914400" indent="0">
-              <a:buNone/>
-              <a:defRPr sz="1800" b="1"/>
+            <a:lvl3pPr marL="1280160" indent="0">
+              <a:buNone/>
+              <a:defRPr sz="2520" b="1"/>
             </a:lvl3pPr>
-            <a:lvl4pPr marL="1371600" indent="0">
-              <a:buNone/>
-              <a:defRPr sz="1600" b="1"/>
+            <a:lvl4pPr marL="1920240" indent="0">
+              <a:buNone/>
+              <a:defRPr sz="2240" b="1"/>
             </a:lvl4pPr>
-            <a:lvl5pPr marL="1828800" indent="0">
-              <a:buNone/>
-              <a:defRPr sz="1600" b="1"/>
+            <a:lvl5pPr marL="2560320" indent="0">
+              <a:buNone/>
+              <a:defRPr sz="2240" b="1"/>
             </a:lvl5pPr>
-            <a:lvl6pPr marL="2286000" indent="0">
-              <a:buNone/>
-              <a:defRPr sz="1600" b="1"/>
+            <a:lvl6pPr marL="3200400" indent="0">
+              <a:buNone/>
+              <a:defRPr sz="2240" b="1"/>
             </a:lvl6pPr>
-            <a:lvl7pPr marL="2743200" indent="0">
-              <a:buNone/>
-              <a:defRPr sz="1600" b="1"/>
+            <a:lvl7pPr marL="3840480" indent="0">
+              <a:buNone/>
+              <a:defRPr sz="2240" b="1"/>
             </a:lvl7pPr>
-            <a:lvl8pPr marL="3200400" indent="0">
-              <a:buNone/>
-              <a:defRPr sz="1600" b="1"/>
+            <a:lvl8pPr marL="4480560" indent="0">
+              <a:buNone/>
+              <a:defRPr sz="2240" b="1"/>
             </a:lvl8pPr>
-            <a:lvl9pPr marL="3657600" indent="0">
-              <a:buNone/>
-              <a:defRPr sz="1600" b="1"/>
+            <a:lvl9pPr marL="5120640" indent="0">
+              <a:buNone/>
+              <a:defRPr sz="2240" b="1"/>
             </a:lvl9pPr>
           </a:lstStyle>
           <a:p>
@@ -1741,13 +1529,7 @@
       </p:sp>
       <p:sp>
         <p:nvSpPr>
-          <p:cNvPr id="6" name="Content Placeholder 5">
-            <a:extLst>
-              <a:ext uri="{FF2B5EF4-FFF2-40B4-BE49-F238E27FC236}">
-                <a16:creationId xmlns:a16="http://schemas.microsoft.com/office/drawing/2014/main" id="{F115D10F-CB87-554E-B89E-5B15B10309FA}"/>
-              </a:ext>
-            </a:extLst>
-          </p:cNvPr>
+          <p:cNvPr id="6" name="Content Placeholder 5"/>
           <p:cNvSpPr>
             <a:spLocks noGrp="1"/>
           </p:cNvSpPr>
@@ -1757,8 +1539,8 @@
         </p:nvSpPr>
         <p:spPr>
           <a:xfrm>
-            <a:off x="6172200" y="2505075"/>
-            <a:ext cx="5183188" cy="3684588"/>
+            <a:off x="6480811" y="3507105"/>
+            <a:ext cx="5442347" cy="5158423"/>
           </a:xfrm>
         </p:spPr>
         <p:txBody>
@@ -1798,19 +1580,13 @@
               <a:rPr lang="en-GB"/>
               <a:t>Fifth level</a:t>
             </a:r>
-            <a:endParaRPr lang="en-US"/>
-          </a:p>
-        </p:txBody>
-      </p:sp>
-      <p:sp>
-        <p:nvSpPr>
-          <p:cNvPr id="7" name="Date Placeholder 6">
-            <a:extLst>
-              <a:ext uri="{FF2B5EF4-FFF2-40B4-BE49-F238E27FC236}">
-                <a16:creationId xmlns:a16="http://schemas.microsoft.com/office/drawing/2014/main" id="{2DB2223C-5C0D-A643-8220-8D7EEA016E05}"/>
-              </a:ext>
-            </a:extLst>
-          </p:cNvPr>
+            <a:endParaRPr lang="en-US" dirty="0"/>
+          </a:p>
+        </p:txBody>
+      </p:sp>
+      <p:sp>
+        <p:nvSpPr>
+          <p:cNvPr id="7" name="Date Placeholder 6"/>
           <p:cNvSpPr>
             <a:spLocks noGrp="1"/>
           </p:cNvSpPr>
@@ -1833,13 +1609,7 @@
       </p:sp>
       <p:sp>
         <p:nvSpPr>
-          <p:cNvPr id="8" name="Footer Placeholder 7">
-            <a:extLst>
-              <a:ext uri="{FF2B5EF4-FFF2-40B4-BE49-F238E27FC236}">
-                <a16:creationId xmlns:a16="http://schemas.microsoft.com/office/drawing/2014/main" id="{4ACC293E-EBDF-6F4A-9671-B041BB756CC8}"/>
-              </a:ext>
-            </a:extLst>
-          </p:cNvPr>
+          <p:cNvPr id="8" name="Footer Placeholder 7"/>
           <p:cNvSpPr>
             <a:spLocks noGrp="1"/>
           </p:cNvSpPr>
@@ -1858,13 +1628,7 @@
       </p:sp>
       <p:sp>
         <p:nvSpPr>
-          <p:cNvPr id="9" name="Slide Number Placeholder 8">
-            <a:extLst>
-              <a:ext uri="{FF2B5EF4-FFF2-40B4-BE49-F238E27FC236}">
-                <a16:creationId xmlns:a16="http://schemas.microsoft.com/office/drawing/2014/main" id="{CC4D0811-1741-524A-B3DD-6F1CADCAF7A8}"/>
-              </a:ext>
-            </a:extLst>
-          </p:cNvPr>
+          <p:cNvPr id="9" name="Slide Number Placeholder 8"/>
           <p:cNvSpPr>
             <a:spLocks noGrp="1"/>
           </p:cNvSpPr>
@@ -1888,7 +1652,7 @@
     </p:spTree>
     <p:extLst>
       <p:ext uri="{BB962C8B-B14F-4D97-AF65-F5344CB8AC3E}">
-        <p14:creationId xmlns:p14="http://schemas.microsoft.com/office/powerpoint/2010/main" val="3519490846"/>
+        <p14:creationId xmlns:p14="http://schemas.microsoft.com/office/powerpoint/2010/main" val="1578603082"/>
       </p:ext>
     </p:extLst>
   </p:cSld>
@@ -1917,13 +1681,7 @@
       </p:grpSpPr>
       <p:sp>
         <p:nvSpPr>
-          <p:cNvPr id="2" name="Title 1">
-            <a:extLst>
-              <a:ext uri="{FF2B5EF4-FFF2-40B4-BE49-F238E27FC236}">
-                <a16:creationId xmlns:a16="http://schemas.microsoft.com/office/drawing/2014/main" id="{1CA224AA-A2D3-914A-A52A-FCE1F7C46BAA}"/>
-              </a:ext>
-            </a:extLst>
-          </p:cNvPr>
+          <p:cNvPr id="2" name="Title 1"/>
           <p:cNvSpPr>
             <a:spLocks noGrp="1"/>
           </p:cNvSpPr>
@@ -1940,19 +1698,13 @@
               <a:rPr lang="en-GB"/>
               <a:t>Click to edit Master title style</a:t>
             </a:r>
-            <a:endParaRPr lang="en-US"/>
-          </a:p>
-        </p:txBody>
-      </p:sp>
-      <p:sp>
-        <p:nvSpPr>
-          <p:cNvPr id="3" name="Date Placeholder 2">
-            <a:extLst>
-              <a:ext uri="{FF2B5EF4-FFF2-40B4-BE49-F238E27FC236}">
-                <a16:creationId xmlns:a16="http://schemas.microsoft.com/office/drawing/2014/main" id="{E6ADC893-5E05-554E-9D70-CA94323A7621}"/>
-              </a:ext>
-            </a:extLst>
-          </p:cNvPr>
+            <a:endParaRPr lang="en-US" dirty="0"/>
+          </a:p>
+        </p:txBody>
+      </p:sp>
+      <p:sp>
+        <p:nvSpPr>
+          <p:cNvPr id="3" name="Date Placeholder 2"/>
           <p:cNvSpPr>
             <a:spLocks noGrp="1"/>
           </p:cNvSpPr>
@@ -1975,13 +1727,7 @@
       </p:sp>
       <p:sp>
         <p:nvSpPr>
-          <p:cNvPr id="4" name="Footer Placeholder 3">
-            <a:extLst>
-              <a:ext uri="{FF2B5EF4-FFF2-40B4-BE49-F238E27FC236}">
-                <a16:creationId xmlns:a16="http://schemas.microsoft.com/office/drawing/2014/main" id="{706A682D-CC8A-D744-B083-47678042E278}"/>
-              </a:ext>
-            </a:extLst>
-          </p:cNvPr>
+          <p:cNvPr id="4" name="Footer Placeholder 3"/>
           <p:cNvSpPr>
             <a:spLocks noGrp="1"/>
           </p:cNvSpPr>
@@ -2000,13 +1746,7 @@
       </p:sp>
       <p:sp>
         <p:nvSpPr>
-          <p:cNvPr id="5" name="Slide Number Placeholder 4">
-            <a:extLst>
-              <a:ext uri="{FF2B5EF4-FFF2-40B4-BE49-F238E27FC236}">
-                <a16:creationId xmlns:a16="http://schemas.microsoft.com/office/drawing/2014/main" id="{401048A1-0EFE-254F-9492-225199813407}"/>
-              </a:ext>
-            </a:extLst>
-          </p:cNvPr>
+          <p:cNvPr id="5" name="Slide Number Placeholder 4"/>
           <p:cNvSpPr>
             <a:spLocks noGrp="1"/>
           </p:cNvSpPr>
@@ -2030,7 +1770,7 @@
     </p:spTree>
     <p:extLst>
       <p:ext uri="{BB962C8B-B14F-4D97-AF65-F5344CB8AC3E}">
-        <p14:creationId xmlns:p14="http://schemas.microsoft.com/office/powerpoint/2010/main" val="4214049584"/>
+        <p14:creationId xmlns:p14="http://schemas.microsoft.com/office/powerpoint/2010/main" val="2876054146"/>
       </p:ext>
     </p:extLst>
   </p:cSld>
@@ -2059,13 +1799,7 @@
       </p:grpSpPr>
       <p:sp>
         <p:nvSpPr>
-          <p:cNvPr id="2" name="Date Placeholder 1">
-            <a:extLst>
-              <a:ext uri="{FF2B5EF4-FFF2-40B4-BE49-F238E27FC236}">
-                <a16:creationId xmlns:a16="http://schemas.microsoft.com/office/drawing/2014/main" id="{8FA154E9-805A-914F-B42A-7A2FAB0B2406}"/>
-              </a:ext>
-            </a:extLst>
-          </p:cNvPr>
+          <p:cNvPr id="2" name="Date Placeholder 1"/>
           <p:cNvSpPr>
             <a:spLocks noGrp="1"/>
           </p:cNvSpPr>
@@ -2088,13 +1822,7 @@
       </p:sp>
       <p:sp>
         <p:nvSpPr>
-          <p:cNvPr id="3" name="Footer Placeholder 2">
-            <a:extLst>
-              <a:ext uri="{FF2B5EF4-FFF2-40B4-BE49-F238E27FC236}">
-                <a16:creationId xmlns:a16="http://schemas.microsoft.com/office/drawing/2014/main" id="{72128D7C-56D2-6C4A-A2E2-075F8D5E69BD}"/>
-              </a:ext>
-            </a:extLst>
-          </p:cNvPr>
+          <p:cNvPr id="3" name="Footer Placeholder 2"/>
           <p:cNvSpPr>
             <a:spLocks noGrp="1"/>
           </p:cNvSpPr>
@@ -2113,13 +1841,7 @@
       </p:sp>
       <p:sp>
         <p:nvSpPr>
-          <p:cNvPr id="4" name="Slide Number Placeholder 3">
-            <a:extLst>
-              <a:ext uri="{FF2B5EF4-FFF2-40B4-BE49-F238E27FC236}">
-                <a16:creationId xmlns:a16="http://schemas.microsoft.com/office/drawing/2014/main" id="{AAC02548-CFDB-0B40-980C-E6E1B3A8DCD5}"/>
-              </a:ext>
-            </a:extLst>
-          </p:cNvPr>
+          <p:cNvPr id="4" name="Slide Number Placeholder 3"/>
           <p:cNvSpPr>
             <a:spLocks noGrp="1"/>
           </p:cNvSpPr>
@@ -2143,7 +1865,7 @@
     </p:spTree>
     <p:extLst>
       <p:ext uri="{BB962C8B-B14F-4D97-AF65-F5344CB8AC3E}">
-        <p14:creationId xmlns:p14="http://schemas.microsoft.com/office/powerpoint/2010/main" val="3417023249"/>
+        <p14:creationId xmlns:p14="http://schemas.microsoft.com/office/powerpoint/2010/main" val="2179987754"/>
       </p:ext>
     </p:extLst>
   </p:cSld>
@@ -2172,13 +1894,7 @@
       </p:grpSpPr>
       <p:sp>
         <p:nvSpPr>
-          <p:cNvPr id="2" name="Title 1">
-            <a:extLst>
-              <a:ext uri="{FF2B5EF4-FFF2-40B4-BE49-F238E27FC236}">
-                <a16:creationId xmlns:a16="http://schemas.microsoft.com/office/drawing/2014/main" id="{49465BF4-97F2-664C-96E4-8AC1FE9C01F9}"/>
-              </a:ext>
-            </a:extLst>
-          </p:cNvPr>
+          <p:cNvPr id="2" name="Title 1"/>
           <p:cNvSpPr>
             <a:spLocks noGrp="1"/>
           </p:cNvSpPr>
@@ -2188,15 +1904,15 @@
         </p:nvSpPr>
         <p:spPr>
           <a:xfrm>
-            <a:off x="839788" y="457200"/>
-            <a:ext cx="3932237" cy="1600200"/>
+            <a:off x="881778" y="640080"/>
+            <a:ext cx="4128849" cy="2240280"/>
           </a:xfrm>
         </p:spPr>
         <p:txBody>
           <a:bodyPr anchor="b"/>
           <a:lstStyle>
             <a:lvl1pPr>
-              <a:defRPr sz="3200"/>
+              <a:defRPr sz="4480"/>
             </a:lvl1pPr>
           </a:lstStyle>
           <a:p>
@@ -2204,19 +1920,13 @@
               <a:rPr lang="en-GB"/>
               <a:t>Click to edit Master title style</a:t>
             </a:r>
-            <a:endParaRPr lang="en-US"/>
-          </a:p>
-        </p:txBody>
-      </p:sp>
-      <p:sp>
-        <p:nvSpPr>
-          <p:cNvPr id="3" name="Content Placeholder 2">
-            <a:extLst>
-              <a:ext uri="{FF2B5EF4-FFF2-40B4-BE49-F238E27FC236}">
-                <a16:creationId xmlns:a16="http://schemas.microsoft.com/office/drawing/2014/main" id="{CC82B7FC-6C8A-2247-B1E5-E1AFC0BFEFEB}"/>
-              </a:ext>
-            </a:extLst>
-          </p:cNvPr>
+            <a:endParaRPr lang="en-US" dirty="0"/>
+          </a:p>
+        </p:txBody>
+      </p:sp>
+      <p:sp>
+        <p:nvSpPr>
+          <p:cNvPr id="3" name="Content Placeholder 2"/>
           <p:cNvSpPr>
             <a:spLocks noGrp="1"/>
           </p:cNvSpPr>
@@ -2226,39 +1936,39 @@
         </p:nvSpPr>
         <p:spPr>
           <a:xfrm>
-            <a:off x="5183188" y="987425"/>
-            <a:ext cx="6172200" cy="4873625"/>
+            <a:off x="5442347" y="1382397"/>
+            <a:ext cx="6480810" cy="6823075"/>
           </a:xfrm>
         </p:spPr>
         <p:txBody>
           <a:bodyPr/>
           <a:lstStyle>
             <a:lvl1pPr>
-              <a:defRPr sz="3200"/>
+              <a:defRPr sz="4480"/>
             </a:lvl1pPr>
             <a:lvl2pPr>
-              <a:defRPr sz="2800"/>
+              <a:defRPr sz="3920"/>
             </a:lvl2pPr>
             <a:lvl3pPr>
-              <a:defRPr sz="2400"/>
+              <a:defRPr sz="3360"/>
             </a:lvl3pPr>
             <a:lvl4pPr>
-              <a:defRPr sz="2000"/>
+              <a:defRPr sz="2800"/>
             </a:lvl4pPr>
             <a:lvl5pPr>
-              <a:defRPr sz="2000"/>
+              <a:defRPr sz="2800"/>
             </a:lvl5pPr>
             <a:lvl6pPr>
-              <a:defRPr sz="2000"/>
+              <a:defRPr sz="2800"/>
             </a:lvl6pPr>
             <a:lvl7pPr>
-              <a:defRPr sz="2000"/>
+              <a:defRPr sz="2800"/>
             </a:lvl7pPr>
             <a:lvl8pPr>
-              <a:defRPr sz="2000"/>
+              <a:defRPr sz="2800"/>
             </a:lvl8pPr>
             <a:lvl9pPr>
-              <a:defRPr sz="2000"/>
+              <a:defRPr sz="2800"/>
             </a:lvl9pPr>
           </a:lstStyle>
           <a:p>
@@ -2295,19 +2005,13 @@
               <a:rPr lang="en-GB"/>
               <a:t>Fifth level</a:t>
             </a:r>
-            <a:endParaRPr lang="en-US"/>
-          </a:p>
-        </p:txBody>
-      </p:sp>
-      <p:sp>
-        <p:nvSpPr>
-          <p:cNvPr id="4" name="Text Placeholder 3">
-            <a:extLst>
-              <a:ext uri="{FF2B5EF4-FFF2-40B4-BE49-F238E27FC236}">
-                <a16:creationId xmlns:a16="http://schemas.microsoft.com/office/drawing/2014/main" id="{1F702EB4-B951-1D49-9B45-A28D8EBC9929}"/>
-              </a:ext>
-            </a:extLst>
-          </p:cNvPr>
+            <a:endParaRPr lang="en-US" dirty="0"/>
+          </a:p>
+        </p:txBody>
+      </p:sp>
+      <p:sp>
+        <p:nvSpPr>
+          <p:cNvPr id="4" name="Text Placeholder 3"/>
           <p:cNvSpPr>
             <a:spLocks noGrp="1"/>
           </p:cNvSpPr>
@@ -2317,8 +2021,8 @@
         </p:nvSpPr>
         <p:spPr>
           <a:xfrm>
-            <a:off x="839788" y="2057400"/>
-            <a:ext cx="3932237" cy="3811588"/>
+            <a:off x="881778" y="2880360"/>
+            <a:ext cx="4128849" cy="5336223"/>
           </a:xfrm>
         </p:spPr>
         <p:txBody>
@@ -2326,39 +2030,39 @@
           <a:lstStyle>
             <a:lvl1pPr marL="0" indent="0">
               <a:buNone/>
-              <a:defRPr sz="1600"/>
+              <a:defRPr sz="2240"/>
             </a:lvl1pPr>
-            <a:lvl2pPr marL="457200" indent="0">
+            <a:lvl2pPr marL="640080" indent="0">
+              <a:buNone/>
+              <a:defRPr sz="1960"/>
+            </a:lvl2pPr>
+            <a:lvl3pPr marL="1280160" indent="0">
+              <a:buNone/>
+              <a:defRPr sz="1680"/>
+            </a:lvl3pPr>
+            <a:lvl4pPr marL="1920240" indent="0">
               <a:buNone/>
               <a:defRPr sz="1400"/>
-            </a:lvl2pPr>
-            <a:lvl3pPr marL="914400" indent="0">
-              <a:buNone/>
-              <a:defRPr sz="1200"/>
-            </a:lvl3pPr>
-            <a:lvl4pPr marL="1371600" indent="0">
-              <a:buNone/>
-              <a:defRPr sz="1000"/>
             </a:lvl4pPr>
-            <a:lvl5pPr marL="1828800" indent="0">
-              <a:buNone/>
-              <a:defRPr sz="1000"/>
+            <a:lvl5pPr marL="2560320" indent="0">
+              <a:buNone/>
+              <a:defRPr sz="1400"/>
             </a:lvl5pPr>
-            <a:lvl6pPr marL="2286000" indent="0">
-              <a:buNone/>
-              <a:defRPr sz="1000"/>
+            <a:lvl6pPr marL="3200400" indent="0">
+              <a:buNone/>
+              <a:defRPr sz="1400"/>
             </a:lvl6pPr>
-            <a:lvl7pPr marL="2743200" indent="0">
-              <a:buNone/>
-              <a:defRPr sz="1000"/>
+            <a:lvl7pPr marL="3840480" indent="0">
+              <a:buNone/>
+              <a:defRPr sz="1400"/>
             </a:lvl7pPr>
-            <a:lvl8pPr marL="3200400" indent="0">
-              <a:buNone/>
-              <a:defRPr sz="1000"/>
+            <a:lvl8pPr marL="4480560" indent="0">
+              <a:buNone/>
+              <a:defRPr sz="1400"/>
             </a:lvl8pPr>
-            <a:lvl9pPr marL="3657600" indent="0">
-              <a:buNone/>
-              <a:defRPr sz="1000"/>
+            <a:lvl9pPr marL="5120640" indent="0">
+              <a:buNone/>
+              <a:defRPr sz="1400"/>
             </a:lvl9pPr>
           </a:lstStyle>
           <a:p>
@@ -2372,13 +2076,7 @@
       </p:sp>
       <p:sp>
         <p:nvSpPr>
-          <p:cNvPr id="5" name="Date Placeholder 4">
-            <a:extLst>
-              <a:ext uri="{FF2B5EF4-FFF2-40B4-BE49-F238E27FC236}">
-                <a16:creationId xmlns:a16="http://schemas.microsoft.com/office/drawing/2014/main" id="{B9AC6BA4-D4FA-FC4F-B906-1C2A9FD00B37}"/>
-              </a:ext>
-            </a:extLst>
-          </p:cNvPr>
+          <p:cNvPr id="5" name="Date Placeholder 4"/>
           <p:cNvSpPr>
             <a:spLocks noGrp="1"/>
           </p:cNvSpPr>
@@ -2401,13 +2099,7 @@
       </p:sp>
       <p:sp>
         <p:nvSpPr>
-          <p:cNvPr id="6" name="Footer Placeholder 5">
-            <a:extLst>
-              <a:ext uri="{FF2B5EF4-FFF2-40B4-BE49-F238E27FC236}">
-                <a16:creationId xmlns:a16="http://schemas.microsoft.com/office/drawing/2014/main" id="{1B31E503-6566-1D47-9184-201FE4DE2E30}"/>
-              </a:ext>
-            </a:extLst>
-          </p:cNvPr>
+          <p:cNvPr id="6" name="Footer Placeholder 5"/>
           <p:cNvSpPr>
             <a:spLocks noGrp="1"/>
           </p:cNvSpPr>
@@ -2426,13 +2118,7 @@
       </p:sp>
       <p:sp>
         <p:nvSpPr>
-          <p:cNvPr id="7" name="Slide Number Placeholder 6">
-            <a:extLst>
-              <a:ext uri="{FF2B5EF4-FFF2-40B4-BE49-F238E27FC236}">
-                <a16:creationId xmlns:a16="http://schemas.microsoft.com/office/drawing/2014/main" id="{5BE27068-2DA7-644B-AA15-81875C72F344}"/>
-              </a:ext>
-            </a:extLst>
-          </p:cNvPr>
+          <p:cNvPr id="7" name="Slide Number Placeholder 6"/>
           <p:cNvSpPr>
             <a:spLocks noGrp="1"/>
           </p:cNvSpPr>
@@ -2456,7 +2142,7 @@
     </p:spTree>
     <p:extLst>
       <p:ext uri="{BB962C8B-B14F-4D97-AF65-F5344CB8AC3E}">
-        <p14:creationId xmlns:p14="http://schemas.microsoft.com/office/powerpoint/2010/main" val="2449839836"/>
+        <p14:creationId xmlns:p14="http://schemas.microsoft.com/office/powerpoint/2010/main" val="3119238968"/>
       </p:ext>
     </p:extLst>
   </p:cSld>
@@ -2485,13 +2171,7 @@
       </p:grpSpPr>
       <p:sp>
         <p:nvSpPr>
-          <p:cNvPr id="2" name="Title 1">
-            <a:extLst>
-              <a:ext uri="{FF2B5EF4-FFF2-40B4-BE49-F238E27FC236}">
-                <a16:creationId xmlns:a16="http://schemas.microsoft.com/office/drawing/2014/main" id="{EDCCD507-D7BE-F84E-A764-19D004021A3A}"/>
-              </a:ext>
-            </a:extLst>
-          </p:cNvPr>
+          <p:cNvPr id="2" name="Title 1"/>
           <p:cNvSpPr>
             <a:spLocks noGrp="1"/>
           </p:cNvSpPr>
@@ -2501,15 +2181,15 @@
         </p:nvSpPr>
         <p:spPr>
           <a:xfrm>
-            <a:off x="839788" y="457200"/>
-            <a:ext cx="3932237" cy="1600200"/>
+            <a:off x="881778" y="640080"/>
+            <a:ext cx="4128849" cy="2240280"/>
           </a:xfrm>
         </p:spPr>
         <p:txBody>
           <a:bodyPr anchor="b"/>
           <a:lstStyle>
             <a:lvl1pPr>
-              <a:defRPr sz="3200"/>
+              <a:defRPr sz="4480"/>
             </a:lvl1pPr>
           </a:lstStyle>
           <a:p>
@@ -2517,21 +2197,15 @@
               <a:rPr lang="en-GB"/>
               <a:t>Click to edit Master title style</a:t>
             </a:r>
-            <a:endParaRPr lang="en-US"/>
-          </a:p>
-        </p:txBody>
-      </p:sp>
-      <p:sp>
-        <p:nvSpPr>
-          <p:cNvPr id="3" name="Picture Placeholder 2">
-            <a:extLst>
-              <a:ext uri="{FF2B5EF4-FFF2-40B4-BE49-F238E27FC236}">
-                <a16:creationId xmlns:a16="http://schemas.microsoft.com/office/drawing/2014/main" id="{CCBBE3E9-7D7D-BD4E-B051-CECDC6A3BACE}"/>
-              </a:ext>
-            </a:extLst>
-          </p:cNvPr>
-          <p:cNvSpPr>
-            <a:spLocks noGrp="1"/>
+            <a:endParaRPr lang="en-US" dirty="0"/>
+          </a:p>
+        </p:txBody>
+      </p:sp>
+      <p:sp>
+        <p:nvSpPr>
+          <p:cNvPr id="3" name="Picture Placeholder 2"/>
+          <p:cNvSpPr>
+            <a:spLocks noGrp="1" noChangeAspect="1"/>
           </p:cNvSpPr>
           <p:nvPr>
             <p:ph type="pic" idx="1"/>
@@ -2539,8 +2213,73 @@
         </p:nvSpPr>
         <p:spPr>
           <a:xfrm>
-            <a:off x="5183188" y="987425"/>
-            <a:ext cx="6172200" cy="4873625"/>
+            <a:off x="5442347" y="1382397"/>
+            <a:ext cx="6480810" cy="6823075"/>
+          </a:xfrm>
+        </p:spPr>
+        <p:txBody>
+          <a:bodyPr anchor="t"/>
+          <a:lstStyle>
+            <a:lvl1pPr marL="0" indent="0">
+              <a:buNone/>
+              <a:defRPr sz="4480"/>
+            </a:lvl1pPr>
+            <a:lvl2pPr marL="640080" indent="0">
+              <a:buNone/>
+              <a:defRPr sz="3920"/>
+            </a:lvl2pPr>
+            <a:lvl3pPr marL="1280160" indent="0">
+              <a:buNone/>
+              <a:defRPr sz="3360"/>
+            </a:lvl3pPr>
+            <a:lvl4pPr marL="1920240" indent="0">
+              <a:buNone/>
+              <a:defRPr sz="2800"/>
+            </a:lvl4pPr>
+            <a:lvl5pPr marL="2560320" indent="0">
+              <a:buNone/>
+              <a:defRPr sz="2800"/>
+            </a:lvl5pPr>
+            <a:lvl6pPr marL="3200400" indent="0">
+              <a:buNone/>
+              <a:defRPr sz="2800"/>
+            </a:lvl6pPr>
+            <a:lvl7pPr marL="3840480" indent="0">
+              <a:buNone/>
+              <a:defRPr sz="2800"/>
+            </a:lvl7pPr>
+            <a:lvl8pPr marL="4480560" indent="0">
+              <a:buNone/>
+              <a:defRPr sz="2800"/>
+            </a:lvl8pPr>
+            <a:lvl9pPr marL="5120640" indent="0">
+              <a:buNone/>
+              <a:defRPr sz="2800"/>
+            </a:lvl9pPr>
+          </a:lstStyle>
+          <a:p>
+            <a:r>
+              <a:rPr lang="en-GB"/>
+              <a:t>Click icon to add picture</a:t>
+            </a:r>
+            <a:endParaRPr lang="en-US" dirty="0"/>
+          </a:p>
+        </p:txBody>
+      </p:sp>
+      <p:sp>
+        <p:nvSpPr>
+          <p:cNvPr id="4" name="Text Placeholder 3"/>
+          <p:cNvSpPr>
+            <a:spLocks noGrp="1"/>
+          </p:cNvSpPr>
+          <p:nvPr>
+            <p:ph type="body" sz="half" idx="2"/>
+          </p:nvPr>
+        </p:nvSpPr>
+        <p:spPr>
+          <a:xfrm>
+            <a:off x="881778" y="2880360"/>
+            <a:ext cx="4128849" cy="5336223"/>
           </a:xfrm>
         </p:spPr>
         <p:txBody>
@@ -2548,109 +2287,42 @@
           <a:lstStyle>
             <a:lvl1pPr marL="0" indent="0">
               <a:buNone/>
-              <a:defRPr sz="3200"/>
+              <a:defRPr sz="2240"/>
             </a:lvl1pPr>
-            <a:lvl2pPr marL="457200" indent="0">
-              <a:buNone/>
-              <a:defRPr sz="2800"/>
+            <a:lvl2pPr marL="640080" indent="0">
+              <a:buNone/>
+              <a:defRPr sz="1960"/>
             </a:lvl2pPr>
-            <a:lvl3pPr marL="914400" indent="0">
-              <a:buNone/>
-              <a:defRPr sz="2400"/>
+            <a:lvl3pPr marL="1280160" indent="0">
+              <a:buNone/>
+              <a:defRPr sz="1680"/>
             </a:lvl3pPr>
-            <a:lvl4pPr marL="1371600" indent="0">
-              <a:buNone/>
-              <a:defRPr sz="2000"/>
+            <a:lvl4pPr marL="1920240" indent="0">
+              <a:buNone/>
+              <a:defRPr sz="1400"/>
             </a:lvl4pPr>
-            <a:lvl5pPr marL="1828800" indent="0">
-              <a:buNone/>
-              <a:defRPr sz="2000"/>
+            <a:lvl5pPr marL="2560320" indent="0">
+              <a:buNone/>
+              <a:defRPr sz="1400"/>
             </a:lvl5pPr>
-            <a:lvl6pPr marL="2286000" indent="0">
-              <a:buNone/>
-              <a:defRPr sz="2000"/>
+            <a:lvl6pPr marL="3200400" indent="0">
+              <a:buNone/>
+              <a:defRPr sz="1400"/>
             </a:lvl6pPr>
-            <a:lvl7pPr marL="2743200" indent="0">
-              <a:buNone/>
-              <a:defRPr sz="2000"/>
+            <a:lvl7pPr marL="3840480" indent="0">
+              <a:buNone/>
+              <a:defRPr sz="1400"/>
             </a:lvl7pPr>
-            <a:lvl8pPr marL="3200400" indent="0">
-              <a:buNone/>
-              <a:defRPr sz="2000"/>
+            <a:lvl8pPr marL="4480560" indent="0">
+              <a:buNone/>
+              <a:defRPr sz="1400"/>
             </a:lvl8pPr>
-            <a:lvl9pPr marL="3657600" indent="0">
-              <a:buNone/>
-              <a:defRPr sz="2000"/>
+            <a:lvl9pPr marL="5120640" indent="0">
+              <a:buNone/>
+              <a:defRPr sz="1400"/>
             </a:lvl9pPr>
           </a:lstStyle>
           <a:p>
-            <a:endParaRPr lang="en-US"/>
-          </a:p>
-        </p:txBody>
-      </p:sp>
-      <p:sp>
-        <p:nvSpPr>
-          <p:cNvPr id="4" name="Text Placeholder 3">
-            <a:extLst>
-              <a:ext uri="{FF2B5EF4-FFF2-40B4-BE49-F238E27FC236}">
-                <a16:creationId xmlns:a16="http://schemas.microsoft.com/office/drawing/2014/main" id="{6B5CDB92-4F75-D349-A537-ABBEFC8BC8DD}"/>
-              </a:ext>
-            </a:extLst>
-          </p:cNvPr>
-          <p:cNvSpPr>
-            <a:spLocks noGrp="1"/>
-          </p:cNvSpPr>
-          <p:nvPr>
-            <p:ph type="body" sz="half" idx="2"/>
-          </p:nvPr>
-        </p:nvSpPr>
-        <p:spPr>
-          <a:xfrm>
-            <a:off x="839788" y="2057400"/>
-            <a:ext cx="3932237" cy="3811588"/>
-          </a:xfrm>
-        </p:spPr>
-        <p:txBody>
-          <a:bodyPr/>
-          <a:lstStyle>
-            <a:lvl1pPr marL="0" indent="0">
-              <a:buNone/>
-              <a:defRPr sz="1600"/>
-            </a:lvl1pPr>
-            <a:lvl2pPr marL="457200" indent="0">
-              <a:buNone/>
-              <a:defRPr sz="1400"/>
-            </a:lvl2pPr>
-            <a:lvl3pPr marL="914400" indent="0">
-              <a:buNone/>
-              <a:defRPr sz="1200"/>
-            </a:lvl3pPr>
-            <a:lvl4pPr marL="1371600" indent="0">
-              <a:buNone/>
-              <a:defRPr sz="1000"/>
-            </a:lvl4pPr>
-            <a:lvl5pPr marL="1828800" indent="0">
-              <a:buNone/>
-              <a:defRPr sz="1000"/>
-            </a:lvl5pPr>
-            <a:lvl6pPr marL="2286000" indent="0">
-              <a:buNone/>
-              <a:defRPr sz="1000"/>
-            </a:lvl6pPr>
-            <a:lvl7pPr marL="2743200" indent="0">
-              <a:buNone/>
-              <a:defRPr sz="1000"/>
-            </a:lvl7pPr>
-            <a:lvl8pPr marL="3200400" indent="0">
-              <a:buNone/>
-              <a:defRPr sz="1000"/>
-            </a:lvl8pPr>
-            <a:lvl9pPr marL="3657600" indent="0">
-              <a:buNone/>
-              <a:defRPr sz="1000"/>
-            </a:lvl9pPr>
-          </a:lstStyle>
-          <a:p>
             <a:pPr lvl="0"/>
             <a:r>
               <a:rPr lang="en-GB"/>
@@ -2661,13 +2333,7 @@
       </p:sp>
       <p:sp>
         <p:nvSpPr>
-          <p:cNvPr id="5" name="Date Placeholder 4">
-            <a:extLst>
-              <a:ext uri="{FF2B5EF4-FFF2-40B4-BE49-F238E27FC236}">
-                <a16:creationId xmlns:a16="http://schemas.microsoft.com/office/drawing/2014/main" id="{BA788195-816E-C344-82FE-E03BDDBE33EA}"/>
-              </a:ext>
-            </a:extLst>
-          </p:cNvPr>
+          <p:cNvPr id="5" name="Date Placeholder 4"/>
           <p:cNvSpPr>
             <a:spLocks noGrp="1"/>
           </p:cNvSpPr>
@@ -2690,13 +2356,7 @@
       </p:sp>
       <p:sp>
         <p:nvSpPr>
-          <p:cNvPr id="6" name="Footer Placeholder 5">
-            <a:extLst>
-              <a:ext uri="{FF2B5EF4-FFF2-40B4-BE49-F238E27FC236}">
-                <a16:creationId xmlns:a16="http://schemas.microsoft.com/office/drawing/2014/main" id="{AA48991A-01EA-8F49-BA55-E261F0DED6B0}"/>
-              </a:ext>
-            </a:extLst>
-          </p:cNvPr>
+          <p:cNvPr id="6" name="Footer Placeholder 5"/>
           <p:cNvSpPr>
             <a:spLocks noGrp="1"/>
           </p:cNvSpPr>
@@ -2715,13 +2375,7 @@
       </p:sp>
       <p:sp>
         <p:nvSpPr>
-          <p:cNvPr id="7" name="Slide Number Placeholder 6">
-            <a:extLst>
-              <a:ext uri="{FF2B5EF4-FFF2-40B4-BE49-F238E27FC236}">
-                <a16:creationId xmlns:a16="http://schemas.microsoft.com/office/drawing/2014/main" id="{DF705764-3A60-CE43-BCD3-5563A5597EAD}"/>
-              </a:ext>
-            </a:extLst>
-          </p:cNvPr>
+          <p:cNvPr id="7" name="Slide Number Placeholder 6"/>
           <p:cNvSpPr>
             <a:spLocks noGrp="1"/>
           </p:cNvSpPr>
@@ -2745,7 +2399,7 @@
     </p:spTree>
     <p:extLst>
       <p:ext uri="{BB962C8B-B14F-4D97-AF65-F5344CB8AC3E}">
-        <p14:creationId xmlns:p14="http://schemas.microsoft.com/office/powerpoint/2010/main" val="630958317"/>
+        <p14:creationId xmlns:p14="http://schemas.microsoft.com/office/powerpoint/2010/main" val="3759556918"/>
       </p:ext>
     </p:extLst>
   </p:cSld>
@@ -2779,13 +2433,7 @@
       </p:grpSpPr>
       <p:sp>
         <p:nvSpPr>
-          <p:cNvPr id="2" name="Title Placeholder 1">
-            <a:extLst>
-              <a:ext uri="{FF2B5EF4-FFF2-40B4-BE49-F238E27FC236}">
-                <a16:creationId xmlns:a16="http://schemas.microsoft.com/office/drawing/2014/main" id="{2B1E5748-19FD-2548-A855-2CCBC772E1FB}"/>
-              </a:ext>
-            </a:extLst>
-          </p:cNvPr>
+          <p:cNvPr id="2" name="Title Placeholder 1"/>
           <p:cNvSpPr>
             <a:spLocks noGrp="1"/>
           </p:cNvSpPr>
@@ -2795,8 +2443,8 @@
         </p:nvSpPr>
         <p:spPr>
           <a:xfrm>
-            <a:off x="838200" y="365125"/>
-            <a:ext cx="10515600" cy="1325563"/>
+            <a:off x="880110" y="511177"/>
+            <a:ext cx="11041380" cy="1855788"/>
           </a:xfrm>
           <a:prstGeom prst="rect">
             <a:avLst/>
@@ -2812,19 +2460,13 @@
               <a:rPr lang="en-GB"/>
               <a:t>Click to edit Master title style</a:t>
             </a:r>
-            <a:endParaRPr lang="en-US"/>
-          </a:p>
-        </p:txBody>
-      </p:sp>
-      <p:sp>
-        <p:nvSpPr>
-          <p:cNvPr id="3" name="Text Placeholder 2">
-            <a:extLst>
-              <a:ext uri="{FF2B5EF4-FFF2-40B4-BE49-F238E27FC236}">
-                <a16:creationId xmlns:a16="http://schemas.microsoft.com/office/drawing/2014/main" id="{36020B52-35BF-EE4C-B2BB-DC502BA7668B}"/>
-              </a:ext>
-            </a:extLst>
-          </p:cNvPr>
+            <a:endParaRPr lang="en-US" dirty="0"/>
+          </a:p>
+        </p:txBody>
+      </p:sp>
+      <p:sp>
+        <p:nvSpPr>
+          <p:cNvPr id="3" name="Text Placeholder 2"/>
           <p:cNvSpPr>
             <a:spLocks noGrp="1"/>
           </p:cNvSpPr>
@@ -2834,8 +2476,8 @@
         </p:nvSpPr>
         <p:spPr>
           <a:xfrm>
-            <a:off x="838200" y="1825625"/>
-            <a:ext cx="10515600" cy="4351338"/>
+            <a:off x="880110" y="2555875"/>
+            <a:ext cx="11041380" cy="6091873"/>
           </a:xfrm>
           <a:prstGeom prst="rect">
             <a:avLst/>
@@ -2880,19 +2522,13 @@
               <a:rPr lang="en-GB"/>
               <a:t>Fifth level</a:t>
             </a:r>
-            <a:endParaRPr lang="en-US"/>
-          </a:p>
-        </p:txBody>
-      </p:sp>
-      <p:sp>
-        <p:nvSpPr>
-          <p:cNvPr id="4" name="Date Placeholder 3">
-            <a:extLst>
-              <a:ext uri="{FF2B5EF4-FFF2-40B4-BE49-F238E27FC236}">
-                <a16:creationId xmlns:a16="http://schemas.microsoft.com/office/drawing/2014/main" id="{E6DA2384-1DF3-6040-9712-C0630F2C20AD}"/>
-              </a:ext>
-            </a:extLst>
-          </p:cNvPr>
+            <a:endParaRPr lang="en-US" dirty="0"/>
+          </a:p>
+        </p:txBody>
+      </p:sp>
+      <p:sp>
+        <p:nvSpPr>
+          <p:cNvPr id="4" name="Date Placeholder 3"/>
           <p:cNvSpPr>
             <a:spLocks noGrp="1"/>
           </p:cNvSpPr>
@@ -2902,8 +2538,8 @@
         </p:nvSpPr>
         <p:spPr>
           <a:xfrm>
-            <a:off x="838200" y="6356350"/>
-            <a:ext cx="2743200" cy="365125"/>
+            <a:off x="880110" y="8898892"/>
+            <a:ext cx="2880360" cy="511175"/>
           </a:xfrm>
           <a:prstGeom prst="rect">
             <a:avLst/>
@@ -2913,7 +2549,7 @@
           <a:bodyPr vert="horz" lIns="91440" tIns="45720" rIns="91440" bIns="45720" rtlCol="0" anchor="ctr"/>
           <a:lstStyle>
             <a:lvl1pPr algn="l">
-              <a:defRPr sz="1200">
+              <a:defRPr sz="1680">
                 <a:solidFill>
                   <a:schemeClr val="tx1">
                     <a:tint val="75000"/>
@@ -2933,13 +2569,7 @@
       </p:sp>
       <p:sp>
         <p:nvSpPr>
-          <p:cNvPr id="5" name="Footer Placeholder 4">
-            <a:extLst>
-              <a:ext uri="{FF2B5EF4-FFF2-40B4-BE49-F238E27FC236}">
-                <a16:creationId xmlns:a16="http://schemas.microsoft.com/office/drawing/2014/main" id="{CAF00C54-CB0F-264D-90F1-4F5EAAFCF9AF}"/>
-              </a:ext>
-            </a:extLst>
-          </p:cNvPr>
+          <p:cNvPr id="5" name="Footer Placeholder 4"/>
           <p:cNvSpPr>
             <a:spLocks noGrp="1"/>
           </p:cNvSpPr>
@@ -2949,8 +2579,8 @@
         </p:nvSpPr>
         <p:spPr>
           <a:xfrm>
-            <a:off x="4038600" y="6356350"/>
-            <a:ext cx="4114800" cy="365125"/>
+            <a:off x="4240530" y="8898892"/>
+            <a:ext cx="4320540" cy="511175"/>
           </a:xfrm>
           <a:prstGeom prst="rect">
             <a:avLst/>
@@ -2960,7 +2590,7 @@
           <a:bodyPr vert="horz" lIns="91440" tIns="45720" rIns="91440" bIns="45720" rtlCol="0" anchor="ctr"/>
           <a:lstStyle>
             <a:lvl1pPr algn="ctr">
-              <a:defRPr sz="1200">
+              <a:defRPr sz="1680">
                 <a:solidFill>
                   <a:schemeClr val="tx1">
                     <a:tint val="75000"/>
@@ -2976,13 +2606,7 @@
       </p:sp>
       <p:sp>
         <p:nvSpPr>
-          <p:cNvPr id="6" name="Slide Number Placeholder 5">
-            <a:extLst>
-              <a:ext uri="{FF2B5EF4-FFF2-40B4-BE49-F238E27FC236}">
-                <a16:creationId xmlns:a16="http://schemas.microsoft.com/office/drawing/2014/main" id="{D602EE48-1C6B-DF40-B6F0-395A2EEBA8EA}"/>
-              </a:ext>
-            </a:extLst>
-          </p:cNvPr>
+          <p:cNvPr id="6" name="Slide Number Placeholder 5"/>
           <p:cNvSpPr>
             <a:spLocks noGrp="1"/>
           </p:cNvSpPr>
@@ -2992,8 +2616,8 @@
         </p:nvSpPr>
         <p:spPr>
           <a:xfrm>
-            <a:off x="8610600" y="6356350"/>
-            <a:ext cx="2743200" cy="365125"/>
+            <a:off x="9041130" y="8898892"/>
+            <a:ext cx="2880360" cy="511175"/>
           </a:xfrm>
           <a:prstGeom prst="rect">
             <a:avLst/>
@@ -3003,7 +2627,7 @@
           <a:bodyPr vert="horz" lIns="91440" tIns="45720" rIns="91440" bIns="45720" rtlCol="0" anchor="ctr"/>
           <a:lstStyle>
             <a:lvl1pPr algn="r">
-              <a:defRPr sz="1200">
+              <a:defRPr sz="1680">
                 <a:solidFill>
                   <a:schemeClr val="tx1">
                     <a:tint val="75000"/>
@@ -3024,27 +2648,27 @@
     </p:spTree>
     <p:extLst>
       <p:ext uri="{BB962C8B-B14F-4D97-AF65-F5344CB8AC3E}">
-        <p14:creationId xmlns:p14="http://schemas.microsoft.com/office/powerpoint/2010/main" val="2148618205"/>
+        <p14:creationId xmlns:p14="http://schemas.microsoft.com/office/powerpoint/2010/main" val="1961414955"/>
       </p:ext>
     </p:extLst>
   </p:cSld>
   <p:clrMap bg1="lt1" tx1="dk1" bg2="lt2" tx2="dk2" accent1="accent1" accent2="accent2" accent3="accent3" accent4="accent4" accent5="accent5" accent6="accent6" hlink="hlink" folHlink="folHlink"/>
   <p:sldLayoutIdLst>
-    <p:sldLayoutId id="2147483649" r:id="rId1"/>
-    <p:sldLayoutId id="2147483650" r:id="rId2"/>
-    <p:sldLayoutId id="2147483651" r:id="rId3"/>
-    <p:sldLayoutId id="2147483652" r:id="rId4"/>
-    <p:sldLayoutId id="2147483653" r:id="rId5"/>
-    <p:sldLayoutId id="2147483654" r:id="rId6"/>
-    <p:sldLayoutId id="2147483655" r:id="rId7"/>
-    <p:sldLayoutId id="2147483656" r:id="rId8"/>
-    <p:sldLayoutId id="2147483657" r:id="rId9"/>
-    <p:sldLayoutId id="2147483658" r:id="rId10"/>
-    <p:sldLayoutId id="2147483659" r:id="rId11"/>
+    <p:sldLayoutId id="2147483661" r:id="rId1"/>
+    <p:sldLayoutId id="2147483662" r:id="rId2"/>
+    <p:sldLayoutId id="2147483663" r:id="rId3"/>
+    <p:sldLayoutId id="2147483664" r:id="rId4"/>
+    <p:sldLayoutId id="2147483665" r:id="rId5"/>
+    <p:sldLayoutId id="2147483666" r:id="rId6"/>
+    <p:sldLayoutId id="2147483667" r:id="rId7"/>
+    <p:sldLayoutId id="2147483668" r:id="rId8"/>
+    <p:sldLayoutId id="2147483669" r:id="rId9"/>
+    <p:sldLayoutId id="2147483670" r:id="rId10"/>
+    <p:sldLayoutId id="2147483671" r:id="rId11"/>
   </p:sldLayoutIdLst>
   <p:txStyles>
     <p:titleStyle>
-      <a:lvl1pPr algn="l" defTabSz="914400" rtl="0" eaLnBrk="1" latinLnBrk="0" hangingPunct="1">
+      <a:lvl1pPr algn="l" defTabSz="1280160" rtl="0" eaLnBrk="1" latinLnBrk="0" hangingPunct="1">
         <a:lnSpc>
           <a:spcPct val="90000"/>
         </a:lnSpc>
@@ -3052,7 +2676,7 @@
           <a:spcPct val="0"/>
         </a:spcBef>
         <a:buNone/>
-        <a:defRPr sz="4400" kern="1200">
+        <a:defRPr sz="6160" kern="1200">
           <a:solidFill>
             <a:schemeClr val="tx1"/>
           </a:solidFill>
@@ -3063,12 +2687,48 @@
       </a:lvl1pPr>
     </p:titleStyle>
     <p:bodyStyle>
-      <a:lvl1pPr marL="228600" indent="-228600" algn="l" defTabSz="914400" rtl="0" eaLnBrk="1" latinLnBrk="0" hangingPunct="1">
+      <a:lvl1pPr marL="320040" indent="-320040" algn="l" defTabSz="1280160" rtl="0" eaLnBrk="1" latinLnBrk="0" hangingPunct="1">
         <a:lnSpc>
           <a:spcPct val="90000"/>
         </a:lnSpc>
         <a:spcBef>
-          <a:spcPts val="1000"/>
+          <a:spcPts val="1400"/>
+        </a:spcBef>
+        <a:buFont typeface="Arial" panose="020B0604020202020204" pitchFamily="34" charset="0"/>
+        <a:buChar char="•"/>
+        <a:defRPr sz="3920" kern="1200">
+          <a:solidFill>
+            <a:schemeClr val="tx1"/>
+          </a:solidFill>
+          <a:latin typeface="+mn-lt"/>
+          <a:ea typeface="+mn-ea"/>
+          <a:cs typeface="+mn-cs"/>
+        </a:defRPr>
+      </a:lvl1pPr>
+      <a:lvl2pPr marL="960120" indent="-320040" algn="l" defTabSz="1280160" rtl="0" eaLnBrk="1" latinLnBrk="0" hangingPunct="1">
+        <a:lnSpc>
+          <a:spcPct val="90000"/>
+        </a:lnSpc>
+        <a:spcBef>
+          <a:spcPts val="700"/>
+        </a:spcBef>
+        <a:buFont typeface="Arial" panose="020B0604020202020204" pitchFamily="34" charset="0"/>
+        <a:buChar char="•"/>
+        <a:defRPr sz="3360" kern="1200">
+          <a:solidFill>
+            <a:schemeClr val="tx1"/>
+          </a:solidFill>
+          <a:latin typeface="+mn-lt"/>
+          <a:ea typeface="+mn-ea"/>
+          <a:cs typeface="+mn-cs"/>
+        </a:defRPr>
+      </a:lvl2pPr>
+      <a:lvl3pPr marL="1600200" indent="-320040" algn="l" defTabSz="1280160" rtl="0" eaLnBrk="1" latinLnBrk="0" hangingPunct="1">
+        <a:lnSpc>
+          <a:spcPct val="90000"/>
+        </a:lnSpc>
+        <a:spcBef>
+          <a:spcPts val="700"/>
         </a:spcBef>
         <a:buFont typeface="Arial" panose="020B0604020202020204" pitchFamily="34" charset="0"/>
         <a:buChar char="•"/>
@@ -3080,53 +2740,17 @@
           <a:ea typeface="+mn-ea"/>
           <a:cs typeface="+mn-cs"/>
         </a:defRPr>
-      </a:lvl1pPr>
-      <a:lvl2pPr marL="685800" indent="-228600" algn="l" defTabSz="914400" rtl="0" eaLnBrk="1" latinLnBrk="0" hangingPunct="1">
+      </a:lvl3pPr>
+      <a:lvl4pPr marL="2240280" indent="-320040" algn="l" defTabSz="1280160" rtl="0" eaLnBrk="1" latinLnBrk="0" hangingPunct="1">
         <a:lnSpc>
           <a:spcPct val="90000"/>
         </a:lnSpc>
         <a:spcBef>
-          <a:spcPts val="500"/>
+          <a:spcPts val="700"/>
         </a:spcBef>
         <a:buFont typeface="Arial" panose="020B0604020202020204" pitchFamily="34" charset="0"/>
         <a:buChar char="•"/>
-        <a:defRPr sz="2400" kern="1200">
-          <a:solidFill>
-            <a:schemeClr val="tx1"/>
-          </a:solidFill>
-          <a:latin typeface="+mn-lt"/>
-          <a:ea typeface="+mn-ea"/>
-          <a:cs typeface="+mn-cs"/>
-        </a:defRPr>
-      </a:lvl2pPr>
-      <a:lvl3pPr marL="1143000" indent="-228600" algn="l" defTabSz="914400" rtl="0" eaLnBrk="1" latinLnBrk="0" hangingPunct="1">
-        <a:lnSpc>
-          <a:spcPct val="90000"/>
-        </a:lnSpc>
-        <a:spcBef>
-          <a:spcPts val="500"/>
-        </a:spcBef>
-        <a:buFont typeface="Arial" panose="020B0604020202020204" pitchFamily="34" charset="0"/>
-        <a:buChar char="•"/>
-        <a:defRPr sz="2000" kern="1200">
-          <a:solidFill>
-            <a:schemeClr val="tx1"/>
-          </a:solidFill>
-          <a:latin typeface="+mn-lt"/>
-          <a:ea typeface="+mn-ea"/>
-          <a:cs typeface="+mn-cs"/>
-        </a:defRPr>
-      </a:lvl3pPr>
-      <a:lvl4pPr marL="1600200" indent="-228600" algn="l" defTabSz="914400" rtl="0" eaLnBrk="1" latinLnBrk="0" hangingPunct="1">
-        <a:lnSpc>
-          <a:spcPct val="90000"/>
-        </a:lnSpc>
-        <a:spcBef>
-          <a:spcPts val="500"/>
-        </a:spcBef>
-        <a:buFont typeface="Arial" panose="020B0604020202020204" pitchFamily="34" charset="0"/>
-        <a:buChar char="•"/>
-        <a:defRPr sz="1800" kern="1200">
+        <a:defRPr sz="2520" kern="1200">
           <a:solidFill>
             <a:schemeClr val="tx1"/>
           </a:solidFill>
@@ -3135,16 +2759,16 @@
           <a:cs typeface="+mn-cs"/>
         </a:defRPr>
       </a:lvl4pPr>
-      <a:lvl5pPr marL="2057400" indent="-228600" algn="l" defTabSz="914400" rtl="0" eaLnBrk="1" latinLnBrk="0" hangingPunct="1">
+      <a:lvl5pPr marL="2880360" indent="-320040" algn="l" defTabSz="1280160" rtl="0" eaLnBrk="1" latinLnBrk="0" hangingPunct="1">
         <a:lnSpc>
           <a:spcPct val="90000"/>
         </a:lnSpc>
         <a:spcBef>
-          <a:spcPts val="500"/>
+          <a:spcPts val="700"/>
         </a:spcBef>
         <a:buFont typeface="Arial" panose="020B0604020202020204" pitchFamily="34" charset="0"/>
         <a:buChar char="•"/>
-        <a:defRPr sz="1800" kern="1200">
+        <a:defRPr sz="2520" kern="1200">
           <a:solidFill>
             <a:schemeClr val="tx1"/>
           </a:solidFill>
@@ -3153,16 +2777,16 @@
           <a:cs typeface="+mn-cs"/>
         </a:defRPr>
       </a:lvl5pPr>
-      <a:lvl6pPr marL="2514600" indent="-228600" algn="l" defTabSz="914400" rtl="0" eaLnBrk="1" latinLnBrk="0" hangingPunct="1">
+      <a:lvl6pPr marL="3520440" indent="-320040" algn="l" defTabSz="1280160" rtl="0" eaLnBrk="1" latinLnBrk="0" hangingPunct="1">
         <a:lnSpc>
           <a:spcPct val="90000"/>
         </a:lnSpc>
         <a:spcBef>
-          <a:spcPts val="500"/>
+          <a:spcPts val="700"/>
         </a:spcBef>
         <a:buFont typeface="Arial" panose="020B0604020202020204" pitchFamily="34" charset="0"/>
         <a:buChar char="•"/>
-        <a:defRPr sz="1800" kern="1200">
+        <a:defRPr sz="2520" kern="1200">
           <a:solidFill>
             <a:schemeClr val="tx1"/>
           </a:solidFill>
@@ -3171,16 +2795,16 @@
           <a:cs typeface="+mn-cs"/>
         </a:defRPr>
       </a:lvl6pPr>
-      <a:lvl7pPr marL="2971800" indent="-228600" algn="l" defTabSz="914400" rtl="0" eaLnBrk="1" latinLnBrk="0" hangingPunct="1">
+      <a:lvl7pPr marL="4160520" indent="-320040" algn="l" defTabSz="1280160" rtl="0" eaLnBrk="1" latinLnBrk="0" hangingPunct="1">
         <a:lnSpc>
           <a:spcPct val="90000"/>
         </a:lnSpc>
         <a:spcBef>
-          <a:spcPts val="500"/>
+          <a:spcPts val="700"/>
         </a:spcBef>
         <a:buFont typeface="Arial" panose="020B0604020202020204" pitchFamily="34" charset="0"/>
         <a:buChar char="•"/>
-        <a:defRPr sz="1800" kern="1200">
+        <a:defRPr sz="2520" kern="1200">
           <a:solidFill>
             <a:schemeClr val="tx1"/>
           </a:solidFill>
@@ -3189,16 +2813,16 @@
           <a:cs typeface="+mn-cs"/>
         </a:defRPr>
       </a:lvl7pPr>
-      <a:lvl8pPr marL="3429000" indent="-228600" algn="l" defTabSz="914400" rtl="0" eaLnBrk="1" latinLnBrk="0" hangingPunct="1">
+      <a:lvl8pPr marL="4800600" indent="-320040" algn="l" defTabSz="1280160" rtl="0" eaLnBrk="1" latinLnBrk="0" hangingPunct="1">
         <a:lnSpc>
           <a:spcPct val="90000"/>
         </a:lnSpc>
         <a:spcBef>
-          <a:spcPts val="500"/>
+          <a:spcPts val="700"/>
         </a:spcBef>
         <a:buFont typeface="Arial" panose="020B0604020202020204" pitchFamily="34" charset="0"/>
         <a:buChar char="•"/>
-        <a:defRPr sz="1800" kern="1200">
+        <a:defRPr sz="2520" kern="1200">
           <a:solidFill>
             <a:schemeClr val="tx1"/>
           </a:solidFill>
@@ -3207,16 +2831,16 @@
           <a:cs typeface="+mn-cs"/>
         </a:defRPr>
       </a:lvl8pPr>
-      <a:lvl9pPr marL="3886200" indent="-228600" algn="l" defTabSz="914400" rtl="0" eaLnBrk="1" latinLnBrk="0" hangingPunct="1">
+      <a:lvl9pPr marL="5440680" indent="-320040" algn="l" defTabSz="1280160" rtl="0" eaLnBrk="1" latinLnBrk="0" hangingPunct="1">
         <a:lnSpc>
           <a:spcPct val="90000"/>
         </a:lnSpc>
         <a:spcBef>
-          <a:spcPts val="500"/>
+          <a:spcPts val="700"/>
         </a:spcBef>
         <a:buFont typeface="Arial" panose="020B0604020202020204" pitchFamily="34" charset="0"/>
         <a:buChar char="•"/>
-        <a:defRPr sz="1800" kern="1200">
+        <a:defRPr sz="2520" kern="1200">
           <a:solidFill>
             <a:schemeClr val="tx1"/>
           </a:solidFill>
@@ -3228,10 +2852,10 @@
     </p:bodyStyle>
     <p:otherStyle>
       <a:defPPr>
-        <a:defRPr lang="en-SE"/>
+        <a:defRPr lang="en-US"/>
       </a:defPPr>
-      <a:lvl1pPr marL="0" algn="l" defTabSz="914400" rtl="0" eaLnBrk="1" latinLnBrk="0" hangingPunct="1">
-        <a:defRPr sz="1800" kern="1200">
+      <a:lvl1pPr marL="0" algn="l" defTabSz="1280160" rtl="0" eaLnBrk="1" latinLnBrk="0" hangingPunct="1">
+        <a:defRPr sz="2520" kern="1200">
           <a:solidFill>
             <a:schemeClr val="tx1"/>
           </a:solidFill>
@@ -3240,8 +2864,8 @@
           <a:cs typeface="+mn-cs"/>
         </a:defRPr>
       </a:lvl1pPr>
-      <a:lvl2pPr marL="457200" algn="l" defTabSz="914400" rtl="0" eaLnBrk="1" latinLnBrk="0" hangingPunct="1">
-        <a:defRPr sz="1800" kern="1200">
+      <a:lvl2pPr marL="640080" algn="l" defTabSz="1280160" rtl="0" eaLnBrk="1" latinLnBrk="0" hangingPunct="1">
+        <a:defRPr sz="2520" kern="1200">
           <a:solidFill>
             <a:schemeClr val="tx1"/>
           </a:solidFill>
@@ -3250,8 +2874,8 @@
           <a:cs typeface="+mn-cs"/>
         </a:defRPr>
       </a:lvl2pPr>
-      <a:lvl3pPr marL="914400" algn="l" defTabSz="914400" rtl="0" eaLnBrk="1" latinLnBrk="0" hangingPunct="1">
-        <a:defRPr sz="1800" kern="1200">
+      <a:lvl3pPr marL="1280160" algn="l" defTabSz="1280160" rtl="0" eaLnBrk="1" latinLnBrk="0" hangingPunct="1">
+        <a:defRPr sz="2520" kern="1200">
           <a:solidFill>
             <a:schemeClr val="tx1"/>
           </a:solidFill>
@@ -3260,8 +2884,8 @@
           <a:cs typeface="+mn-cs"/>
         </a:defRPr>
       </a:lvl3pPr>
-      <a:lvl4pPr marL="1371600" algn="l" defTabSz="914400" rtl="0" eaLnBrk="1" latinLnBrk="0" hangingPunct="1">
-        <a:defRPr sz="1800" kern="1200">
+      <a:lvl4pPr marL="1920240" algn="l" defTabSz="1280160" rtl="0" eaLnBrk="1" latinLnBrk="0" hangingPunct="1">
+        <a:defRPr sz="2520" kern="1200">
           <a:solidFill>
             <a:schemeClr val="tx1"/>
           </a:solidFill>
@@ -3270,8 +2894,8 @@
           <a:cs typeface="+mn-cs"/>
         </a:defRPr>
       </a:lvl4pPr>
-      <a:lvl5pPr marL="1828800" algn="l" defTabSz="914400" rtl="0" eaLnBrk="1" latinLnBrk="0" hangingPunct="1">
-        <a:defRPr sz="1800" kern="1200">
+      <a:lvl5pPr marL="2560320" algn="l" defTabSz="1280160" rtl="0" eaLnBrk="1" latinLnBrk="0" hangingPunct="1">
+        <a:defRPr sz="2520" kern="1200">
           <a:solidFill>
             <a:schemeClr val="tx1"/>
           </a:solidFill>
@@ -3280,8 +2904,8 @@
           <a:cs typeface="+mn-cs"/>
         </a:defRPr>
       </a:lvl5pPr>
-      <a:lvl6pPr marL="2286000" algn="l" defTabSz="914400" rtl="0" eaLnBrk="1" latinLnBrk="0" hangingPunct="1">
-        <a:defRPr sz="1800" kern="1200">
+      <a:lvl6pPr marL="3200400" algn="l" defTabSz="1280160" rtl="0" eaLnBrk="1" latinLnBrk="0" hangingPunct="1">
+        <a:defRPr sz="2520" kern="1200">
           <a:solidFill>
             <a:schemeClr val="tx1"/>
           </a:solidFill>
@@ -3290,8 +2914,8 @@
           <a:cs typeface="+mn-cs"/>
         </a:defRPr>
       </a:lvl6pPr>
-      <a:lvl7pPr marL="2743200" algn="l" defTabSz="914400" rtl="0" eaLnBrk="1" latinLnBrk="0" hangingPunct="1">
-        <a:defRPr sz="1800" kern="1200">
+      <a:lvl7pPr marL="3840480" algn="l" defTabSz="1280160" rtl="0" eaLnBrk="1" latinLnBrk="0" hangingPunct="1">
+        <a:defRPr sz="2520" kern="1200">
           <a:solidFill>
             <a:schemeClr val="tx1"/>
           </a:solidFill>
@@ -3300,8 +2924,8 @@
           <a:cs typeface="+mn-cs"/>
         </a:defRPr>
       </a:lvl7pPr>
-      <a:lvl8pPr marL="3200400" algn="l" defTabSz="914400" rtl="0" eaLnBrk="1" latinLnBrk="0" hangingPunct="1">
-        <a:defRPr sz="1800" kern="1200">
+      <a:lvl8pPr marL="4480560" algn="l" defTabSz="1280160" rtl="0" eaLnBrk="1" latinLnBrk="0" hangingPunct="1">
+        <a:defRPr sz="2520" kern="1200">
           <a:solidFill>
             <a:schemeClr val="tx1"/>
           </a:solidFill>
@@ -3310,8 +2934,8 @@
           <a:cs typeface="+mn-cs"/>
         </a:defRPr>
       </a:lvl8pPr>
-      <a:lvl9pPr marL="3657600" algn="l" defTabSz="914400" rtl="0" eaLnBrk="1" latinLnBrk="0" hangingPunct="1">
-        <a:defRPr sz="1800" kern="1200">
+      <a:lvl9pPr marL="5120640" algn="l" defTabSz="1280160" rtl="0" eaLnBrk="1" latinLnBrk="0" hangingPunct="1">
+        <a:defRPr sz="2520" kern="1200">
           <a:solidFill>
             <a:schemeClr val="tx1"/>
           </a:solidFill>
@@ -3356,8 +2980,8 @@
         </p:nvSpPr>
         <p:spPr>
           <a:xfrm>
-            <a:off x="2326451" y="3902215"/>
-            <a:ext cx="2171776" cy="2894173"/>
+            <a:off x="2631251" y="5273816"/>
+            <a:ext cx="2171776" cy="3298684"/>
           </a:xfrm>
           <a:prstGeom prst="rect">
             <a:avLst/>
@@ -3409,7 +3033,7 @@
         </p:nvSpPr>
         <p:spPr>
           <a:xfrm>
-            <a:off x="4274467" y="245464"/>
+            <a:off x="4579268" y="1617065"/>
             <a:ext cx="2734873" cy="1915485"/>
           </a:xfrm>
           <a:prstGeom prst="rect">
@@ -3464,7 +3088,7 @@
         </p:nvSpPr>
         <p:spPr>
           <a:xfrm>
-            <a:off x="4517976" y="764506"/>
+            <a:off x="4822777" y="2136106"/>
             <a:ext cx="1933161" cy="1162878"/>
           </a:xfrm>
           <a:prstGeom prst="ellipse">
@@ -3518,7 +3142,7 @@
         </p:nvSpPr>
         <p:spPr>
           <a:xfrm>
-            <a:off x="2601230" y="368901"/>
+            <a:off x="2906030" y="1740501"/>
             <a:ext cx="6097656" cy="338554"/>
           </a:xfrm>
           <a:prstGeom prst="rect">
@@ -3554,7 +3178,7 @@
         </p:nvSpPr>
         <p:spPr>
           <a:xfrm>
-            <a:off x="2398355" y="2661426"/>
+            <a:off x="2703156" y="4033026"/>
             <a:ext cx="6446261" cy="912728"/>
           </a:xfrm>
           <a:prstGeom prst="cloud">
@@ -3608,7 +3232,7 @@
         </p:nvSpPr>
         <p:spPr>
           <a:xfrm>
-            <a:off x="5104384" y="906970"/>
+            <a:off x="5409184" y="2278570"/>
             <a:ext cx="6097656" cy="338554"/>
           </a:xfrm>
           <a:prstGeom prst="rect">
@@ -3643,7 +3267,7 @@
         </p:nvSpPr>
         <p:spPr>
           <a:xfrm>
-            <a:off x="4992869" y="1514771"/>
+            <a:off x="5297670" y="2886372"/>
             <a:ext cx="268357" cy="245559"/>
           </a:xfrm>
           <a:prstGeom prst="ellipse">
@@ -3700,7 +3324,7 @@
         </p:nvSpPr>
         <p:spPr>
           <a:xfrm>
-            <a:off x="5348500" y="1285211"/>
+            <a:off x="5653301" y="2656812"/>
             <a:ext cx="268357" cy="245559"/>
           </a:xfrm>
           <a:prstGeom prst="ellipse">
@@ -3757,7 +3381,7 @@
         </p:nvSpPr>
         <p:spPr>
           <a:xfrm>
-            <a:off x="5711736" y="1495362"/>
+            <a:off x="6016537" y="2866963"/>
             <a:ext cx="268357" cy="245559"/>
           </a:xfrm>
           <a:prstGeom prst="ellipse">
@@ -3814,7 +3438,7 @@
         </p:nvSpPr>
         <p:spPr>
           <a:xfrm>
-            <a:off x="2455502" y="4019428"/>
+            <a:off x="2760302" y="5391029"/>
             <a:ext cx="1976646" cy="570563"/>
           </a:xfrm>
           <a:prstGeom prst="rect">
@@ -3872,7 +3496,7 @@
         </p:nvCxnSpPr>
         <p:spPr>
           <a:xfrm flipH="1">
-            <a:off x="3443825" y="1724369"/>
+            <a:off x="3748625" y="3095970"/>
             <a:ext cx="1588344" cy="2295059"/>
           </a:xfrm>
           <a:prstGeom prst="line">
@@ -3911,7 +3535,7 @@
         </p:nvSpPr>
         <p:spPr>
           <a:xfrm>
-            <a:off x="4661736" y="4019428"/>
+            <a:off x="4966536" y="5391029"/>
             <a:ext cx="1976646" cy="570563"/>
           </a:xfrm>
           <a:prstGeom prst="rect">
@@ -3969,7 +3593,7 @@
         </p:nvCxnSpPr>
         <p:spPr>
           <a:xfrm>
-            <a:off x="5482679" y="1530770"/>
+            <a:off x="5787479" y="2902370"/>
             <a:ext cx="167380" cy="2488658"/>
           </a:xfrm>
           <a:prstGeom prst="line">
@@ -4008,7 +3632,7 @@
         </p:nvSpPr>
         <p:spPr>
           <a:xfrm>
-            <a:off x="6867970" y="4022542"/>
+            <a:off x="7172770" y="5394143"/>
             <a:ext cx="1976646" cy="570563"/>
           </a:xfrm>
           <a:prstGeom prst="rect">
@@ -4066,7 +3690,7 @@
         </p:nvCxnSpPr>
         <p:spPr>
           <a:xfrm>
-            <a:off x="5940793" y="1704960"/>
+            <a:off x="6245593" y="3076560"/>
             <a:ext cx="1915500" cy="2317582"/>
           </a:xfrm>
           <a:prstGeom prst="line">
@@ -4105,7 +3729,7 @@
         </p:nvSpPr>
         <p:spPr>
           <a:xfrm>
-            <a:off x="5826426" y="2774483"/>
+            <a:off x="6131226" y="4146083"/>
             <a:ext cx="6098058" cy="338554"/>
           </a:xfrm>
           <a:prstGeom prst="rect">
@@ -4140,7 +3764,7 @@
         </p:nvSpPr>
         <p:spPr>
           <a:xfrm rot="5400000">
-            <a:off x="6207426" y="1031509"/>
+            <a:off x="6512227" y="2403109"/>
             <a:ext cx="1915483" cy="343398"/>
           </a:xfrm>
           <a:prstGeom prst="rect">
@@ -4198,7 +3822,7 @@
         </p:nvSpPr>
         <p:spPr>
           <a:xfrm rot="5400000">
-            <a:off x="2416817" y="5162318"/>
+            <a:off x="2721618" y="6533918"/>
             <a:ext cx="1119537" cy="738664"/>
           </a:xfrm>
           <a:prstGeom prst="rect">
@@ -4236,10 +3860,10 @@
       </p:sp>
       <p:sp>
         <p:nvSpPr>
-          <p:cNvPr id="52" name="Oval 51">
-            <a:extLst>
-              <a:ext uri="{FF2B5EF4-FFF2-40B4-BE49-F238E27FC236}">
-                <a16:creationId xmlns:a16="http://schemas.microsoft.com/office/drawing/2014/main" id="{B686B83F-3BC0-CC46-A6A7-24B141221C08}"/>
+          <p:cNvPr id="55" name="Rectangle 54">
+            <a:extLst>
+              <a:ext uri="{FF2B5EF4-FFF2-40B4-BE49-F238E27FC236}">
+                <a16:creationId xmlns:a16="http://schemas.microsoft.com/office/drawing/2014/main" id="{596B8B5F-2F27-D142-B124-E64BC3500707}"/>
               </a:ext>
             </a:extLst>
           </p:cNvPr>
@@ -4248,64 +3872,7 @@
         </p:nvSpPr>
         <p:spPr>
           <a:xfrm>
-            <a:off x="6048840" y="1272343"/>
-            <a:ext cx="268357" cy="245559"/>
-          </a:xfrm>
-          <a:prstGeom prst="ellipse">
-            <a:avLst/>
-          </a:prstGeom>
-          <a:solidFill>
-            <a:schemeClr val="accent2">
-              <a:lumMod val="60000"/>
-              <a:lumOff val="40000"/>
-            </a:schemeClr>
-          </a:solidFill>
-          <a:ln>
-            <a:solidFill>
-              <a:schemeClr val="tx1"/>
-            </a:solidFill>
-          </a:ln>
-        </p:spPr>
-        <p:style>
-          <a:lnRef idx="2">
-            <a:schemeClr val="dk1">
-              <a:shade val="50000"/>
-            </a:schemeClr>
-          </a:lnRef>
-          <a:fillRef idx="1">
-            <a:schemeClr val="dk1"/>
-          </a:fillRef>
-          <a:effectRef idx="0">
-            <a:schemeClr val="dk1"/>
-          </a:effectRef>
-          <a:fontRef idx="minor">
-            <a:schemeClr val="lt1"/>
-          </a:fontRef>
-        </p:style>
-        <p:txBody>
-          <a:bodyPr rtlCol="0" anchor="ctr"/>
-          <a:lstStyle/>
-          <a:p>
-            <a:pPr algn="ctr"/>
-            <a:endParaRPr lang="en-US" sz="1600"/>
-          </a:p>
-        </p:txBody>
-      </p:sp>
-      <p:sp>
-        <p:nvSpPr>
-          <p:cNvPr id="55" name="Rectangle 54">
-            <a:extLst>
-              <a:ext uri="{FF2B5EF4-FFF2-40B4-BE49-F238E27FC236}">
-                <a16:creationId xmlns:a16="http://schemas.microsoft.com/office/drawing/2014/main" id="{596B8B5F-2F27-D142-B124-E64BC3500707}"/>
-              </a:ext>
-            </a:extLst>
-          </p:cNvPr>
-          <p:cNvSpPr/>
-          <p:nvPr/>
-        </p:nvSpPr>
-        <p:spPr>
-          <a:xfrm>
-            <a:off x="2455502" y="4584317"/>
+            <a:off x="2760302" y="5955918"/>
             <a:ext cx="1976646" cy="350895"/>
           </a:xfrm>
           <a:prstGeom prst="rect">
@@ -4363,7 +3930,7 @@
         </p:nvSpPr>
         <p:spPr>
           <a:xfrm>
-            <a:off x="4661736" y="4584316"/>
+            <a:off x="4966536" y="5955917"/>
             <a:ext cx="1976646" cy="350895"/>
           </a:xfrm>
           <a:prstGeom prst="rect">
@@ -4421,7 +3988,7 @@
         </p:nvSpPr>
         <p:spPr>
           <a:xfrm>
-            <a:off x="6871823" y="4593105"/>
+            <a:off x="7176623" y="5964706"/>
             <a:ext cx="1976646" cy="350895"/>
           </a:xfrm>
           <a:prstGeom prst="rect">
@@ -4483,7 +4050,7 @@
         </p:nvCxnSpPr>
         <p:spPr>
           <a:xfrm flipV="1">
-            <a:off x="3430789" y="4935212"/>
+            <a:off x="3735589" y="6306812"/>
             <a:ext cx="13036" cy="1168396"/>
           </a:xfrm>
           <a:prstGeom prst="straightConnector1">
@@ -4522,7 +4089,7 @@
         </p:nvSpPr>
         <p:spPr>
           <a:xfrm>
-            <a:off x="2021115" y="3102522"/>
+            <a:off x="2325915" y="4474123"/>
             <a:ext cx="2520578" cy="570563"/>
           </a:xfrm>
           <a:prstGeom prst="cloud">
@@ -4579,7 +4146,7 @@
         </p:nvSpPr>
         <p:spPr>
           <a:xfrm>
-            <a:off x="5104384" y="3145059"/>
+            <a:off x="5409184" y="4516660"/>
             <a:ext cx="4234394" cy="570563"/>
           </a:xfrm>
           <a:prstGeom prst="cloud">
@@ -4636,7 +4203,7 @@
         </p:nvSpPr>
         <p:spPr>
           <a:xfrm rot="5400000">
-            <a:off x="4404510" y="5116117"/>
+            <a:off x="4709310" y="6487717"/>
             <a:ext cx="922368" cy="738664"/>
           </a:xfrm>
           <a:prstGeom prst="rect">
@@ -4685,7 +4252,7 @@
         </p:nvCxnSpPr>
         <p:spPr>
           <a:xfrm>
-            <a:off x="5238357" y="4929952"/>
+            <a:off x="5543157" y="6301553"/>
             <a:ext cx="0" cy="1159609"/>
           </a:xfrm>
           <a:prstGeom prst="straightConnector1">
@@ -4724,7 +4291,7 @@
         </p:nvSpPr>
         <p:spPr>
           <a:xfrm rot="5400000">
-            <a:off x="5238815" y="5196496"/>
+            <a:off x="5543616" y="6568096"/>
             <a:ext cx="845681" cy="523220"/>
           </a:xfrm>
           <a:prstGeom prst="rect">
@@ -4769,7 +4336,7 @@
         </p:nvCxnSpPr>
         <p:spPr>
           <a:xfrm flipV="1">
-            <a:off x="5934826" y="4921163"/>
+            <a:off x="6239626" y="6292763"/>
             <a:ext cx="2" cy="1168398"/>
           </a:xfrm>
           <a:prstGeom prst="straightConnector1">
@@ -4808,7 +4375,7 @@
         </p:nvSpPr>
         <p:spPr>
           <a:xfrm rot="5400000">
-            <a:off x="5834441" y="5223840"/>
+            <a:off x="6139242" y="6595440"/>
             <a:ext cx="882293" cy="523220"/>
           </a:xfrm>
           <a:prstGeom prst="rect">
@@ -4853,7 +4420,7 @@
         </p:nvCxnSpPr>
         <p:spPr>
           <a:xfrm flipV="1">
-            <a:off x="6490578" y="4949259"/>
+            <a:off x="6795378" y="6320859"/>
             <a:ext cx="0" cy="1154350"/>
           </a:xfrm>
           <a:prstGeom prst="straightConnector1">
@@ -4892,7 +4459,7 @@
         </p:nvSpPr>
         <p:spPr>
           <a:xfrm rot="5400000">
-            <a:off x="7123663" y="5051207"/>
+            <a:off x="7428464" y="6422808"/>
             <a:ext cx="882293" cy="954107"/>
           </a:xfrm>
           <a:prstGeom prst="rect">
@@ -4949,7 +4516,7 @@
         </p:nvCxnSpPr>
         <p:spPr>
           <a:xfrm flipH="1">
-            <a:off x="7853384" y="4935211"/>
+            <a:off x="8158184" y="6306811"/>
             <a:ext cx="2910" cy="1177310"/>
           </a:xfrm>
           <a:prstGeom prst="straightConnector1">
@@ -4988,7 +4555,7 @@
         </p:nvSpPr>
         <p:spPr>
           <a:xfrm>
-            <a:off x="7985485" y="1076247"/>
+            <a:off x="8290286" y="2447848"/>
             <a:ext cx="1718547" cy="307777"/>
           </a:xfrm>
           <a:prstGeom prst="rect">
@@ -5026,7 +4593,7 @@
         </p:nvCxnSpPr>
         <p:spPr>
           <a:xfrm flipH="1">
-            <a:off x="7343969" y="1228775"/>
+            <a:off x="7648769" y="2600376"/>
             <a:ext cx="586212" cy="1"/>
           </a:xfrm>
           <a:prstGeom prst="straightConnector1">
@@ -5080,7 +4647,7 @@
         </p:blipFill>
         <p:spPr bwMode="auto">
           <a:xfrm>
-            <a:off x="8300264" y="266031"/>
+            <a:off x="8605065" y="1637632"/>
             <a:ext cx="751777" cy="751777"/>
           </a:xfrm>
           <a:prstGeom prst="rect">
@@ -5112,7 +4679,7 @@
         </p:nvSpPr>
         <p:spPr>
           <a:xfrm>
-            <a:off x="8069976" y="-40889"/>
+            <a:off x="8374776" y="1330712"/>
             <a:ext cx="1258550" cy="307777"/>
           </a:xfrm>
           <a:prstGeom prst="rect">
@@ -5148,7 +4715,7 @@
         </p:nvSpPr>
         <p:spPr>
           <a:xfrm>
-            <a:off x="8875455" y="597949"/>
+            <a:off x="9180255" y="1969550"/>
             <a:ext cx="1338122" cy="276999"/>
           </a:xfrm>
           <a:prstGeom prst="rect">
@@ -5184,7 +4751,7 @@
         </p:nvSpPr>
         <p:spPr>
           <a:xfrm>
-            <a:off x="1455208" y="3619121"/>
+            <a:off x="1760009" y="4990722"/>
             <a:ext cx="1565621" cy="276999"/>
           </a:xfrm>
           <a:prstGeom prst="rect">
@@ -5220,7 +4787,7 @@
         </p:nvSpPr>
         <p:spPr>
           <a:xfrm rot="5400000">
-            <a:off x="3145058" y="1031511"/>
+            <a:off x="3449858" y="2403111"/>
             <a:ext cx="1915486" cy="343398"/>
           </a:xfrm>
           <a:prstGeom prst="rect">
@@ -5278,7 +4845,7 @@
         </p:nvSpPr>
         <p:spPr>
           <a:xfrm>
-            <a:off x="1953264" y="1078540"/>
+            <a:off x="2258064" y="2450141"/>
             <a:ext cx="1315618" cy="307777"/>
           </a:xfrm>
           <a:prstGeom prst="rect">
@@ -5329,7 +4896,7 @@
         </p:blipFill>
         <p:spPr bwMode="auto">
           <a:xfrm>
-            <a:off x="2066580" y="268324"/>
+            <a:off x="2371381" y="1639925"/>
             <a:ext cx="751777" cy="751777"/>
           </a:xfrm>
           <a:prstGeom prst="rect">
@@ -5361,7 +4928,7 @@
         </p:nvSpPr>
         <p:spPr>
           <a:xfrm>
-            <a:off x="1872328" y="-38596"/>
+            <a:off x="2177129" y="1333005"/>
             <a:ext cx="1186479" cy="307777"/>
           </a:xfrm>
           <a:prstGeom prst="rect">
@@ -5397,7 +4964,7 @@
         </p:nvSpPr>
         <p:spPr>
           <a:xfrm>
-            <a:off x="810081" y="639796"/>
+            <a:off x="1114881" y="2011397"/>
             <a:ext cx="1345754" cy="276999"/>
           </a:xfrm>
           <a:prstGeom prst="rect">
@@ -5435,7 +5002,7 @@
         </p:nvCxnSpPr>
         <p:spPr>
           <a:xfrm>
-            <a:off x="3337981" y="1220520"/>
+            <a:off x="3642781" y="2592121"/>
             <a:ext cx="593314" cy="4603"/>
           </a:xfrm>
           <a:prstGeom prst="straightConnector1">
@@ -5482,7 +5049,7 @@
         </p:blipFill>
         <p:spPr>
           <a:xfrm>
-            <a:off x="2526944" y="4064973"/>
+            <a:off x="2831745" y="5436573"/>
             <a:ext cx="864687" cy="432344"/>
           </a:xfrm>
           <a:prstGeom prst="rect">
@@ -5512,7 +5079,7 @@
         </p:blipFill>
         <p:spPr>
           <a:xfrm>
-            <a:off x="1194071" y="257326"/>
+            <a:off x="1498872" y="1628926"/>
             <a:ext cx="864687" cy="432344"/>
           </a:xfrm>
           <a:prstGeom prst="rect">
@@ -5534,7 +5101,7 @@
         </p:nvSpPr>
         <p:spPr>
           <a:xfrm>
-            <a:off x="4661736" y="6103609"/>
+            <a:off x="4966536" y="7475210"/>
             <a:ext cx="1976642" cy="570563"/>
           </a:xfrm>
           <a:prstGeom prst="rect">
@@ -5572,7 +5139,7 @@
             <a:pPr algn="ctr"/>
             <a:r>
               <a:rPr lang="en-US" sz="1600" dirty="0"/>
-              <a:t>Kubernetes App</a:t>
+              <a:t>Kubernetes</a:t>
             </a:r>
           </a:p>
         </p:txBody>
@@ -5591,7 +5158,7 @@
         </p:nvSpPr>
         <p:spPr>
           <a:xfrm>
-            <a:off x="2442468" y="6103608"/>
+            <a:off x="2747268" y="7475209"/>
             <a:ext cx="1976642" cy="570563"/>
           </a:xfrm>
           <a:prstGeom prst="rect">
@@ -5648,7 +5215,7 @@
         </p:nvSpPr>
         <p:spPr>
           <a:xfrm>
-            <a:off x="6865063" y="6112521"/>
+            <a:off x="7169863" y="7484122"/>
             <a:ext cx="1976642" cy="570563"/>
           </a:xfrm>
           <a:prstGeom prst="rect">
@@ -5705,7 +5272,7 @@
         </p:nvSpPr>
         <p:spPr>
           <a:xfrm>
-            <a:off x="7973616" y="1423930"/>
+            <a:off x="8278417" y="2795531"/>
             <a:ext cx="2041777" cy="307777"/>
           </a:xfrm>
           <a:prstGeom prst="rect">
@@ -5743,7 +5310,7 @@
         </p:nvCxnSpPr>
         <p:spPr>
           <a:xfrm flipH="1">
-            <a:off x="7334324" y="1589520"/>
+            <a:off x="7639124" y="2961121"/>
             <a:ext cx="586212" cy="1"/>
           </a:xfrm>
           <a:prstGeom prst="straightConnector1">
@@ -5790,7 +5357,7 @@
         </p:blipFill>
         <p:spPr>
           <a:xfrm>
-            <a:off x="8981994" y="219790"/>
+            <a:off x="9286795" y="1591391"/>
             <a:ext cx="900001" cy="450001"/>
           </a:xfrm>
           <a:prstGeom prst="rect">
@@ -5812,7 +5379,7 @@
         </p:nvSpPr>
         <p:spPr>
           <a:xfrm>
-            <a:off x="3281404" y="4092522"/>
+            <a:off x="3586205" y="5464122"/>
             <a:ext cx="1142257" cy="369332"/>
           </a:xfrm>
           <a:prstGeom prst="rect">
@@ -5856,7 +5423,7 @@
         </p:blipFill>
         <p:spPr>
           <a:xfrm>
-            <a:off x="4727600" y="4071069"/>
+            <a:off x="5032401" y="5442669"/>
             <a:ext cx="864687" cy="432344"/>
           </a:xfrm>
           <a:prstGeom prst="rect">
@@ -5878,7 +5445,7 @@
         </p:nvSpPr>
         <p:spPr>
           <a:xfrm>
-            <a:off x="5482060" y="4098618"/>
+            <a:off x="5786861" y="5470218"/>
             <a:ext cx="1142257" cy="369332"/>
           </a:xfrm>
           <a:prstGeom prst="rect">
@@ -5922,7 +5489,7 @@
         </p:blipFill>
         <p:spPr>
           <a:xfrm>
-            <a:off x="6940448" y="4077165"/>
+            <a:off x="7245249" y="5448765"/>
             <a:ext cx="864687" cy="432344"/>
           </a:xfrm>
           <a:prstGeom prst="rect">
@@ -5944,7 +5511,7 @@
         </p:nvSpPr>
         <p:spPr>
           <a:xfrm>
-            <a:off x="7694908" y="4104714"/>
+            <a:off x="7999709" y="5476314"/>
             <a:ext cx="1142257" cy="369332"/>
           </a:xfrm>
           <a:prstGeom prst="rect">
@@ -5980,8 +5547,8 @@
         </p:nvSpPr>
         <p:spPr>
           <a:xfrm>
-            <a:off x="4573936" y="3903752"/>
-            <a:ext cx="2146769" cy="2894173"/>
+            <a:off x="4878737" y="5275353"/>
+            <a:ext cx="2146769" cy="3297147"/>
           </a:xfrm>
           <a:prstGeom prst="rect">
             <a:avLst/>
@@ -6033,8 +5600,8 @@
         </p:nvSpPr>
         <p:spPr>
           <a:xfrm>
-            <a:off x="6786784" y="3902216"/>
-            <a:ext cx="2171776" cy="2906314"/>
+            <a:off x="7091584" y="5273815"/>
+            <a:ext cx="2171776" cy="3297147"/>
           </a:xfrm>
           <a:prstGeom prst="rect">
             <a:avLst/>
@@ -6072,6 +5639,114 @@
           </a:p>
         </p:txBody>
       </p:sp>
+      <p:sp>
+        <p:nvSpPr>
+          <p:cNvPr id="211" name="TextBox 210">
+            <a:extLst>
+              <a:ext uri="{FF2B5EF4-FFF2-40B4-BE49-F238E27FC236}">
+                <a16:creationId xmlns:a16="http://schemas.microsoft.com/office/drawing/2014/main" id="{B84CB134-193F-6844-8F5B-075DB26959B7}"/>
+              </a:ext>
+            </a:extLst>
+          </p:cNvPr>
+          <p:cNvSpPr txBox="1"/>
+          <p:nvPr/>
+        </p:nvSpPr>
+        <p:spPr>
+          <a:xfrm>
+            <a:off x="2829234" y="8124470"/>
+            <a:ext cx="1734395" cy="369332"/>
+          </a:xfrm>
+          <a:prstGeom prst="rect">
+            <a:avLst/>
+          </a:prstGeom>
+          <a:noFill/>
+        </p:spPr>
+        <p:txBody>
+          <a:bodyPr wrap="square">
+            <a:spAutoFit/>
+          </a:bodyPr>
+          <a:lstStyle/>
+          <a:p>
+            <a:pPr algn="ctr"/>
+            <a:r>
+              <a:rPr lang="en-US" sz="1800" dirty="0"/>
+              <a:t>Colony App</a:t>
+            </a:r>
+          </a:p>
+        </p:txBody>
+      </p:sp>
+      <p:sp>
+        <p:nvSpPr>
+          <p:cNvPr id="212" name="TextBox 211">
+            <a:extLst>
+              <a:ext uri="{FF2B5EF4-FFF2-40B4-BE49-F238E27FC236}">
+                <a16:creationId xmlns:a16="http://schemas.microsoft.com/office/drawing/2014/main" id="{D13B78AD-2D01-EF43-A290-5C48FD6541D2}"/>
+              </a:ext>
+            </a:extLst>
+          </p:cNvPr>
+          <p:cNvSpPr txBox="1"/>
+          <p:nvPr/>
+        </p:nvSpPr>
+        <p:spPr>
+          <a:xfrm>
+            <a:off x="5054460" y="8138403"/>
+            <a:ext cx="1734395" cy="369332"/>
+          </a:xfrm>
+          <a:prstGeom prst="rect">
+            <a:avLst/>
+          </a:prstGeom>
+          <a:noFill/>
+        </p:spPr>
+        <p:txBody>
+          <a:bodyPr wrap="square">
+            <a:spAutoFit/>
+          </a:bodyPr>
+          <a:lstStyle/>
+          <a:p>
+            <a:pPr algn="ctr"/>
+            <a:r>
+              <a:rPr lang="en-US" sz="1800" dirty="0"/>
+              <a:t>Colony Service</a:t>
+            </a:r>
+          </a:p>
+        </p:txBody>
+      </p:sp>
+      <p:sp>
+        <p:nvSpPr>
+          <p:cNvPr id="213" name="TextBox 212">
+            <a:extLst>
+              <a:ext uri="{FF2B5EF4-FFF2-40B4-BE49-F238E27FC236}">
+                <a16:creationId xmlns:a16="http://schemas.microsoft.com/office/drawing/2014/main" id="{87F54BAB-1C00-4E44-9BCA-17CD5CA70EC9}"/>
+              </a:ext>
+            </a:extLst>
+          </p:cNvPr>
+          <p:cNvSpPr txBox="1"/>
+          <p:nvPr/>
+        </p:nvSpPr>
+        <p:spPr>
+          <a:xfrm>
+            <a:off x="7298269" y="8124294"/>
+            <a:ext cx="1734395" cy="369332"/>
+          </a:xfrm>
+          <a:prstGeom prst="rect">
+            <a:avLst/>
+          </a:prstGeom>
+          <a:noFill/>
+        </p:spPr>
+        <p:txBody>
+          <a:bodyPr wrap="square">
+            <a:spAutoFit/>
+          </a:bodyPr>
+          <a:lstStyle/>
+          <a:p>
+            <a:pPr algn="ctr"/>
+            <a:r>
+              <a:rPr lang="en-US" sz="1800" dirty="0"/>
+              <a:t>Colony App</a:t>
+            </a:r>
+          </a:p>
+        </p:txBody>
+      </p:sp>
     </p:spTree>
     <p:extLst>
       <p:ext uri="{BB962C8B-B14F-4D97-AF65-F5344CB8AC3E}">
@@ -6088,7 +5763,7 @@
 <file path=ppt/theme/theme1.xml><?xml version="1.0" encoding="utf-8"?>
 <a:theme xmlns:a="http://schemas.openxmlformats.org/drawingml/2006/main" name="Office Theme">
   <a:themeElements>
-    <a:clrScheme name="Office">
+    <a:clrScheme name="Office Theme">
       <a:dk1>
         <a:sysClr val="windowText" lastClr="000000"/>
       </a:dk1>
@@ -6126,7 +5801,7 @@
         <a:srgbClr val="954F72"/>
       </a:folHlink>
     </a:clrScheme>
-    <a:fontScheme name="Office">
+    <a:fontScheme name="Office Theme">
       <a:majorFont>
         <a:latin typeface="Calibri Light" panose="020F0302020204030204"/>
         <a:ea typeface=""/>
@@ -6161,23 +5836,6 @@
         <a:font script="Viet" typeface="Times New Roman"/>
         <a:font script="Uigh" typeface="Microsoft Uighur"/>
         <a:font script="Geor" typeface="Sylfaen"/>
-        <a:font script="Armn" typeface="Arial"/>
-        <a:font script="Bugi" typeface="Leelawadee UI"/>
-        <a:font script="Bopo" typeface="Microsoft JhengHei"/>
-        <a:font script="Java" typeface="Javanese Text"/>
-        <a:font script="Lisu" typeface="Segoe UI"/>
-        <a:font script="Mymr" typeface="Myanmar Text"/>
-        <a:font script="Nkoo" typeface="Ebrima"/>
-        <a:font script="Olck" typeface="Nirmala UI"/>
-        <a:font script="Osma" typeface="Ebrima"/>
-        <a:font script="Phag" typeface="Phagspa"/>
-        <a:font script="Syrn" typeface="Estrangelo Edessa"/>
-        <a:font script="Syrj" typeface="Estrangelo Edessa"/>
-        <a:font script="Syre" typeface="Estrangelo Edessa"/>
-        <a:font script="Sora" typeface="Nirmala UI"/>
-        <a:font script="Tale" typeface="Microsoft Tai Le"/>
-        <a:font script="Talu" typeface="Microsoft New Tai Lue"/>
-        <a:font script="Tfng" typeface="Ebrima"/>
       </a:majorFont>
       <a:minorFont>
         <a:latin typeface="Calibri" panose="020F0502020204030204"/>
@@ -6213,26 +5871,9 @@
         <a:font script="Viet" typeface="Arial"/>
         <a:font script="Uigh" typeface="Microsoft Uighur"/>
         <a:font script="Geor" typeface="Sylfaen"/>
-        <a:font script="Armn" typeface="Arial"/>
-        <a:font script="Bugi" typeface="Leelawadee UI"/>
-        <a:font script="Bopo" typeface="Microsoft JhengHei"/>
-        <a:font script="Java" typeface="Javanese Text"/>
-        <a:font script="Lisu" typeface="Segoe UI"/>
-        <a:font script="Mymr" typeface="Myanmar Text"/>
-        <a:font script="Nkoo" typeface="Ebrima"/>
-        <a:font script="Olck" typeface="Nirmala UI"/>
-        <a:font script="Osma" typeface="Ebrima"/>
-        <a:font script="Phag" typeface="Phagspa"/>
-        <a:font script="Syrn" typeface="Estrangelo Edessa"/>
-        <a:font script="Syrj" typeface="Estrangelo Edessa"/>
-        <a:font script="Syre" typeface="Estrangelo Edessa"/>
-        <a:font script="Sora" typeface="Nirmala UI"/>
-        <a:font script="Tale" typeface="Microsoft Tai Le"/>
-        <a:font script="Talu" typeface="Microsoft New Tai Lue"/>
-        <a:font script="Tfng" typeface="Ebrima"/>
       </a:minorFont>
     </a:fontScheme>
-    <a:fmtScheme name="Office">
+    <a:fmtScheme name="Office Theme">
       <a:fillStyleLst>
         <a:solidFill>
           <a:schemeClr val="phClr"/>

--- a/docs/images/ColoniesArch.pptx
+++ b/docs/images/ColoniesArch.pptx
@@ -104,6 +104,11 @@
       </a:defRPr>
     </a:lvl9pPr>
   </p:defaultTextStyle>
+  <p:extLst>
+    <p:ext uri="{EFAFB233-063F-42B5-8137-9DF3F51BA10A}">
+      <p15:sldGuideLst xmlns:p15="http://schemas.microsoft.com/office/powerpoint/2012/main"/>
+    </p:ext>
+  </p:extLst>
 </p:presentation>
 </file>
 
@@ -238,7 +243,7 @@
           <a:p>
             <a:fld id="{B79BB705-F904-8E46-BC0B-BBFDED0D0282}" type="datetimeFigureOut">
               <a:rPr lang="en-US" smtClean="0"/>
-              <a:t>12/23/21</a:t>
+              <a:t>4/3/22</a:t>
             </a:fld>
             <a:endParaRPr lang="en-US"/>
           </a:p>
@@ -408,7 +413,7 @@
           <a:p>
             <a:fld id="{B79BB705-F904-8E46-BC0B-BBFDED0D0282}" type="datetimeFigureOut">
               <a:rPr lang="en-US" smtClean="0"/>
-              <a:t>12/23/21</a:t>
+              <a:t>4/3/22</a:t>
             </a:fld>
             <a:endParaRPr lang="en-US"/>
           </a:p>
@@ -588,7 +593,7 @@
           <a:p>
             <a:fld id="{B79BB705-F904-8E46-BC0B-BBFDED0D0282}" type="datetimeFigureOut">
               <a:rPr lang="en-US" smtClean="0"/>
-              <a:t>12/23/21</a:t>
+              <a:t>4/3/22</a:t>
             </a:fld>
             <a:endParaRPr lang="en-US"/>
           </a:p>
@@ -758,7 +763,7 @@
           <a:p>
             <a:fld id="{B79BB705-F904-8E46-BC0B-BBFDED0D0282}" type="datetimeFigureOut">
               <a:rPr lang="en-US" smtClean="0"/>
-              <a:t>12/23/21</a:t>
+              <a:t>4/3/22</a:t>
             </a:fld>
             <a:endParaRPr lang="en-US"/>
           </a:p>
@@ -1002,7 +1007,7 @@
           <a:p>
             <a:fld id="{B79BB705-F904-8E46-BC0B-BBFDED0D0282}" type="datetimeFigureOut">
               <a:rPr lang="en-US" smtClean="0"/>
-              <a:t>12/23/21</a:t>
+              <a:t>4/3/22</a:t>
             </a:fld>
             <a:endParaRPr lang="en-US"/>
           </a:p>
@@ -1234,7 +1239,7 @@
           <a:p>
             <a:fld id="{B79BB705-F904-8E46-BC0B-BBFDED0D0282}" type="datetimeFigureOut">
               <a:rPr lang="en-US" smtClean="0"/>
-              <a:t>12/23/21</a:t>
+              <a:t>4/3/22</a:t>
             </a:fld>
             <a:endParaRPr lang="en-US"/>
           </a:p>
@@ -1601,7 +1606,7 @@
           <a:p>
             <a:fld id="{B79BB705-F904-8E46-BC0B-BBFDED0D0282}" type="datetimeFigureOut">
               <a:rPr lang="en-US" smtClean="0"/>
-              <a:t>12/23/21</a:t>
+              <a:t>4/3/22</a:t>
             </a:fld>
             <a:endParaRPr lang="en-US"/>
           </a:p>
@@ -1719,7 +1724,7 @@
           <a:p>
             <a:fld id="{B79BB705-F904-8E46-BC0B-BBFDED0D0282}" type="datetimeFigureOut">
               <a:rPr lang="en-US" smtClean="0"/>
-              <a:t>12/23/21</a:t>
+              <a:t>4/3/22</a:t>
             </a:fld>
             <a:endParaRPr lang="en-US"/>
           </a:p>
@@ -1814,7 +1819,7 @@
           <a:p>
             <a:fld id="{B79BB705-F904-8E46-BC0B-BBFDED0D0282}" type="datetimeFigureOut">
               <a:rPr lang="en-US" smtClean="0"/>
-              <a:t>12/23/21</a:t>
+              <a:t>4/3/22</a:t>
             </a:fld>
             <a:endParaRPr lang="en-US"/>
           </a:p>
@@ -2091,7 +2096,7 @@
           <a:p>
             <a:fld id="{B79BB705-F904-8E46-BC0B-BBFDED0D0282}" type="datetimeFigureOut">
               <a:rPr lang="en-US" smtClean="0"/>
-              <a:t>12/23/21</a:t>
+              <a:t>4/3/22</a:t>
             </a:fld>
             <a:endParaRPr lang="en-US"/>
           </a:p>
@@ -2348,7 +2353,7 @@
           <a:p>
             <a:fld id="{B79BB705-F904-8E46-BC0B-BBFDED0D0282}" type="datetimeFigureOut">
               <a:rPr lang="en-US" smtClean="0"/>
-              <a:t>12/23/21</a:t>
+              <a:t>4/3/22</a:t>
             </a:fld>
             <a:endParaRPr lang="en-US"/>
           </a:p>
@@ -2561,7 +2566,7 @@
           <a:p>
             <a:fld id="{B79BB705-F904-8E46-BC0B-BBFDED0D0282}" type="datetimeFigureOut">
               <a:rPr lang="en-US" smtClean="0"/>
-              <a:t>12/23/21</a:t>
+              <a:t>4/3/22</a:t>
             </a:fld>
             <a:endParaRPr lang="en-US"/>
           </a:p>
@@ -5670,7 +5675,7 @@
             <a:pPr algn="ctr"/>
             <a:r>
               <a:rPr lang="en-US" sz="1800" dirty="0"/>
-              <a:t>Colony App</a:t>
+              <a:t>Colony Worker</a:t>
             </a:r>
           </a:p>
         </p:txBody>
@@ -5706,7 +5711,7 @@
             <a:pPr algn="ctr"/>
             <a:r>
               <a:rPr lang="en-US" sz="1800" dirty="0"/>
-              <a:t>Colony Service</a:t>
+              <a:t>Colony Worker</a:t>
             </a:r>
           </a:p>
         </p:txBody>
@@ -5742,7 +5747,7 @@
             <a:pPr algn="ctr"/>
             <a:r>
               <a:rPr lang="en-US" sz="1800" dirty="0"/>
-              <a:t>Colony App</a:t>
+              <a:t>Colony Worker</a:t>
             </a:r>
           </a:p>
         </p:txBody>

--- a/docs/images/ColoniesArch.pptx
+++ b/docs/images/ColoniesArch.pptx
@@ -6,6 +6,7 @@
   </p:sldMasterIdLst>
   <p:sldIdLst>
     <p:sldId id="257" r:id="rId2"/>
+    <p:sldId id="258" r:id="rId3"/>
   </p:sldIdLst>
   <p:sldSz cx="12801600" cy="9601200" type="A3"/>
   <p:notesSz cx="6858000" cy="9144000"/>
@@ -3020,7 +3021,9 @@
           <a:lstStyle/>
           <a:p>
             <a:pPr algn="ctr"/>
-            <a:endParaRPr lang="en-US" dirty="0"/>
+            <a:endParaRPr lang="en-US" dirty="0">
+              <a:latin typeface="Titillium Web" pitchFamily="2" charset="77"/>
+            </a:endParaRPr>
           </a:p>
         </p:txBody>
       </p:sp>
@@ -3075,7 +3078,9 @@
           <a:lstStyle/>
           <a:p>
             <a:pPr algn="ctr"/>
-            <a:endParaRPr lang="en-US" sz="1600" dirty="0"/>
+            <a:endParaRPr lang="en-US" sz="1600" dirty="0">
+              <a:latin typeface="Titillium Web" pitchFamily="2" charset="77"/>
+            </a:endParaRPr>
           </a:p>
         </p:txBody>
       </p:sp>
@@ -3129,7 +3134,9 @@
           <a:lstStyle/>
           <a:p>
             <a:pPr algn="ctr"/>
-            <a:endParaRPr lang="en-US" sz="1600" dirty="0"/>
+            <a:endParaRPr lang="en-US" sz="1600" dirty="0">
+              <a:latin typeface="Titillium Web" pitchFamily="2" charset="77"/>
+            </a:endParaRPr>
           </a:p>
         </p:txBody>
       </p:sp>
@@ -3163,7 +3170,9 @@
           <a:p>
             <a:pPr algn="ctr"/>
             <a:r>
-              <a:rPr lang="en-US" sz="1600" dirty="0"/>
+              <a:rPr lang="en-US" sz="1600" dirty="0">
+                <a:latin typeface="Titillium Web" pitchFamily="2" charset="77"/>
+              </a:rPr>
               <a:t>Colonies Server</a:t>
             </a:r>
           </a:p>
@@ -3219,7 +3228,9 @@
           <a:lstStyle/>
           <a:p>
             <a:pPr algn="ctr"/>
-            <a:endParaRPr lang="en-US" sz="1600" dirty="0"/>
+            <a:endParaRPr lang="en-US" sz="1600" dirty="0">
+              <a:latin typeface="Titillium Web" pitchFamily="2" charset="77"/>
+            </a:endParaRPr>
           </a:p>
         </p:txBody>
       </p:sp>
@@ -3252,7 +3263,9 @@
           <a:lstStyle/>
           <a:p>
             <a:r>
-              <a:rPr lang="en-US" sz="1600" dirty="0"/>
+              <a:rPr lang="en-US" sz="1600" dirty="0">
+                <a:latin typeface="Titillium Web" pitchFamily="2" charset="77"/>
+              </a:rPr>
               <a:t>Colony</a:t>
             </a:r>
           </a:p>
@@ -3311,7 +3324,9 @@
           <a:lstStyle/>
           <a:p>
             <a:pPr algn="ctr"/>
-            <a:endParaRPr lang="en-US" sz="1600"/>
+            <a:endParaRPr lang="en-US" sz="1600">
+              <a:latin typeface="Titillium Web" pitchFamily="2" charset="77"/>
+            </a:endParaRPr>
           </a:p>
         </p:txBody>
       </p:sp>
@@ -3368,7 +3383,9 @@
           <a:lstStyle/>
           <a:p>
             <a:pPr algn="ctr"/>
-            <a:endParaRPr lang="en-US" sz="1600"/>
+            <a:endParaRPr lang="en-US" sz="1600">
+              <a:latin typeface="Titillium Web" pitchFamily="2" charset="77"/>
+            </a:endParaRPr>
           </a:p>
         </p:txBody>
       </p:sp>
@@ -3425,7 +3442,9 @@
           <a:lstStyle/>
           <a:p>
             <a:pPr algn="ctr"/>
-            <a:endParaRPr lang="en-US" sz="1600"/>
+            <a:endParaRPr lang="en-US" sz="1600">
+              <a:latin typeface="Titillium Web" pitchFamily="2" charset="77"/>
+            </a:endParaRPr>
           </a:p>
         </p:txBody>
       </p:sp>
@@ -3479,7 +3498,9 @@
           <a:lstStyle/>
           <a:p>
             <a:pPr algn="ctr"/>
-            <a:endParaRPr lang="en-US" sz="1600" dirty="0"/>
+            <a:endParaRPr lang="en-US" sz="1600" dirty="0">
+              <a:latin typeface="Titillium Web" pitchFamily="2" charset="77"/>
+            </a:endParaRPr>
           </a:p>
         </p:txBody>
       </p:sp>
@@ -3576,7 +3597,9 @@
           <a:lstStyle/>
           <a:p>
             <a:pPr algn="ctr"/>
-            <a:endParaRPr lang="en-US" sz="1600" dirty="0"/>
+            <a:endParaRPr lang="en-US" sz="1600" dirty="0">
+              <a:latin typeface="Titillium Web" pitchFamily="2" charset="77"/>
+            </a:endParaRPr>
           </a:p>
         </p:txBody>
       </p:sp>
@@ -3673,7 +3696,9 @@
           <a:lstStyle/>
           <a:p>
             <a:pPr algn="ctr"/>
-            <a:endParaRPr lang="en-US" sz="1600" dirty="0"/>
+            <a:endParaRPr lang="en-US" sz="1600" dirty="0">
+              <a:latin typeface="Titillium Web" pitchFamily="2" charset="77"/>
+            </a:endParaRPr>
           </a:p>
         </p:txBody>
       </p:sp>
@@ -3734,7 +3759,7 @@
         </p:nvSpPr>
         <p:spPr>
           <a:xfrm>
-            <a:off x="6131226" y="4146083"/>
+            <a:off x="6045104" y="4159253"/>
             <a:ext cx="6098058" cy="338554"/>
           </a:xfrm>
           <a:prstGeom prst="rect">
@@ -3749,7 +3774,9 @@
           <a:lstStyle/>
           <a:p>
             <a:r>
-              <a:rPr lang="en-US" sz="1600" dirty="0"/>
+              <a:rPr lang="en-US" sz="1600" dirty="0">
+                <a:latin typeface="Titillium Web" pitchFamily="2" charset="77"/>
+              </a:rPr>
               <a:t>Internet</a:t>
             </a:r>
           </a:p>
@@ -3807,7 +3834,9 @@
           <a:p>
             <a:pPr algn="ctr"/>
             <a:r>
-              <a:rPr lang="en-US" sz="1600" dirty="0"/>
+              <a:rPr lang="en-US" sz="1600" dirty="0">
+                <a:latin typeface="Titillium Web" pitchFamily="2" charset="77"/>
+              </a:rPr>
               <a:t>Runtime API</a:t>
             </a:r>
           </a:p>
@@ -3827,8 +3856,8 @@
         </p:nvSpPr>
         <p:spPr>
           <a:xfrm rot="5400000">
-            <a:off x="2721618" y="6533918"/>
-            <a:ext cx="1119537" cy="738664"/>
+            <a:off x="2688115" y="6533918"/>
+            <a:ext cx="1186543" cy="738664"/>
           </a:xfrm>
           <a:prstGeom prst="rect">
             <a:avLst/>
@@ -3843,21 +3872,27 @@
           <a:p>
             <a:pPr algn="ctr"/>
             <a:r>
-              <a:rPr lang="en-US" sz="1400" dirty="0"/>
+              <a:rPr lang="en-US" sz="1400" dirty="0">
+                <a:latin typeface="Titillium Web" pitchFamily="2" charset="77"/>
+              </a:rPr>
               <a:t>Submit</a:t>
             </a:r>
           </a:p>
           <a:p>
             <a:pPr algn="ctr"/>
             <a:r>
-              <a:rPr lang="en-US" sz="1400" dirty="0"/>
+              <a:rPr lang="en-US" sz="1400" dirty="0">
+                <a:latin typeface="Titillium Web" pitchFamily="2" charset="77"/>
+              </a:rPr>
               <a:t>Process Spec</a:t>
             </a:r>
           </a:p>
           <a:p>
             <a:pPr algn="ctr"/>
             <a:r>
-              <a:rPr lang="en-US" sz="1400" dirty="0"/>
+              <a:rPr lang="en-US" sz="1400" dirty="0">
+                <a:latin typeface="Titillium Web" pitchFamily="2" charset="77"/>
+              </a:rPr>
               <a:t>A</a:t>
             </a:r>
           </a:p>
@@ -3915,7 +3950,9 @@
           <a:p>
             <a:pPr algn="ctr"/>
             <a:r>
-              <a:rPr lang="en-US" sz="1600" dirty="0"/>
+              <a:rPr lang="en-US" sz="1600" dirty="0">
+                <a:latin typeface="Titillium Web" pitchFamily="2" charset="77"/>
+              </a:rPr>
               <a:t>Process API</a:t>
             </a:r>
           </a:p>
@@ -3973,7 +4010,9 @@
           <a:p>
             <a:pPr algn="ctr"/>
             <a:r>
-              <a:rPr lang="en-US" sz="1600" dirty="0"/>
+              <a:rPr lang="en-US" sz="1600" dirty="0">
+                <a:latin typeface="Titillium Web" pitchFamily="2" charset="77"/>
+              </a:rPr>
               <a:t>Process API</a:t>
             </a:r>
           </a:p>
@@ -4031,7 +4070,9 @@
           <a:p>
             <a:pPr algn="ctr"/>
             <a:r>
-              <a:rPr lang="en-US" sz="1600" dirty="0"/>
+              <a:rPr lang="en-US" sz="1600" dirty="0">
+                <a:latin typeface="Titillium Web" pitchFamily="2" charset="77"/>
+              </a:rPr>
               <a:t>Process API</a:t>
             </a:r>
           </a:p>
@@ -4131,7 +4172,9 @@
           <a:p>
             <a:pPr algn="ctr"/>
             <a:r>
-              <a:rPr lang="en-US" sz="1600" dirty="0"/>
+              <a:rPr lang="en-US" sz="1600" dirty="0">
+                <a:latin typeface="Titillium Web" pitchFamily="2" charset="77"/>
+              </a:rPr>
               <a:t>Edge Network</a:t>
             </a:r>
           </a:p>
@@ -4188,7 +4231,9 @@
           <a:p>
             <a:pPr algn="ctr"/>
             <a:r>
-              <a:rPr lang="en-US" sz="1600" dirty="0"/>
+              <a:rPr lang="en-US" sz="1600" dirty="0">
+                <a:latin typeface="Titillium Web" pitchFamily="2" charset="77"/>
+              </a:rPr>
               <a:t>Edge Network</a:t>
             </a:r>
           </a:p>
@@ -4208,8 +4253,8 @@
         </p:nvSpPr>
         <p:spPr>
           <a:xfrm rot="5400000">
-            <a:off x="4709310" y="6487717"/>
-            <a:ext cx="922368" cy="738664"/>
+            <a:off x="4684624" y="6487717"/>
+            <a:ext cx="971741" cy="738664"/>
           </a:xfrm>
           <a:prstGeom prst="rect">
             <a:avLst/>
@@ -4224,20 +4269,26 @@
           <a:p>
             <a:pPr algn="ctr"/>
             <a:r>
-              <a:rPr lang="en-US" sz="1400" dirty="0"/>
+              <a:rPr lang="en-US" sz="1400" dirty="0">
+                <a:latin typeface="Titillium Web" pitchFamily="2" charset="77"/>
+              </a:rPr>
               <a:t>Assign</a:t>
             </a:r>
           </a:p>
           <a:p>
             <a:pPr algn="ctr"/>
             <a:r>
-              <a:rPr lang="en-US" sz="1400" dirty="0"/>
+              <a:rPr lang="en-US" sz="1400" dirty="0">
+                <a:latin typeface="Titillium Web" pitchFamily="2" charset="77"/>
+              </a:rPr>
               <a:t>Process A </a:t>
             </a:r>
           </a:p>
           <a:p>
             <a:pPr algn="ctr"/>
-            <a:endParaRPr lang="en-US" sz="1400" dirty="0"/>
+            <a:endParaRPr lang="en-US" sz="1400" dirty="0">
+              <a:latin typeface="Titillium Web" pitchFamily="2" charset="77"/>
+            </a:endParaRPr>
           </a:p>
         </p:txBody>
       </p:sp>
@@ -4296,8 +4347,8 @@
         </p:nvSpPr>
         <p:spPr>
           <a:xfrm rot="5400000">
-            <a:off x="5543616" y="6568096"/>
-            <a:ext cx="845681" cy="523220"/>
+            <a:off x="5535088" y="6568096"/>
+            <a:ext cx="862737" cy="523220"/>
           </a:xfrm>
           <a:prstGeom prst="rect">
             <a:avLst/>
@@ -4312,14 +4363,18 @@
           <a:p>
             <a:pPr algn="ctr"/>
             <a:r>
-              <a:rPr lang="en-US" sz="1400" dirty="0"/>
+              <a:rPr lang="en-US" sz="1400" dirty="0">
+                <a:latin typeface="Titillium Web" pitchFamily="2" charset="77"/>
+              </a:rPr>
               <a:t>Add</a:t>
             </a:r>
           </a:p>
           <a:p>
             <a:pPr algn="ctr"/>
             <a:r>
-              <a:rPr lang="en-US" sz="1400" dirty="0"/>
+              <a:rPr lang="en-US" sz="1400" dirty="0">
+                <a:latin typeface="Titillium Web" pitchFamily="2" charset="77"/>
+              </a:rPr>
               <a:t>Attribute</a:t>
             </a:r>
           </a:p>
@@ -4380,8 +4435,8 @@
         </p:nvSpPr>
         <p:spPr>
           <a:xfrm rot="5400000">
-            <a:off x="6139242" y="6595440"/>
-            <a:ext cx="882293" cy="523220"/>
+            <a:off x="6088430" y="6595440"/>
+            <a:ext cx="931666" cy="523220"/>
           </a:xfrm>
           <a:prstGeom prst="rect">
             <a:avLst/>
@@ -4396,14 +4451,18 @@
           <a:p>
             <a:pPr algn="ctr"/>
             <a:r>
-              <a:rPr lang="en-US" sz="1400" dirty="0"/>
+              <a:rPr lang="en-US" sz="1400" dirty="0">
+                <a:latin typeface="Titillium Web" pitchFamily="2" charset="77"/>
+              </a:rPr>
               <a:t>Finish</a:t>
             </a:r>
           </a:p>
           <a:p>
             <a:pPr algn="ctr"/>
             <a:r>
-              <a:rPr lang="en-US" sz="1400" dirty="0"/>
+              <a:rPr lang="en-US" sz="1400" dirty="0">
+                <a:latin typeface="Titillium Web" pitchFamily="2" charset="77"/>
+              </a:rPr>
               <a:t>Process A</a:t>
             </a:r>
           </a:p>
@@ -4464,8 +4523,8 @@
         </p:nvSpPr>
         <p:spPr>
           <a:xfrm rot="5400000">
-            <a:off x="7428464" y="6422808"/>
-            <a:ext cx="882293" cy="954107"/>
+            <a:off x="7429904" y="6422808"/>
+            <a:ext cx="931666" cy="954107"/>
           </a:xfrm>
           <a:prstGeom prst="rect">
             <a:avLst/>
@@ -4479,26 +4538,34 @@
           <a:lstStyle/>
           <a:p>
             <a:pPr algn="ctr"/>
-            <a:endParaRPr lang="en-US" sz="1400" dirty="0"/>
+            <a:endParaRPr lang="en-US" sz="1400" dirty="0">
+              <a:latin typeface="Titillium Web" pitchFamily="2" charset="77"/>
+            </a:endParaRPr>
           </a:p>
           <a:p>
             <a:pPr algn="ctr"/>
             <a:r>
-              <a:rPr lang="en-US" sz="1400" dirty="0"/>
+              <a:rPr lang="en-US" sz="1400" dirty="0">
+                <a:latin typeface="Titillium Web" pitchFamily="2" charset="77"/>
+              </a:rPr>
               <a:t>Event</a:t>
             </a:r>
           </a:p>
           <a:p>
             <a:pPr algn="ctr"/>
             <a:r>
-              <a:rPr lang="en-US" sz="1400" dirty="0"/>
+              <a:rPr lang="en-US" sz="1400" dirty="0">
+                <a:latin typeface="Titillium Web" pitchFamily="2" charset="77"/>
+              </a:rPr>
               <a:t>Process A</a:t>
             </a:r>
           </a:p>
           <a:p>
             <a:pPr algn="ctr"/>
             <a:r>
-              <a:rPr lang="en-US" sz="1400" dirty="0"/>
+              <a:rPr lang="en-US" sz="1400" dirty="0">
+                <a:latin typeface="Titillium Web" pitchFamily="2" charset="77"/>
+              </a:rPr>
               <a:t>Finished</a:t>
             </a:r>
           </a:p>
@@ -4560,8 +4627,8 @@
         </p:nvSpPr>
         <p:spPr>
           <a:xfrm>
-            <a:off x="8290286" y="2447848"/>
-            <a:ext cx="1718547" cy="307777"/>
+            <a:off x="8270152" y="2447848"/>
+            <a:ext cx="1758816" cy="307777"/>
           </a:xfrm>
           <a:prstGeom prst="rect">
             <a:avLst/>
@@ -4576,7 +4643,9 @@
           <a:p>
             <a:pPr algn="ctr"/>
             <a:r>
-              <a:rPr lang="en-US" sz="1400" dirty="0"/>
+              <a:rPr lang="en-US" sz="1400" dirty="0">
+                <a:latin typeface="Titillium Web" pitchFamily="2" charset="77"/>
+              </a:rPr>
               <a:t>Add Colony Runtime </a:t>
             </a:r>
           </a:p>
@@ -4700,7 +4769,9 @@
           <a:p>
             <a:pPr algn="ctr"/>
             <a:r>
-              <a:rPr lang="en-US" sz="1400" dirty="0"/>
+              <a:rPr lang="en-US" sz="1400" dirty="0">
+                <a:latin typeface="Titillium Web" pitchFamily="2" charset="77"/>
+              </a:rPr>
               <a:t>Colony Owner</a:t>
             </a:r>
           </a:p>
@@ -4720,8 +4791,8 @@
         </p:nvSpPr>
         <p:spPr>
           <a:xfrm>
-            <a:off x="9180255" y="1969550"/>
-            <a:ext cx="1338122" cy="276999"/>
+            <a:off x="9154254" y="1969550"/>
+            <a:ext cx="1390124" cy="276999"/>
           </a:xfrm>
           <a:prstGeom prst="rect">
             <a:avLst/>
@@ -4736,7 +4807,9 @@
           <a:p>
             <a:pPr algn="ctr"/>
             <a:r>
-              <a:rPr lang="en-US" sz="1200" dirty="0"/>
+              <a:rPr lang="en-US" sz="1200" dirty="0">
+                <a:latin typeface="Titillium Web" pitchFamily="2" charset="77"/>
+              </a:rPr>
               <a:t>Colony Private Key</a:t>
             </a:r>
           </a:p>
@@ -4756,8 +4829,8 @@
         </p:nvSpPr>
         <p:spPr>
           <a:xfrm>
-            <a:off x="1760009" y="4990722"/>
-            <a:ext cx="1565621" cy="276999"/>
+            <a:off x="1526031" y="5015629"/>
+            <a:ext cx="1628972" cy="276999"/>
           </a:xfrm>
           <a:prstGeom prst="rect">
             <a:avLst/>
@@ -4772,7 +4845,9 @@
           <a:p>
             <a:pPr algn="ctr"/>
             <a:r>
-              <a:rPr lang="en-US" sz="1200" dirty="0"/>
+              <a:rPr lang="en-US" sz="1200" dirty="0">
+                <a:latin typeface="Titillium Web" pitchFamily="2" charset="77"/>
+              </a:rPr>
               <a:t>Runtime Private Key A</a:t>
             </a:r>
           </a:p>
@@ -4830,7 +4905,9 @@
           <a:p>
             <a:pPr algn="ctr"/>
             <a:r>
-              <a:rPr lang="en-US" sz="1600" dirty="0"/>
+              <a:rPr lang="en-US" sz="1600" dirty="0">
+                <a:latin typeface="Titillium Web" pitchFamily="2" charset="77"/>
+              </a:rPr>
               <a:t>Colony API</a:t>
             </a:r>
           </a:p>
@@ -4850,8 +4927,8 @@
         </p:nvSpPr>
         <p:spPr>
           <a:xfrm>
-            <a:off x="2258064" y="2450141"/>
-            <a:ext cx="1315618" cy="307777"/>
+            <a:off x="2230429" y="2450141"/>
+            <a:ext cx="1370889" cy="307777"/>
           </a:xfrm>
           <a:prstGeom prst="rect">
             <a:avLst/>
@@ -4866,7 +4943,9 @@
           <a:p>
             <a:pPr algn="ctr"/>
             <a:r>
-              <a:rPr lang="en-US" sz="1400" dirty="0"/>
+              <a:rPr lang="en-US" sz="1400" dirty="0">
+                <a:latin typeface="Titillium Web" pitchFamily="2" charset="77"/>
+              </a:rPr>
               <a:t>Register Colony</a:t>
             </a:r>
           </a:p>
@@ -4933,8 +5012,8 @@
         </p:nvSpPr>
         <p:spPr>
           <a:xfrm>
-            <a:off x="2177129" y="1333005"/>
-            <a:ext cx="1186479" cy="307777"/>
+            <a:off x="2159464" y="1333005"/>
+            <a:ext cx="1221809" cy="307777"/>
           </a:xfrm>
           <a:prstGeom prst="rect">
             <a:avLst/>
@@ -4949,7 +5028,9 @@
           <a:p>
             <a:pPr algn="ctr"/>
             <a:r>
-              <a:rPr lang="en-US" sz="1400" dirty="0"/>
+              <a:rPr lang="en-US" sz="1400" dirty="0">
+                <a:latin typeface="Titillium Web" pitchFamily="2" charset="77"/>
+              </a:rPr>
               <a:t>Server Owner</a:t>
             </a:r>
           </a:p>
@@ -4969,8 +5050,8 @@
         </p:nvSpPr>
         <p:spPr>
           <a:xfrm>
-            <a:off x="1114881" y="2011397"/>
-            <a:ext cx="1345754" cy="276999"/>
+            <a:off x="1103917" y="2011397"/>
+            <a:ext cx="1367683" cy="276999"/>
           </a:xfrm>
           <a:prstGeom prst="rect">
             <a:avLst/>
@@ -4985,7 +5066,9 @@
           <a:p>
             <a:pPr algn="ctr"/>
             <a:r>
-              <a:rPr lang="en-US" sz="1200" dirty="0"/>
+              <a:rPr lang="en-US" sz="1200" dirty="0">
+                <a:latin typeface="Titillium Web" pitchFamily="2" charset="77"/>
+              </a:rPr>
               <a:t>Server Private Key</a:t>
             </a:r>
           </a:p>
@@ -5143,8 +5226,10 @@
           <a:p>
             <a:pPr algn="ctr"/>
             <a:r>
-              <a:rPr lang="en-US" sz="1600" dirty="0"/>
-              <a:t>Kubernetes</a:t>
+              <a:rPr lang="en-US" sz="1600" dirty="0">
+                <a:latin typeface="Titillium Web" pitchFamily="2" charset="77"/>
+              </a:rPr>
+              <a:t>Colonies Worker</a:t>
             </a:r>
           </a:p>
         </p:txBody>
@@ -5200,8 +5285,10 @@
           <a:p>
             <a:pPr algn="ctr"/>
             <a:r>
-              <a:rPr lang="en-US" sz="1600" dirty="0"/>
-              <a:t>Android App</a:t>
+              <a:rPr lang="en-US" sz="1600" dirty="0">
+                <a:latin typeface="Titillium Web" pitchFamily="2" charset="77"/>
+              </a:rPr>
+              <a:t>Colonies Worker</a:t>
             </a:r>
           </a:p>
         </p:txBody>
@@ -5257,8 +5344,10 @@
           <a:p>
             <a:pPr algn="ctr"/>
             <a:r>
-              <a:rPr lang="en-US" sz="1600" dirty="0"/>
-              <a:t>IoT App</a:t>
+              <a:rPr lang="en-US" sz="1600" dirty="0">
+                <a:latin typeface="Titillium Web" pitchFamily="2" charset="77"/>
+              </a:rPr>
+              <a:t>Colonies Worker</a:t>
             </a:r>
           </a:p>
         </p:txBody>
@@ -5277,8 +5366,8 @@
         </p:nvSpPr>
         <p:spPr>
           <a:xfrm>
-            <a:off x="8278417" y="2795531"/>
-            <a:ext cx="2041777" cy="307777"/>
+            <a:off x="8252384" y="2795531"/>
+            <a:ext cx="2093843" cy="307777"/>
           </a:xfrm>
           <a:prstGeom prst="rect">
             <a:avLst/>
@@ -5293,7 +5382,9 @@
           <a:p>
             <a:pPr algn="ctr"/>
             <a:r>
-              <a:rPr lang="en-US" sz="1400" dirty="0"/>
+              <a:rPr lang="en-US" sz="1400" dirty="0">
+                <a:latin typeface="Titillium Web" pitchFamily="2" charset="77"/>
+              </a:rPr>
               <a:t>Approve Colony Runtime </a:t>
             </a:r>
           </a:p>
@@ -5400,7 +5491,9 @@
           <a:p>
             <a:pPr algn="ctr"/>
             <a:r>
-              <a:rPr lang="en-US" sz="1800" dirty="0"/>
+              <a:rPr lang="en-US" sz="1800" dirty="0">
+                <a:latin typeface="Titillium Web" pitchFamily="2" charset="77"/>
+              </a:rPr>
               <a:t>Runtime</a:t>
             </a:r>
           </a:p>
@@ -5466,7 +5559,9 @@
           <a:p>
             <a:pPr algn="ctr"/>
             <a:r>
-              <a:rPr lang="en-US" sz="1800" dirty="0"/>
+              <a:rPr lang="en-US" sz="1800" dirty="0">
+                <a:latin typeface="Titillium Web" pitchFamily="2" charset="77"/>
+              </a:rPr>
               <a:t>Runtime</a:t>
             </a:r>
           </a:p>
@@ -5532,7 +5627,9 @@
           <a:p>
             <a:pPr algn="ctr"/>
             <a:r>
-              <a:rPr lang="en-US" sz="1800" dirty="0"/>
+              <a:rPr lang="en-US" sz="1800" dirty="0">
+                <a:latin typeface="Titillium Web" pitchFamily="2" charset="77"/>
+              </a:rPr>
               <a:t>Runtime</a:t>
             </a:r>
           </a:p>
@@ -5587,7 +5684,9 @@
           <a:lstStyle/>
           <a:p>
             <a:pPr algn="ctr"/>
-            <a:endParaRPr lang="en-US" dirty="0"/>
+            <a:endParaRPr lang="en-US" dirty="0">
+              <a:latin typeface="Titillium Web" pitchFamily="2" charset="77"/>
+            </a:endParaRPr>
           </a:p>
         </p:txBody>
       </p:sp>
@@ -5640,7 +5739,9 @@
           <a:lstStyle/>
           <a:p>
             <a:pPr algn="ctr"/>
-            <a:endParaRPr lang="en-US" dirty="0"/>
+            <a:endParaRPr lang="en-US" dirty="0">
+              <a:latin typeface="Titillium Web" pitchFamily="2" charset="77"/>
+            </a:endParaRPr>
           </a:p>
         </p:txBody>
       </p:sp>
@@ -5674,9 +5775,14 @@
           <a:p>
             <a:pPr algn="ctr"/>
             <a:r>
-              <a:rPr lang="en-US" sz="1800" dirty="0"/>
-              <a:t>Colony Worker</a:t>
-            </a:r>
+              <a:rPr lang="en-US" dirty="0">
+                <a:latin typeface="Titillium Web" pitchFamily="2" charset="77"/>
+              </a:rPr>
+              <a:t>Kubernetes</a:t>
+            </a:r>
+            <a:endParaRPr lang="en-US" sz="1800" dirty="0">
+              <a:latin typeface="Titillium Web" pitchFamily="2" charset="77"/>
+            </a:endParaRPr>
           </a:p>
         </p:txBody>
       </p:sp>
@@ -5710,9 +5816,14 @@
           <a:p>
             <a:pPr algn="ctr"/>
             <a:r>
-              <a:rPr lang="en-US" sz="1800" dirty="0"/>
-              <a:t>Colony Worker</a:t>
-            </a:r>
+              <a:rPr lang="en-US" dirty="0">
+                <a:latin typeface="Titillium Web" pitchFamily="2" charset="77"/>
+              </a:rPr>
+              <a:t>IoT Device</a:t>
+            </a:r>
+            <a:endParaRPr lang="en-US" sz="1800" dirty="0">
+              <a:latin typeface="Titillium Web" pitchFamily="2" charset="77"/>
+            </a:endParaRPr>
           </a:p>
         </p:txBody>
       </p:sp>
@@ -5746,9 +5857,14 @@
           <a:p>
             <a:pPr algn="ctr"/>
             <a:r>
-              <a:rPr lang="en-US" sz="1800" dirty="0"/>
-              <a:t>Colony Worker</a:t>
-            </a:r>
+              <a:rPr lang="en-US" dirty="0">
+                <a:latin typeface="Titillium Web" pitchFamily="2" charset="77"/>
+              </a:rPr>
+              <a:t>Android App</a:t>
+            </a:r>
+            <a:endParaRPr lang="en-US" sz="1800" dirty="0">
+              <a:latin typeface="Titillium Web" pitchFamily="2" charset="77"/>
+            </a:endParaRPr>
           </a:p>
         </p:txBody>
       </p:sp>
@@ -5756,6 +5872,82 @@
     <p:extLst>
       <p:ext uri="{BB962C8B-B14F-4D97-AF65-F5344CB8AC3E}">
         <p14:creationId xmlns:p14="http://schemas.microsoft.com/office/powerpoint/2010/main" val="4074230781"/>
+      </p:ext>
+    </p:extLst>
+  </p:cSld>
+  <p:clrMapOvr>
+    <a:masterClrMapping/>
+  </p:clrMapOvr>
+</p:sld>
+</file>
+
+<file path=ppt/slides/slide2.xml><?xml version="1.0" encoding="utf-8"?>
+<p:sld xmlns:a="http://schemas.openxmlformats.org/drawingml/2006/main" xmlns:r="http://schemas.openxmlformats.org/officeDocument/2006/relationships" xmlns:p="http://schemas.openxmlformats.org/presentationml/2006/main">
+  <p:cSld>
+    <p:spTree>
+      <p:nvGrpSpPr>
+        <p:cNvPr id="1" name=""/>
+        <p:cNvGrpSpPr/>
+        <p:nvPr/>
+      </p:nvGrpSpPr>
+      <p:grpSpPr>
+        <a:xfrm>
+          <a:off x="0" y="0"/>
+          <a:ext cx="0" cy="0"/>
+          <a:chOff x="0" y="0"/>
+          <a:chExt cx="0" cy="0"/>
+        </a:xfrm>
+      </p:grpSpPr>
+      <p:sp>
+        <p:nvSpPr>
+          <p:cNvPr id="4" name="Hexagon 3">
+            <a:extLst>
+              <a:ext uri="{FF2B5EF4-FFF2-40B4-BE49-F238E27FC236}">
+                <a16:creationId xmlns:a16="http://schemas.microsoft.com/office/drawing/2014/main" id="{1128B493-36B6-974C-9E49-0BCF1D7EEE0F}"/>
+              </a:ext>
+            </a:extLst>
+          </p:cNvPr>
+          <p:cNvSpPr/>
+          <p:nvPr/>
+        </p:nvSpPr>
+        <p:spPr>
+          <a:xfrm rot="5400000">
+            <a:off x="457199" y="496387"/>
+            <a:ext cx="5584373" cy="5754191"/>
+          </a:xfrm>
+          <a:prstGeom prst="hexagon">
+            <a:avLst/>
+          </a:prstGeom>
+        </p:spPr>
+        <p:style>
+          <a:lnRef idx="2">
+            <a:schemeClr val="accent1">
+              <a:shade val="50000"/>
+            </a:schemeClr>
+          </a:lnRef>
+          <a:fillRef idx="1">
+            <a:schemeClr val="accent1"/>
+          </a:fillRef>
+          <a:effectRef idx="0">
+            <a:schemeClr val="accent1"/>
+          </a:effectRef>
+          <a:fontRef idx="minor">
+            <a:schemeClr val="lt1"/>
+          </a:fontRef>
+        </p:style>
+        <p:txBody>
+          <a:bodyPr rtlCol="0" anchor="ctr"/>
+          <a:lstStyle/>
+          <a:p>
+            <a:pPr algn="ctr"/>
+            <a:endParaRPr lang="en-SE"/>
+          </a:p>
+        </p:txBody>
+      </p:sp>
+    </p:spTree>
+    <p:extLst>
+      <p:ext uri="{BB962C8B-B14F-4D97-AF65-F5344CB8AC3E}">
+        <p14:creationId xmlns:p14="http://schemas.microsoft.com/office/powerpoint/2010/main" val="532865272"/>
       </p:ext>
     </p:extLst>
   </p:cSld>

--- a/docs/images/ColoniesArch.pptx
+++ b/docs/images/ColoniesArch.pptx
@@ -683,7 +683,7 @@
           <a:p>
             <a:fld id="{B79BB705-F904-8E46-BC0B-BBFDED0D0282}" type="datetimeFigureOut">
               <a:rPr lang="en-US" smtClean="0"/>
-              <a:t>4/3/22</a:t>
+              <a:t>4/5/22</a:t>
             </a:fld>
             <a:endParaRPr lang="en-US"/>
           </a:p>
@@ -853,7 +853,7 @@
           <a:p>
             <a:fld id="{B79BB705-F904-8E46-BC0B-BBFDED0D0282}" type="datetimeFigureOut">
               <a:rPr lang="en-US" smtClean="0"/>
-              <a:t>4/3/22</a:t>
+              <a:t>4/5/22</a:t>
             </a:fld>
             <a:endParaRPr lang="en-US"/>
           </a:p>
@@ -1033,7 +1033,7 @@
           <a:p>
             <a:fld id="{B79BB705-F904-8E46-BC0B-BBFDED0D0282}" type="datetimeFigureOut">
               <a:rPr lang="en-US" smtClean="0"/>
-              <a:t>4/3/22</a:t>
+              <a:t>4/5/22</a:t>
             </a:fld>
             <a:endParaRPr lang="en-US"/>
           </a:p>
@@ -1203,7 +1203,7 @@
           <a:p>
             <a:fld id="{B79BB705-F904-8E46-BC0B-BBFDED0D0282}" type="datetimeFigureOut">
               <a:rPr lang="en-US" smtClean="0"/>
-              <a:t>4/3/22</a:t>
+              <a:t>4/5/22</a:t>
             </a:fld>
             <a:endParaRPr lang="en-US"/>
           </a:p>
@@ -1447,7 +1447,7 @@
           <a:p>
             <a:fld id="{B79BB705-F904-8E46-BC0B-BBFDED0D0282}" type="datetimeFigureOut">
               <a:rPr lang="en-US" smtClean="0"/>
-              <a:t>4/3/22</a:t>
+              <a:t>4/5/22</a:t>
             </a:fld>
             <a:endParaRPr lang="en-US"/>
           </a:p>
@@ -1679,7 +1679,7 @@
           <a:p>
             <a:fld id="{B79BB705-F904-8E46-BC0B-BBFDED0D0282}" type="datetimeFigureOut">
               <a:rPr lang="en-US" smtClean="0"/>
-              <a:t>4/3/22</a:t>
+              <a:t>4/5/22</a:t>
             </a:fld>
             <a:endParaRPr lang="en-US"/>
           </a:p>
@@ -2046,7 +2046,7 @@
           <a:p>
             <a:fld id="{B79BB705-F904-8E46-BC0B-BBFDED0D0282}" type="datetimeFigureOut">
               <a:rPr lang="en-US" smtClean="0"/>
-              <a:t>4/3/22</a:t>
+              <a:t>4/5/22</a:t>
             </a:fld>
             <a:endParaRPr lang="en-US"/>
           </a:p>
@@ -2164,7 +2164,7 @@
           <a:p>
             <a:fld id="{B79BB705-F904-8E46-BC0B-BBFDED0D0282}" type="datetimeFigureOut">
               <a:rPr lang="en-US" smtClean="0"/>
-              <a:t>4/3/22</a:t>
+              <a:t>4/5/22</a:t>
             </a:fld>
             <a:endParaRPr lang="en-US"/>
           </a:p>
@@ -2259,7 +2259,7 @@
           <a:p>
             <a:fld id="{B79BB705-F904-8E46-BC0B-BBFDED0D0282}" type="datetimeFigureOut">
               <a:rPr lang="en-US" smtClean="0"/>
-              <a:t>4/3/22</a:t>
+              <a:t>4/5/22</a:t>
             </a:fld>
             <a:endParaRPr lang="en-US"/>
           </a:p>
@@ -2536,7 +2536,7 @@
           <a:p>
             <a:fld id="{B79BB705-F904-8E46-BC0B-BBFDED0D0282}" type="datetimeFigureOut">
               <a:rPr lang="en-US" smtClean="0"/>
-              <a:t>4/3/22</a:t>
+              <a:t>4/5/22</a:t>
             </a:fld>
             <a:endParaRPr lang="en-US"/>
           </a:p>
@@ -2793,7 +2793,7 @@
           <a:p>
             <a:fld id="{B79BB705-F904-8E46-BC0B-BBFDED0D0282}" type="datetimeFigureOut">
               <a:rPr lang="en-US" smtClean="0"/>
-              <a:t>4/3/22</a:t>
+              <a:t>4/5/22</a:t>
             </a:fld>
             <a:endParaRPr lang="en-US"/>
           </a:p>
@@ -3006,7 +3006,7 @@
           <a:p>
             <a:fld id="{B79BB705-F904-8E46-BC0B-BBFDED0D0282}" type="datetimeFigureOut">
               <a:rPr lang="en-US" smtClean="0"/>
-              <a:t>4/3/22</a:t>
+              <a:t>4/5/22</a:t>
             </a:fld>
             <a:endParaRPr lang="en-US"/>
           </a:p>
@@ -4361,7 +4361,7 @@
             <a:avLst/>
           </a:prstGeom>
           <a:solidFill>
-            <a:srgbClr val="C9146F"/>
+            <a:srgbClr val="B58900"/>
           </a:solidFill>
           <a:ln>
             <a:noFill/>
@@ -4781,7 +4781,7 @@
             <a:avLst/>
           </a:prstGeom>
           <a:solidFill>
-            <a:srgbClr val="C9146F"/>
+            <a:srgbClr val="B58900"/>
           </a:solidFill>
           <a:ln>
             <a:noFill/>
@@ -5112,7 +5112,7 @@
             <a:avLst/>
           </a:prstGeom>
           <a:solidFill>
-            <a:srgbClr val="C9146F"/>
+            <a:srgbClr val="B58900"/>
           </a:solidFill>
           <a:ln>
             <a:noFill/>
@@ -7467,7 +7467,7 @@
             <a:avLst/>
           </a:prstGeom>
           <a:solidFill>
-            <a:srgbClr val="C9146F"/>
+            <a:srgbClr val="B58900"/>
           </a:solidFill>
           <a:ln>
             <a:noFill/>
@@ -7863,7 +7863,7 @@
             <a:avLst/>
           </a:prstGeom>
           <a:solidFill>
-            <a:srgbClr val="C9146F"/>
+            <a:srgbClr val="B58900"/>
           </a:solidFill>
           <a:ln>
             <a:noFill/>
@@ -8238,7 +8238,7 @@
             <a:avLst/>
           </a:prstGeom>
           <a:solidFill>
-            <a:srgbClr val="C9146F"/>
+            <a:srgbClr val="B58900"/>
           </a:solidFill>
           <a:ln>
             <a:noFill/>
